--- a/paper/figs/figs.pptx
+++ b/paper/figs/figs.pptx
@@ -2,12 +2,12 @@
 <file path=ppt/presentation.xml><?xml version="1.0" encoding="utf-8"?>
 <p:presentation xmlns:a="http://schemas.openxmlformats.org/drawingml/2006/main" xmlns:r="http://schemas.openxmlformats.org/officeDocument/2006/relationships" xmlns:p="http://schemas.openxmlformats.org/presentationml/2006/main" saveSubsetFonts="1" autoCompressPictures="0">
   <p:sldMasterIdLst>
-    <p:sldMasterId id="2147483648" r:id="rId1"/>
+    <p:sldMasterId id="2147483660" r:id="rId1"/>
   </p:sldMasterIdLst>
   <p:sldIdLst>
     <p:sldId id="256" r:id="rId2"/>
   </p:sldIdLst>
-  <p:sldSz cx="12192000" cy="6858000"/>
+  <p:sldSz cx="9144000" cy="6858000" type="screen4x3"/>
   <p:notesSz cx="6858000" cy="9144000"/>
   <p:defaultTextStyle>
     <a:defPPr>
@@ -136,8 +136,8 @@
         </p:nvSpPr>
         <p:spPr>
           <a:xfrm>
-            <a:off x="1524000" y="1122363"/>
-            <a:ext cx="9144000" cy="2387600"/>
+            <a:off x="685800" y="1122364"/>
+            <a:ext cx="7772400" cy="2387600"/>
           </a:xfrm>
         </p:spPr>
         <p:txBody>
@@ -152,7 +152,7 @@
               <a:rPr lang="en-US" smtClean="0"/>
               <a:t>Click to edit Master title style</a:t>
             </a:r>
-            <a:endParaRPr lang="en-US"/>
+            <a:endParaRPr lang="en-US" dirty="0"/>
           </a:p>
         </p:txBody>
       </p:sp>
@@ -168,8 +168,8 @@
         </p:nvSpPr>
         <p:spPr>
           <a:xfrm>
-            <a:off x="1524000" y="3602038"/>
-            <a:ext cx="9144000" cy="1655762"/>
+            <a:off x="1143000" y="3602039"/>
+            <a:ext cx="6858000" cy="1655762"/>
           </a:xfrm>
         </p:spPr>
         <p:txBody>
@@ -179,37 +179,37 @@
               <a:buNone/>
               <a:defRPr sz="2400"/>
             </a:lvl1pPr>
-            <a:lvl2pPr marL="457200" indent="0" algn="ctr">
+            <a:lvl2pPr marL="457223" indent="0" algn="ctr">
               <a:buNone/>
               <a:defRPr sz="2000"/>
             </a:lvl2pPr>
-            <a:lvl3pPr marL="914400" indent="0" algn="ctr">
+            <a:lvl3pPr marL="914445" indent="0" algn="ctr">
               <a:buNone/>
               <a:defRPr sz="1800"/>
             </a:lvl3pPr>
-            <a:lvl4pPr marL="1371600" indent="0" algn="ctr">
-              <a:buNone/>
-              <a:defRPr sz="1600"/>
+            <a:lvl4pPr marL="1371669" indent="0" algn="ctr">
+              <a:buNone/>
+              <a:defRPr sz="1601"/>
             </a:lvl4pPr>
-            <a:lvl5pPr marL="1828800" indent="0" algn="ctr">
-              <a:buNone/>
-              <a:defRPr sz="1600"/>
+            <a:lvl5pPr marL="1828892" indent="0" algn="ctr">
+              <a:buNone/>
+              <a:defRPr sz="1601"/>
             </a:lvl5pPr>
-            <a:lvl6pPr marL="2286000" indent="0" algn="ctr">
-              <a:buNone/>
-              <a:defRPr sz="1600"/>
+            <a:lvl6pPr marL="2286114" indent="0" algn="ctr">
+              <a:buNone/>
+              <a:defRPr sz="1601"/>
             </a:lvl6pPr>
-            <a:lvl7pPr marL="2743200" indent="0" algn="ctr">
-              <a:buNone/>
-              <a:defRPr sz="1600"/>
+            <a:lvl7pPr marL="2743337" indent="0" algn="ctr">
+              <a:buNone/>
+              <a:defRPr sz="1601"/>
             </a:lvl7pPr>
-            <a:lvl8pPr marL="3200400" indent="0" algn="ctr">
-              <a:buNone/>
-              <a:defRPr sz="1600"/>
+            <a:lvl8pPr marL="3200561" indent="0" algn="ctr">
+              <a:buNone/>
+              <a:defRPr sz="1601"/>
             </a:lvl8pPr>
-            <a:lvl9pPr marL="3657600" indent="0" algn="ctr">
-              <a:buNone/>
-              <a:defRPr sz="1600"/>
+            <a:lvl9pPr marL="3657783" indent="0" algn="ctr">
+              <a:buNone/>
+              <a:defRPr sz="1601"/>
             </a:lvl9pPr>
           </a:lstStyle>
           <a:p>
@@ -217,7 +217,7 @@
               <a:rPr lang="en-US" smtClean="0"/>
               <a:t>Click to edit Master subtitle style</a:t>
             </a:r>
-            <a:endParaRPr lang="en-US"/>
+            <a:endParaRPr lang="en-US" dirty="0"/>
           </a:p>
         </p:txBody>
       </p:sp>
@@ -287,11 +287,6 @@
         </p:txBody>
       </p:sp>
     </p:spTree>
-    <p:extLst>
-      <p:ext uri="{BB962C8B-B14F-4D97-AF65-F5344CB8AC3E}">
-        <p14:creationId xmlns:p14="http://schemas.microsoft.com/office/powerpoint/2010/main" val="923000712"/>
-      </p:ext>
-    </p:extLst>
   </p:cSld>
   <p:clrMapOvr>
     <a:masterClrMapping/>
@@ -335,7 +330,7 @@
               <a:rPr lang="en-US" smtClean="0"/>
               <a:t>Click to edit Master title style</a:t>
             </a:r>
-            <a:endParaRPr lang="en-US"/>
+            <a:endParaRPr lang="en-US" dirty="0"/>
           </a:p>
         </p:txBody>
       </p:sp>
@@ -387,7 +382,7 @@
               <a:rPr lang="en-US" smtClean="0"/>
               <a:t>Fifth level</a:t>
             </a:r>
-            <a:endParaRPr lang="en-US"/>
+            <a:endParaRPr lang="en-US" dirty="0"/>
           </a:p>
         </p:txBody>
       </p:sp>
@@ -457,11 +452,6 @@
         </p:txBody>
       </p:sp>
     </p:spTree>
-    <p:extLst>
-      <p:ext uri="{BB962C8B-B14F-4D97-AF65-F5344CB8AC3E}">
-        <p14:creationId xmlns:p14="http://schemas.microsoft.com/office/powerpoint/2010/main" val="528783474"/>
-      </p:ext>
-    </p:extLst>
   </p:cSld>
   <p:clrMapOvr>
     <a:masterClrMapping/>
@@ -498,8 +488,8 @@
         </p:nvSpPr>
         <p:spPr>
           <a:xfrm>
-            <a:off x="8724900" y="365125"/>
-            <a:ext cx="2628900" cy="5811838"/>
+            <a:off x="6543676" y="365126"/>
+            <a:ext cx="1971676" cy="5811839"/>
           </a:xfrm>
         </p:spPr>
         <p:txBody>
@@ -510,7 +500,7 @@
               <a:rPr lang="en-US" smtClean="0"/>
               <a:t>Click to edit Master title style</a:t>
             </a:r>
-            <a:endParaRPr lang="en-US"/>
+            <a:endParaRPr lang="en-US" dirty="0"/>
           </a:p>
         </p:txBody>
       </p:sp>
@@ -526,8 +516,8 @@
         </p:nvSpPr>
         <p:spPr>
           <a:xfrm>
-            <a:off x="838200" y="365125"/>
-            <a:ext cx="7734300" cy="5811838"/>
+            <a:off x="628651" y="365126"/>
+            <a:ext cx="5800726" cy="5811839"/>
           </a:xfrm>
         </p:spPr>
         <p:txBody>
@@ -567,7 +557,7 @@
               <a:rPr lang="en-US" smtClean="0"/>
               <a:t>Fifth level</a:t>
             </a:r>
-            <a:endParaRPr lang="en-US"/>
+            <a:endParaRPr lang="en-US" dirty="0"/>
           </a:p>
         </p:txBody>
       </p:sp>
@@ -637,11 +627,6 @@
         </p:txBody>
       </p:sp>
     </p:spTree>
-    <p:extLst>
-      <p:ext uri="{BB962C8B-B14F-4D97-AF65-F5344CB8AC3E}">
-        <p14:creationId xmlns:p14="http://schemas.microsoft.com/office/powerpoint/2010/main" val="976516232"/>
-      </p:ext>
-    </p:extLst>
   </p:cSld>
   <p:clrMapOvr>
     <a:masterClrMapping/>
@@ -685,7 +670,7 @@
               <a:rPr lang="en-US" smtClean="0"/>
               <a:t>Click to edit Master title style</a:t>
             </a:r>
-            <a:endParaRPr lang="en-US"/>
+            <a:endParaRPr lang="en-US" dirty="0"/>
           </a:p>
         </p:txBody>
       </p:sp>
@@ -737,7 +722,7 @@
               <a:rPr lang="en-US" smtClean="0"/>
               <a:t>Fifth level</a:t>
             </a:r>
-            <a:endParaRPr lang="en-US"/>
+            <a:endParaRPr lang="en-US" dirty="0"/>
           </a:p>
         </p:txBody>
       </p:sp>
@@ -807,11 +792,6 @@
         </p:txBody>
       </p:sp>
     </p:spTree>
-    <p:extLst>
-      <p:ext uri="{BB962C8B-B14F-4D97-AF65-F5344CB8AC3E}">
-        <p14:creationId xmlns:p14="http://schemas.microsoft.com/office/powerpoint/2010/main" val="1598584303"/>
-      </p:ext>
-    </p:extLst>
   </p:cSld>
   <p:clrMapOvr>
     <a:masterClrMapping/>
@@ -848,8 +828,8 @@
         </p:nvSpPr>
         <p:spPr>
           <a:xfrm>
-            <a:off x="831850" y="1709738"/>
-            <a:ext cx="10515600" cy="2852737"/>
+            <a:off x="623888" y="1709743"/>
+            <a:ext cx="7886700" cy="2852738"/>
           </a:xfrm>
         </p:spPr>
         <p:txBody>
@@ -864,7 +844,7 @@
               <a:rPr lang="en-US" smtClean="0"/>
               <a:t>Click to edit Master title style</a:t>
             </a:r>
-            <a:endParaRPr lang="en-US"/>
+            <a:endParaRPr lang="en-US" dirty="0"/>
           </a:p>
         </p:txBody>
       </p:sp>
@@ -880,8 +860,8 @@
         </p:nvSpPr>
         <p:spPr>
           <a:xfrm>
-            <a:off x="831850" y="4589463"/>
-            <a:ext cx="10515600" cy="1500187"/>
+            <a:off x="623888" y="4589467"/>
+            <a:ext cx="7886700" cy="1500188"/>
           </a:xfrm>
         </p:spPr>
         <p:txBody>
@@ -891,13 +871,11 @@
               <a:buNone/>
               <a:defRPr sz="2400">
                 <a:solidFill>
-                  <a:schemeClr val="tx1">
-                    <a:tint val="75000"/>
-                  </a:schemeClr>
+                  <a:schemeClr val="tx1"/>
                 </a:solidFill>
               </a:defRPr>
             </a:lvl1pPr>
-            <a:lvl2pPr marL="457200" indent="0">
+            <a:lvl2pPr marL="457223" indent="0">
               <a:buNone/>
               <a:defRPr sz="2000">
                 <a:solidFill>
@@ -907,7 +885,7 @@
                 </a:solidFill>
               </a:defRPr>
             </a:lvl2pPr>
-            <a:lvl3pPr marL="914400" indent="0">
+            <a:lvl3pPr marL="914445" indent="0">
               <a:buNone/>
               <a:defRPr sz="1800">
                 <a:solidFill>
@@ -917,9 +895,9 @@
                 </a:solidFill>
               </a:defRPr>
             </a:lvl3pPr>
-            <a:lvl4pPr marL="1371600" indent="0">
-              <a:buNone/>
-              <a:defRPr sz="1600">
+            <a:lvl4pPr marL="1371669" indent="0">
+              <a:buNone/>
+              <a:defRPr sz="1601">
                 <a:solidFill>
                   <a:schemeClr val="tx1">
                     <a:tint val="75000"/>
@@ -927,9 +905,9 @@
                 </a:solidFill>
               </a:defRPr>
             </a:lvl4pPr>
-            <a:lvl5pPr marL="1828800" indent="0">
-              <a:buNone/>
-              <a:defRPr sz="1600">
+            <a:lvl5pPr marL="1828892" indent="0">
+              <a:buNone/>
+              <a:defRPr sz="1601">
                 <a:solidFill>
                   <a:schemeClr val="tx1">
                     <a:tint val="75000"/>
@@ -937,9 +915,9 @@
                 </a:solidFill>
               </a:defRPr>
             </a:lvl5pPr>
-            <a:lvl6pPr marL="2286000" indent="0">
-              <a:buNone/>
-              <a:defRPr sz="1600">
+            <a:lvl6pPr marL="2286114" indent="0">
+              <a:buNone/>
+              <a:defRPr sz="1601">
                 <a:solidFill>
                   <a:schemeClr val="tx1">
                     <a:tint val="75000"/>
@@ -947,9 +925,9 @@
                 </a:solidFill>
               </a:defRPr>
             </a:lvl6pPr>
-            <a:lvl7pPr marL="2743200" indent="0">
-              <a:buNone/>
-              <a:defRPr sz="1600">
+            <a:lvl7pPr marL="2743337" indent="0">
+              <a:buNone/>
+              <a:defRPr sz="1601">
                 <a:solidFill>
                   <a:schemeClr val="tx1">
                     <a:tint val="75000"/>
@@ -957,9 +935,9 @@
                 </a:solidFill>
               </a:defRPr>
             </a:lvl7pPr>
-            <a:lvl8pPr marL="3200400" indent="0">
-              <a:buNone/>
-              <a:defRPr sz="1600">
+            <a:lvl8pPr marL="3200561" indent="0">
+              <a:buNone/>
+              <a:defRPr sz="1601">
                 <a:solidFill>
                   <a:schemeClr val="tx1">
                     <a:tint val="75000"/>
@@ -967,9 +945,9 @@
                 </a:solidFill>
               </a:defRPr>
             </a:lvl8pPr>
-            <a:lvl9pPr marL="3657600" indent="0">
-              <a:buNone/>
-              <a:defRPr sz="1600">
+            <a:lvl9pPr marL="3657783" indent="0">
+              <a:buNone/>
+              <a:defRPr sz="1601">
                 <a:solidFill>
                   <a:schemeClr val="tx1">
                     <a:tint val="75000"/>
@@ -1053,11 +1031,6 @@
         </p:txBody>
       </p:sp>
     </p:spTree>
-    <p:extLst>
-      <p:ext uri="{BB962C8B-B14F-4D97-AF65-F5344CB8AC3E}">
-        <p14:creationId xmlns:p14="http://schemas.microsoft.com/office/powerpoint/2010/main" val="238472904"/>
-      </p:ext>
-    </p:extLst>
   </p:cSld>
   <p:clrMapOvr>
     <a:masterClrMapping/>
@@ -1101,7 +1074,7 @@
               <a:rPr lang="en-US" smtClean="0"/>
               <a:t>Click to edit Master title style</a:t>
             </a:r>
-            <a:endParaRPr lang="en-US"/>
+            <a:endParaRPr lang="en-US" dirty="0"/>
           </a:p>
         </p:txBody>
       </p:sp>
@@ -1117,8 +1090,8 @@
         </p:nvSpPr>
         <p:spPr>
           <a:xfrm>
-            <a:off x="838200" y="1825625"/>
-            <a:ext cx="5181600" cy="4351338"/>
+            <a:off x="628650" y="1825624"/>
+            <a:ext cx="3886200" cy="4351338"/>
           </a:xfrm>
         </p:spPr>
         <p:txBody>
@@ -1158,7 +1131,7 @@
               <a:rPr lang="en-US" smtClean="0"/>
               <a:t>Fifth level</a:t>
             </a:r>
-            <a:endParaRPr lang="en-US"/>
+            <a:endParaRPr lang="en-US" dirty="0"/>
           </a:p>
         </p:txBody>
       </p:sp>
@@ -1174,8 +1147,8 @@
         </p:nvSpPr>
         <p:spPr>
           <a:xfrm>
-            <a:off x="6172200" y="1825625"/>
-            <a:ext cx="5181600" cy="4351338"/>
+            <a:off x="4629150" y="1825624"/>
+            <a:ext cx="3886200" cy="4351338"/>
           </a:xfrm>
         </p:spPr>
         <p:txBody>
@@ -1215,7 +1188,7 @@
               <a:rPr lang="en-US" smtClean="0"/>
               <a:t>Fifth level</a:t>
             </a:r>
-            <a:endParaRPr lang="en-US"/>
+            <a:endParaRPr lang="en-US" dirty="0"/>
           </a:p>
         </p:txBody>
       </p:sp>
@@ -1285,11 +1258,6 @@
         </p:txBody>
       </p:sp>
     </p:spTree>
-    <p:extLst>
-      <p:ext uri="{BB962C8B-B14F-4D97-AF65-F5344CB8AC3E}">
-        <p14:creationId xmlns:p14="http://schemas.microsoft.com/office/powerpoint/2010/main" val="809612226"/>
-      </p:ext>
-    </p:extLst>
   </p:cSld>
   <p:clrMapOvr>
     <a:masterClrMapping/>
@@ -1326,8 +1294,8 @@
         </p:nvSpPr>
         <p:spPr>
           <a:xfrm>
-            <a:off x="839788" y="365125"/>
-            <a:ext cx="10515600" cy="1325563"/>
+            <a:off x="629842" y="365129"/>
+            <a:ext cx="7886700" cy="1325564"/>
           </a:xfrm>
         </p:spPr>
         <p:txBody>
@@ -1338,7 +1306,7 @@
               <a:rPr lang="en-US" smtClean="0"/>
               <a:t>Click to edit Master title style</a:t>
             </a:r>
-            <a:endParaRPr lang="en-US"/>
+            <a:endParaRPr lang="en-US" dirty="0"/>
           </a:p>
         </p:txBody>
       </p:sp>
@@ -1354,8 +1322,8 @@
         </p:nvSpPr>
         <p:spPr>
           <a:xfrm>
-            <a:off x="839788" y="1681163"/>
-            <a:ext cx="5157787" cy="823912"/>
+            <a:off x="629842" y="1681163"/>
+            <a:ext cx="3868340" cy="823913"/>
           </a:xfrm>
         </p:spPr>
         <p:txBody>
@@ -1365,37 +1333,37 @@
               <a:buNone/>
               <a:defRPr sz="2400" b="1"/>
             </a:lvl1pPr>
-            <a:lvl2pPr marL="457200" indent="0">
+            <a:lvl2pPr marL="457223" indent="0">
               <a:buNone/>
               <a:defRPr sz="2000" b="1"/>
             </a:lvl2pPr>
-            <a:lvl3pPr marL="914400" indent="0">
+            <a:lvl3pPr marL="914445" indent="0">
               <a:buNone/>
               <a:defRPr sz="1800" b="1"/>
             </a:lvl3pPr>
-            <a:lvl4pPr marL="1371600" indent="0">
-              <a:buNone/>
-              <a:defRPr sz="1600" b="1"/>
+            <a:lvl4pPr marL="1371669" indent="0">
+              <a:buNone/>
+              <a:defRPr sz="1601" b="1"/>
             </a:lvl4pPr>
-            <a:lvl5pPr marL="1828800" indent="0">
-              <a:buNone/>
-              <a:defRPr sz="1600" b="1"/>
+            <a:lvl5pPr marL="1828892" indent="0">
+              <a:buNone/>
+              <a:defRPr sz="1601" b="1"/>
             </a:lvl5pPr>
-            <a:lvl6pPr marL="2286000" indent="0">
-              <a:buNone/>
-              <a:defRPr sz="1600" b="1"/>
+            <a:lvl6pPr marL="2286114" indent="0">
+              <a:buNone/>
+              <a:defRPr sz="1601" b="1"/>
             </a:lvl6pPr>
-            <a:lvl7pPr marL="2743200" indent="0">
-              <a:buNone/>
-              <a:defRPr sz="1600" b="1"/>
+            <a:lvl7pPr marL="2743337" indent="0">
+              <a:buNone/>
+              <a:defRPr sz="1601" b="1"/>
             </a:lvl7pPr>
-            <a:lvl8pPr marL="3200400" indent="0">
-              <a:buNone/>
-              <a:defRPr sz="1600" b="1"/>
+            <a:lvl8pPr marL="3200561" indent="0">
+              <a:buNone/>
+              <a:defRPr sz="1601" b="1"/>
             </a:lvl8pPr>
-            <a:lvl9pPr marL="3657600" indent="0">
-              <a:buNone/>
-              <a:defRPr sz="1600" b="1"/>
+            <a:lvl9pPr marL="3657783" indent="0">
+              <a:buNone/>
+              <a:defRPr sz="1601" b="1"/>
             </a:lvl9pPr>
           </a:lstStyle>
           <a:p>
@@ -1419,8 +1387,8 @@
         </p:nvSpPr>
         <p:spPr>
           <a:xfrm>
-            <a:off x="839788" y="2505075"/>
-            <a:ext cx="5157787" cy="3684588"/>
+            <a:off x="629842" y="2505075"/>
+            <a:ext cx="3868340" cy="3684588"/>
           </a:xfrm>
         </p:spPr>
         <p:txBody>
@@ -1460,7 +1428,7 @@
               <a:rPr lang="en-US" smtClean="0"/>
               <a:t>Fifth level</a:t>
             </a:r>
-            <a:endParaRPr lang="en-US"/>
+            <a:endParaRPr lang="en-US" dirty="0"/>
           </a:p>
         </p:txBody>
       </p:sp>
@@ -1476,8 +1444,8 @@
         </p:nvSpPr>
         <p:spPr>
           <a:xfrm>
-            <a:off x="6172200" y="1681163"/>
-            <a:ext cx="5183188" cy="823912"/>
+            <a:off x="4629150" y="1681163"/>
+            <a:ext cx="3887392" cy="823913"/>
           </a:xfrm>
         </p:spPr>
         <p:txBody>
@@ -1487,37 +1455,37 @@
               <a:buNone/>
               <a:defRPr sz="2400" b="1"/>
             </a:lvl1pPr>
-            <a:lvl2pPr marL="457200" indent="0">
+            <a:lvl2pPr marL="457223" indent="0">
               <a:buNone/>
               <a:defRPr sz="2000" b="1"/>
             </a:lvl2pPr>
-            <a:lvl3pPr marL="914400" indent="0">
+            <a:lvl3pPr marL="914445" indent="0">
               <a:buNone/>
               <a:defRPr sz="1800" b="1"/>
             </a:lvl3pPr>
-            <a:lvl4pPr marL="1371600" indent="0">
-              <a:buNone/>
-              <a:defRPr sz="1600" b="1"/>
+            <a:lvl4pPr marL="1371669" indent="0">
+              <a:buNone/>
+              <a:defRPr sz="1601" b="1"/>
             </a:lvl4pPr>
-            <a:lvl5pPr marL="1828800" indent="0">
-              <a:buNone/>
-              <a:defRPr sz="1600" b="1"/>
+            <a:lvl5pPr marL="1828892" indent="0">
+              <a:buNone/>
+              <a:defRPr sz="1601" b="1"/>
             </a:lvl5pPr>
-            <a:lvl6pPr marL="2286000" indent="0">
-              <a:buNone/>
-              <a:defRPr sz="1600" b="1"/>
+            <a:lvl6pPr marL="2286114" indent="0">
+              <a:buNone/>
+              <a:defRPr sz="1601" b="1"/>
             </a:lvl6pPr>
-            <a:lvl7pPr marL="2743200" indent="0">
-              <a:buNone/>
-              <a:defRPr sz="1600" b="1"/>
+            <a:lvl7pPr marL="2743337" indent="0">
+              <a:buNone/>
+              <a:defRPr sz="1601" b="1"/>
             </a:lvl7pPr>
-            <a:lvl8pPr marL="3200400" indent="0">
-              <a:buNone/>
-              <a:defRPr sz="1600" b="1"/>
+            <a:lvl8pPr marL="3200561" indent="0">
+              <a:buNone/>
+              <a:defRPr sz="1601" b="1"/>
             </a:lvl8pPr>
-            <a:lvl9pPr marL="3657600" indent="0">
-              <a:buNone/>
-              <a:defRPr sz="1600" b="1"/>
+            <a:lvl9pPr marL="3657783" indent="0">
+              <a:buNone/>
+              <a:defRPr sz="1601" b="1"/>
             </a:lvl9pPr>
           </a:lstStyle>
           <a:p>
@@ -1541,8 +1509,8 @@
         </p:nvSpPr>
         <p:spPr>
           <a:xfrm>
-            <a:off x="6172200" y="2505075"/>
-            <a:ext cx="5183188" cy="3684588"/>
+            <a:off x="4629150" y="2505075"/>
+            <a:ext cx="3887392" cy="3684588"/>
           </a:xfrm>
         </p:spPr>
         <p:txBody>
@@ -1582,7 +1550,7 @@
               <a:rPr lang="en-US" smtClean="0"/>
               <a:t>Fifth level</a:t>
             </a:r>
-            <a:endParaRPr lang="en-US"/>
+            <a:endParaRPr lang="en-US" dirty="0"/>
           </a:p>
         </p:txBody>
       </p:sp>
@@ -1652,11 +1620,6 @@
         </p:txBody>
       </p:sp>
     </p:spTree>
-    <p:extLst>
-      <p:ext uri="{BB962C8B-B14F-4D97-AF65-F5344CB8AC3E}">
-        <p14:creationId xmlns:p14="http://schemas.microsoft.com/office/powerpoint/2010/main" val="696294990"/>
-      </p:ext>
-    </p:extLst>
   </p:cSld>
   <p:clrMapOvr>
     <a:masterClrMapping/>
@@ -1700,7 +1663,7 @@
               <a:rPr lang="en-US" smtClean="0"/>
               <a:t>Click to edit Master title style</a:t>
             </a:r>
-            <a:endParaRPr lang="en-US"/>
+            <a:endParaRPr lang="en-US" dirty="0"/>
           </a:p>
         </p:txBody>
       </p:sp>
@@ -1770,11 +1733,6 @@
         </p:txBody>
       </p:sp>
     </p:spTree>
-    <p:extLst>
-      <p:ext uri="{BB962C8B-B14F-4D97-AF65-F5344CB8AC3E}">
-        <p14:creationId xmlns:p14="http://schemas.microsoft.com/office/powerpoint/2010/main" val="991504427"/>
-      </p:ext>
-    </p:extLst>
   </p:cSld>
   <p:clrMapOvr>
     <a:masterClrMapping/>
@@ -1865,11 +1823,6 @@
         </p:txBody>
       </p:sp>
     </p:spTree>
-    <p:extLst>
-      <p:ext uri="{BB962C8B-B14F-4D97-AF65-F5344CB8AC3E}">
-        <p14:creationId xmlns:p14="http://schemas.microsoft.com/office/powerpoint/2010/main" val="1889287516"/>
-      </p:ext>
-    </p:extLst>
   </p:cSld>
   <p:clrMapOvr>
     <a:masterClrMapping/>
@@ -1906,8 +1859,8 @@
         </p:nvSpPr>
         <p:spPr>
           <a:xfrm>
-            <a:off x="839788" y="457200"/>
-            <a:ext cx="3932237" cy="1600200"/>
+            <a:off x="629843" y="457200"/>
+            <a:ext cx="2949178" cy="1600200"/>
           </a:xfrm>
         </p:spPr>
         <p:txBody>
@@ -1922,7 +1875,7 @@
               <a:rPr lang="en-US" smtClean="0"/>
               <a:t>Click to edit Master title style</a:t>
             </a:r>
-            <a:endParaRPr lang="en-US"/>
+            <a:endParaRPr lang="en-US" dirty="0"/>
           </a:p>
         </p:txBody>
       </p:sp>
@@ -1938,8 +1891,8 @@
         </p:nvSpPr>
         <p:spPr>
           <a:xfrm>
-            <a:off x="5183188" y="987425"/>
-            <a:ext cx="6172200" cy="4873625"/>
+            <a:off x="3887391" y="987430"/>
+            <a:ext cx="4629150" cy="4873625"/>
           </a:xfrm>
         </p:spPr>
         <p:txBody>
@@ -1949,7 +1902,7 @@
               <a:defRPr sz="3200"/>
             </a:lvl1pPr>
             <a:lvl2pPr>
-              <a:defRPr sz="2800"/>
+              <a:defRPr sz="2801"/>
             </a:lvl2pPr>
             <a:lvl3pPr>
               <a:defRPr sz="2400"/>
@@ -2007,7 +1960,7 @@
               <a:rPr lang="en-US" smtClean="0"/>
               <a:t>Fifth level</a:t>
             </a:r>
-            <a:endParaRPr lang="en-US"/>
+            <a:endParaRPr lang="en-US" dirty="0"/>
           </a:p>
         </p:txBody>
       </p:sp>
@@ -2023,8 +1976,8 @@
         </p:nvSpPr>
         <p:spPr>
           <a:xfrm>
-            <a:off x="839788" y="2057400"/>
-            <a:ext cx="3932237" cy="3811588"/>
+            <a:off x="629843" y="2057401"/>
+            <a:ext cx="2949178" cy="3811589"/>
           </a:xfrm>
         </p:spPr>
         <p:txBody>
@@ -2032,39 +1985,39 @@
           <a:lstStyle>
             <a:lvl1pPr marL="0" indent="0">
               <a:buNone/>
-              <a:defRPr sz="1600"/>
+              <a:defRPr sz="1601"/>
             </a:lvl1pPr>
-            <a:lvl2pPr marL="457200" indent="0">
+            <a:lvl2pPr marL="457223" indent="0">
               <a:buNone/>
               <a:defRPr sz="1400"/>
             </a:lvl2pPr>
-            <a:lvl3pPr marL="914400" indent="0">
+            <a:lvl3pPr marL="914445" indent="0">
               <a:buNone/>
               <a:defRPr sz="1200"/>
             </a:lvl3pPr>
-            <a:lvl4pPr marL="1371600" indent="0">
-              <a:buNone/>
-              <a:defRPr sz="1000"/>
+            <a:lvl4pPr marL="1371669" indent="0">
+              <a:buNone/>
+              <a:defRPr sz="1001"/>
             </a:lvl4pPr>
-            <a:lvl5pPr marL="1828800" indent="0">
-              <a:buNone/>
-              <a:defRPr sz="1000"/>
+            <a:lvl5pPr marL="1828892" indent="0">
+              <a:buNone/>
+              <a:defRPr sz="1001"/>
             </a:lvl5pPr>
-            <a:lvl6pPr marL="2286000" indent="0">
-              <a:buNone/>
-              <a:defRPr sz="1000"/>
+            <a:lvl6pPr marL="2286114" indent="0">
+              <a:buNone/>
+              <a:defRPr sz="1001"/>
             </a:lvl6pPr>
-            <a:lvl7pPr marL="2743200" indent="0">
-              <a:buNone/>
-              <a:defRPr sz="1000"/>
+            <a:lvl7pPr marL="2743337" indent="0">
+              <a:buNone/>
+              <a:defRPr sz="1001"/>
             </a:lvl7pPr>
-            <a:lvl8pPr marL="3200400" indent="0">
-              <a:buNone/>
-              <a:defRPr sz="1000"/>
+            <a:lvl8pPr marL="3200561" indent="0">
+              <a:buNone/>
+              <a:defRPr sz="1001"/>
             </a:lvl8pPr>
-            <a:lvl9pPr marL="3657600" indent="0">
-              <a:buNone/>
-              <a:defRPr sz="1000"/>
+            <a:lvl9pPr marL="3657783" indent="0">
+              <a:buNone/>
+              <a:defRPr sz="1001"/>
             </a:lvl9pPr>
           </a:lstStyle>
           <a:p>
@@ -2142,11 +2095,6 @@
         </p:txBody>
       </p:sp>
     </p:spTree>
-    <p:extLst>
-      <p:ext uri="{BB962C8B-B14F-4D97-AF65-F5344CB8AC3E}">
-        <p14:creationId xmlns:p14="http://schemas.microsoft.com/office/powerpoint/2010/main" val="562076870"/>
-      </p:ext>
-    </p:extLst>
   </p:cSld>
   <p:clrMapOvr>
     <a:masterClrMapping/>
@@ -2183,8 +2131,8 @@
         </p:nvSpPr>
         <p:spPr>
           <a:xfrm>
-            <a:off x="839788" y="457200"/>
-            <a:ext cx="3932237" cy="1600200"/>
+            <a:off x="629843" y="457200"/>
+            <a:ext cx="2949178" cy="1600200"/>
           </a:xfrm>
         </p:spPr>
         <p:txBody>
@@ -2199,7 +2147,7 @@
               <a:rPr lang="en-US" smtClean="0"/>
               <a:t>Click to edit Master title style</a:t>
             </a:r>
-            <a:endParaRPr lang="en-US"/>
+            <a:endParaRPr lang="en-US" dirty="0"/>
           </a:p>
         </p:txBody>
       </p:sp>
@@ -2207,7 +2155,7 @@
         <p:nvSpPr>
           <p:cNvPr id="3" name="Picture Placeholder 2"/>
           <p:cNvSpPr>
-            <a:spLocks noGrp="1"/>
+            <a:spLocks noGrp="1" noChangeAspect="1"/>
           </p:cNvSpPr>
           <p:nvPr>
             <p:ph type="pic" idx="1"/>
@@ -2215,52 +2163,56 @@
         </p:nvSpPr>
         <p:spPr>
           <a:xfrm>
-            <a:off x="5183188" y="987425"/>
-            <a:ext cx="6172200" cy="4873625"/>
+            <a:off x="3887391" y="987430"/>
+            <a:ext cx="4629150" cy="4873625"/>
           </a:xfrm>
         </p:spPr>
         <p:txBody>
-          <a:bodyPr/>
+          <a:bodyPr anchor="t"/>
           <a:lstStyle>
             <a:lvl1pPr marL="0" indent="0">
               <a:buNone/>
               <a:defRPr sz="3200"/>
             </a:lvl1pPr>
-            <a:lvl2pPr marL="457200" indent="0">
-              <a:buNone/>
-              <a:defRPr sz="2800"/>
+            <a:lvl2pPr marL="457223" indent="0">
+              <a:buNone/>
+              <a:defRPr sz="2801"/>
             </a:lvl2pPr>
-            <a:lvl3pPr marL="914400" indent="0">
+            <a:lvl3pPr marL="914445" indent="0">
               <a:buNone/>
               <a:defRPr sz="2400"/>
             </a:lvl3pPr>
-            <a:lvl4pPr marL="1371600" indent="0">
+            <a:lvl4pPr marL="1371669" indent="0">
               <a:buNone/>
               <a:defRPr sz="2000"/>
             </a:lvl4pPr>
-            <a:lvl5pPr marL="1828800" indent="0">
+            <a:lvl5pPr marL="1828892" indent="0">
               <a:buNone/>
               <a:defRPr sz="2000"/>
             </a:lvl5pPr>
-            <a:lvl6pPr marL="2286000" indent="0">
+            <a:lvl6pPr marL="2286114" indent="0">
               <a:buNone/>
               <a:defRPr sz="2000"/>
             </a:lvl6pPr>
-            <a:lvl7pPr marL="2743200" indent="0">
+            <a:lvl7pPr marL="2743337" indent="0">
               <a:buNone/>
               <a:defRPr sz="2000"/>
             </a:lvl7pPr>
-            <a:lvl8pPr marL="3200400" indent="0">
+            <a:lvl8pPr marL="3200561" indent="0">
               <a:buNone/>
               <a:defRPr sz="2000"/>
             </a:lvl8pPr>
-            <a:lvl9pPr marL="3657600" indent="0">
+            <a:lvl9pPr marL="3657783" indent="0">
               <a:buNone/>
               <a:defRPr sz="2000"/>
             </a:lvl9pPr>
           </a:lstStyle>
           <a:p>
-            <a:endParaRPr lang="en-US"/>
+            <a:r>
+              <a:rPr lang="en-US" smtClean="0"/>
+              <a:t>Drag picture to placeholder or click icon to add</a:t>
+            </a:r>
+            <a:endParaRPr lang="en-US" dirty="0"/>
           </a:p>
         </p:txBody>
       </p:sp>
@@ -2276,8 +2228,8 @@
         </p:nvSpPr>
         <p:spPr>
           <a:xfrm>
-            <a:off x="839788" y="2057400"/>
-            <a:ext cx="3932237" cy="3811588"/>
+            <a:off x="629843" y="2057401"/>
+            <a:ext cx="2949178" cy="3811589"/>
           </a:xfrm>
         </p:spPr>
         <p:txBody>
@@ -2285,39 +2237,39 @@
           <a:lstStyle>
             <a:lvl1pPr marL="0" indent="0">
               <a:buNone/>
-              <a:defRPr sz="1600"/>
+              <a:defRPr sz="1601"/>
             </a:lvl1pPr>
-            <a:lvl2pPr marL="457200" indent="0">
+            <a:lvl2pPr marL="457223" indent="0">
               <a:buNone/>
               <a:defRPr sz="1400"/>
             </a:lvl2pPr>
-            <a:lvl3pPr marL="914400" indent="0">
+            <a:lvl3pPr marL="914445" indent="0">
               <a:buNone/>
               <a:defRPr sz="1200"/>
             </a:lvl3pPr>
-            <a:lvl4pPr marL="1371600" indent="0">
-              <a:buNone/>
-              <a:defRPr sz="1000"/>
+            <a:lvl4pPr marL="1371669" indent="0">
+              <a:buNone/>
+              <a:defRPr sz="1001"/>
             </a:lvl4pPr>
-            <a:lvl5pPr marL="1828800" indent="0">
-              <a:buNone/>
-              <a:defRPr sz="1000"/>
+            <a:lvl5pPr marL="1828892" indent="0">
+              <a:buNone/>
+              <a:defRPr sz="1001"/>
             </a:lvl5pPr>
-            <a:lvl6pPr marL="2286000" indent="0">
-              <a:buNone/>
-              <a:defRPr sz="1000"/>
+            <a:lvl6pPr marL="2286114" indent="0">
+              <a:buNone/>
+              <a:defRPr sz="1001"/>
             </a:lvl6pPr>
-            <a:lvl7pPr marL="2743200" indent="0">
-              <a:buNone/>
-              <a:defRPr sz="1000"/>
+            <a:lvl7pPr marL="2743337" indent="0">
+              <a:buNone/>
+              <a:defRPr sz="1001"/>
             </a:lvl7pPr>
-            <a:lvl8pPr marL="3200400" indent="0">
-              <a:buNone/>
-              <a:defRPr sz="1000"/>
+            <a:lvl8pPr marL="3200561" indent="0">
+              <a:buNone/>
+              <a:defRPr sz="1001"/>
             </a:lvl8pPr>
-            <a:lvl9pPr marL="3657600" indent="0">
-              <a:buNone/>
-              <a:defRPr sz="1000"/>
+            <a:lvl9pPr marL="3657783" indent="0">
+              <a:buNone/>
+              <a:defRPr sz="1001"/>
             </a:lvl9pPr>
           </a:lstStyle>
           <a:p>
@@ -2395,11 +2347,6 @@
         </p:txBody>
       </p:sp>
     </p:spTree>
-    <p:extLst>
-      <p:ext uri="{BB962C8B-B14F-4D97-AF65-F5344CB8AC3E}">
-        <p14:creationId xmlns:p14="http://schemas.microsoft.com/office/powerpoint/2010/main" val="45390937"/>
-      </p:ext>
-    </p:extLst>
   </p:cSld>
   <p:clrMapOvr>
     <a:masterClrMapping/>
@@ -2441,8 +2388,8 @@
         </p:nvSpPr>
         <p:spPr>
           <a:xfrm>
-            <a:off x="838200" y="365125"/>
-            <a:ext cx="10515600" cy="1325563"/>
+            <a:off x="628650" y="365129"/>
+            <a:ext cx="7886700" cy="1325564"/>
           </a:xfrm>
           <a:prstGeom prst="rect">
             <a:avLst/>
@@ -2458,7 +2405,7 @@
               <a:rPr lang="en-US" smtClean="0"/>
               <a:t>Click to edit Master title style</a:t>
             </a:r>
-            <a:endParaRPr lang="en-US"/>
+            <a:endParaRPr lang="en-US" dirty="0"/>
           </a:p>
         </p:txBody>
       </p:sp>
@@ -2474,8 +2421,8 @@
         </p:nvSpPr>
         <p:spPr>
           <a:xfrm>
-            <a:off x="838200" y="1825625"/>
-            <a:ext cx="10515600" cy="4351338"/>
+            <a:off x="628650" y="1825624"/>
+            <a:ext cx="7886700" cy="4351338"/>
           </a:xfrm>
           <a:prstGeom prst="rect">
             <a:avLst/>
@@ -2520,7 +2467,7 @@
               <a:rPr lang="en-US" smtClean="0"/>
               <a:t>Fifth level</a:t>
             </a:r>
-            <a:endParaRPr lang="en-US"/>
+            <a:endParaRPr lang="en-US" dirty="0"/>
           </a:p>
         </p:txBody>
       </p:sp>
@@ -2536,8 +2483,8 @@
         </p:nvSpPr>
         <p:spPr>
           <a:xfrm>
-            <a:off x="838200" y="6356350"/>
-            <a:ext cx="2743200" cy="365125"/>
+            <a:off x="628650" y="6356354"/>
+            <a:ext cx="2057400" cy="365126"/>
           </a:xfrm>
           <a:prstGeom prst="rect">
             <a:avLst/>
@@ -2577,8 +2524,8 @@
         </p:nvSpPr>
         <p:spPr>
           <a:xfrm>
-            <a:off x="4038600" y="6356350"/>
-            <a:ext cx="4114800" cy="365125"/>
+            <a:off x="3028950" y="6356354"/>
+            <a:ext cx="3086100" cy="365126"/>
           </a:xfrm>
           <a:prstGeom prst="rect">
             <a:avLst/>
@@ -2614,8 +2561,8 @@
         </p:nvSpPr>
         <p:spPr>
           <a:xfrm>
-            <a:off x="8610600" y="6356350"/>
-            <a:ext cx="2743200" cy="365125"/>
+            <a:off x="6457950" y="6356354"/>
+            <a:ext cx="2057400" cy="365126"/>
           </a:xfrm>
           <a:prstGeom prst="rect">
             <a:avLst/>
@@ -2646,27 +2593,27 @@
     </p:spTree>
     <p:extLst>
       <p:ext uri="{BB962C8B-B14F-4D97-AF65-F5344CB8AC3E}">
-        <p14:creationId xmlns:p14="http://schemas.microsoft.com/office/powerpoint/2010/main" val="577334094"/>
+        <p14:creationId xmlns:p14="http://schemas.microsoft.com/office/powerpoint/2010/main" val="1031729617"/>
       </p:ext>
     </p:extLst>
   </p:cSld>
   <p:clrMap bg1="lt1" tx1="dk1" bg2="lt2" tx2="dk2" accent1="accent1" accent2="accent2" accent3="accent3" accent4="accent4" accent5="accent5" accent6="accent6" hlink="hlink" folHlink="folHlink"/>
   <p:sldLayoutIdLst>
-    <p:sldLayoutId id="2147483649" r:id="rId1"/>
-    <p:sldLayoutId id="2147483650" r:id="rId2"/>
-    <p:sldLayoutId id="2147483651" r:id="rId3"/>
-    <p:sldLayoutId id="2147483652" r:id="rId4"/>
-    <p:sldLayoutId id="2147483653" r:id="rId5"/>
-    <p:sldLayoutId id="2147483654" r:id="rId6"/>
-    <p:sldLayoutId id="2147483655" r:id="rId7"/>
-    <p:sldLayoutId id="2147483656" r:id="rId8"/>
-    <p:sldLayoutId id="2147483657" r:id="rId9"/>
-    <p:sldLayoutId id="2147483658" r:id="rId10"/>
-    <p:sldLayoutId id="2147483659" r:id="rId11"/>
+    <p:sldLayoutId id="2147483661" r:id="rId1"/>
+    <p:sldLayoutId id="2147483662" r:id="rId2"/>
+    <p:sldLayoutId id="2147483663" r:id="rId3"/>
+    <p:sldLayoutId id="2147483664" r:id="rId4"/>
+    <p:sldLayoutId id="2147483665" r:id="rId5"/>
+    <p:sldLayoutId id="2147483666" r:id="rId6"/>
+    <p:sldLayoutId id="2147483667" r:id="rId7"/>
+    <p:sldLayoutId id="2147483668" r:id="rId8"/>
+    <p:sldLayoutId id="2147483669" r:id="rId9"/>
+    <p:sldLayoutId id="2147483670" r:id="rId10"/>
+    <p:sldLayoutId id="2147483671" r:id="rId11"/>
   </p:sldLayoutIdLst>
   <p:txStyles>
     <p:titleStyle>
-      <a:lvl1pPr algn="l" defTabSz="914400" rtl="0" eaLnBrk="1" latinLnBrk="0" hangingPunct="1">
+      <a:lvl1pPr algn="l" defTabSz="914445" rtl="0" eaLnBrk="1" latinLnBrk="0" hangingPunct="1">
         <a:lnSpc>
           <a:spcPct val="90000"/>
         </a:lnSpc>
@@ -2685,16 +2632,16 @@
       </a:lvl1pPr>
     </p:titleStyle>
     <p:bodyStyle>
-      <a:lvl1pPr marL="228600" indent="-228600" algn="l" defTabSz="914400" rtl="0" eaLnBrk="1" latinLnBrk="0" hangingPunct="1">
+      <a:lvl1pPr marL="228612" indent="-228612" algn="l" defTabSz="914445" rtl="0" eaLnBrk="1" latinLnBrk="0" hangingPunct="1">
         <a:lnSpc>
           <a:spcPct val="90000"/>
         </a:lnSpc>
         <a:spcBef>
-          <a:spcPts val="1000"/>
+          <a:spcPts val="1001"/>
         </a:spcBef>
-        <a:buFont typeface="Arial"/>
+        <a:buFont typeface="Arial" panose="020B0604020202020204" pitchFamily="34" charset="0"/>
         <a:buChar char="•"/>
-        <a:defRPr sz="2800" kern="1200">
+        <a:defRPr sz="2801" kern="1200">
           <a:solidFill>
             <a:schemeClr val="tx1"/>
           </a:solidFill>
@@ -2703,14 +2650,14 @@
           <a:cs typeface="+mn-cs"/>
         </a:defRPr>
       </a:lvl1pPr>
-      <a:lvl2pPr marL="685800" indent="-228600" algn="l" defTabSz="914400" rtl="0" eaLnBrk="1" latinLnBrk="0" hangingPunct="1">
+      <a:lvl2pPr marL="685835" indent="-228612" algn="l" defTabSz="914445" rtl="0" eaLnBrk="1" latinLnBrk="0" hangingPunct="1">
         <a:lnSpc>
           <a:spcPct val="90000"/>
         </a:lnSpc>
         <a:spcBef>
           <a:spcPts val="500"/>
         </a:spcBef>
-        <a:buFont typeface="Arial"/>
+        <a:buFont typeface="Arial" panose="020B0604020202020204" pitchFamily="34" charset="0"/>
         <a:buChar char="•"/>
         <a:defRPr sz="2400" kern="1200">
           <a:solidFill>
@@ -2721,14 +2668,14 @@
           <a:cs typeface="+mn-cs"/>
         </a:defRPr>
       </a:lvl2pPr>
-      <a:lvl3pPr marL="1143000" indent="-228600" algn="l" defTabSz="914400" rtl="0" eaLnBrk="1" latinLnBrk="0" hangingPunct="1">
+      <a:lvl3pPr marL="1143057" indent="-228612" algn="l" defTabSz="914445" rtl="0" eaLnBrk="1" latinLnBrk="0" hangingPunct="1">
         <a:lnSpc>
           <a:spcPct val="90000"/>
         </a:lnSpc>
         <a:spcBef>
           <a:spcPts val="500"/>
         </a:spcBef>
-        <a:buFont typeface="Arial"/>
+        <a:buFont typeface="Arial" panose="020B0604020202020204" pitchFamily="34" charset="0"/>
         <a:buChar char="•"/>
         <a:defRPr sz="2000" kern="1200">
           <a:solidFill>
@@ -2739,14 +2686,14 @@
           <a:cs typeface="+mn-cs"/>
         </a:defRPr>
       </a:lvl3pPr>
-      <a:lvl4pPr marL="1600200" indent="-228600" algn="l" defTabSz="914400" rtl="0" eaLnBrk="1" latinLnBrk="0" hangingPunct="1">
+      <a:lvl4pPr marL="1600280" indent="-228612" algn="l" defTabSz="914445" rtl="0" eaLnBrk="1" latinLnBrk="0" hangingPunct="1">
         <a:lnSpc>
           <a:spcPct val="90000"/>
         </a:lnSpc>
         <a:spcBef>
           <a:spcPts val="500"/>
         </a:spcBef>
-        <a:buFont typeface="Arial"/>
+        <a:buFont typeface="Arial" panose="020B0604020202020204" pitchFamily="34" charset="0"/>
         <a:buChar char="•"/>
         <a:defRPr sz="1800" kern="1200">
           <a:solidFill>
@@ -2757,14 +2704,14 @@
           <a:cs typeface="+mn-cs"/>
         </a:defRPr>
       </a:lvl4pPr>
-      <a:lvl5pPr marL="2057400" indent="-228600" algn="l" defTabSz="914400" rtl="0" eaLnBrk="1" latinLnBrk="0" hangingPunct="1">
+      <a:lvl5pPr marL="2057504" indent="-228612" algn="l" defTabSz="914445" rtl="0" eaLnBrk="1" latinLnBrk="0" hangingPunct="1">
         <a:lnSpc>
           <a:spcPct val="90000"/>
         </a:lnSpc>
         <a:spcBef>
           <a:spcPts val="500"/>
         </a:spcBef>
-        <a:buFont typeface="Arial"/>
+        <a:buFont typeface="Arial" panose="020B0604020202020204" pitchFamily="34" charset="0"/>
         <a:buChar char="•"/>
         <a:defRPr sz="1800" kern="1200">
           <a:solidFill>
@@ -2775,14 +2722,14 @@
           <a:cs typeface="+mn-cs"/>
         </a:defRPr>
       </a:lvl5pPr>
-      <a:lvl6pPr marL="2514600" indent="-228600" algn="l" defTabSz="914400" rtl="0" eaLnBrk="1" latinLnBrk="0" hangingPunct="1">
+      <a:lvl6pPr marL="2514726" indent="-228612" algn="l" defTabSz="914445" rtl="0" eaLnBrk="1" latinLnBrk="0" hangingPunct="1">
         <a:lnSpc>
           <a:spcPct val="90000"/>
         </a:lnSpc>
         <a:spcBef>
           <a:spcPts val="500"/>
         </a:spcBef>
-        <a:buFont typeface="Arial"/>
+        <a:buFont typeface="Arial" panose="020B0604020202020204" pitchFamily="34" charset="0"/>
         <a:buChar char="•"/>
         <a:defRPr sz="1800" kern="1200">
           <a:solidFill>
@@ -2793,14 +2740,14 @@
           <a:cs typeface="+mn-cs"/>
         </a:defRPr>
       </a:lvl6pPr>
-      <a:lvl7pPr marL="2971800" indent="-228600" algn="l" defTabSz="914400" rtl="0" eaLnBrk="1" latinLnBrk="0" hangingPunct="1">
+      <a:lvl7pPr marL="2971949" indent="-228612" algn="l" defTabSz="914445" rtl="0" eaLnBrk="1" latinLnBrk="0" hangingPunct="1">
         <a:lnSpc>
           <a:spcPct val="90000"/>
         </a:lnSpc>
         <a:spcBef>
           <a:spcPts val="500"/>
         </a:spcBef>
-        <a:buFont typeface="Arial"/>
+        <a:buFont typeface="Arial" panose="020B0604020202020204" pitchFamily="34" charset="0"/>
         <a:buChar char="•"/>
         <a:defRPr sz="1800" kern="1200">
           <a:solidFill>
@@ -2811,14 +2758,14 @@
           <a:cs typeface="+mn-cs"/>
         </a:defRPr>
       </a:lvl7pPr>
-      <a:lvl8pPr marL="3429000" indent="-228600" algn="l" defTabSz="914400" rtl="0" eaLnBrk="1" latinLnBrk="0" hangingPunct="1">
+      <a:lvl8pPr marL="3429171" indent="-228612" algn="l" defTabSz="914445" rtl="0" eaLnBrk="1" latinLnBrk="0" hangingPunct="1">
         <a:lnSpc>
           <a:spcPct val="90000"/>
         </a:lnSpc>
         <a:spcBef>
           <a:spcPts val="500"/>
         </a:spcBef>
-        <a:buFont typeface="Arial"/>
+        <a:buFont typeface="Arial" panose="020B0604020202020204" pitchFamily="34" charset="0"/>
         <a:buChar char="•"/>
         <a:defRPr sz="1800" kern="1200">
           <a:solidFill>
@@ -2829,14 +2776,14 @@
           <a:cs typeface="+mn-cs"/>
         </a:defRPr>
       </a:lvl8pPr>
-      <a:lvl9pPr marL="3886200" indent="-228600" algn="l" defTabSz="914400" rtl="0" eaLnBrk="1" latinLnBrk="0" hangingPunct="1">
+      <a:lvl9pPr marL="3886395" indent="-228612" algn="l" defTabSz="914445" rtl="0" eaLnBrk="1" latinLnBrk="0" hangingPunct="1">
         <a:lnSpc>
           <a:spcPct val="90000"/>
         </a:lnSpc>
         <a:spcBef>
           <a:spcPts val="500"/>
         </a:spcBef>
-        <a:buFont typeface="Arial"/>
+        <a:buFont typeface="Arial" panose="020B0604020202020204" pitchFamily="34" charset="0"/>
         <a:buChar char="•"/>
         <a:defRPr sz="1800" kern="1200">
           <a:solidFill>
@@ -2852,7 +2799,7 @@
       <a:defPPr>
         <a:defRPr lang="en-US"/>
       </a:defPPr>
-      <a:lvl1pPr marL="0" algn="l" defTabSz="914400" rtl="0" eaLnBrk="1" latinLnBrk="0" hangingPunct="1">
+      <a:lvl1pPr marL="0" algn="l" defTabSz="914445" rtl="0" eaLnBrk="1" latinLnBrk="0" hangingPunct="1">
         <a:defRPr sz="1800" kern="1200">
           <a:solidFill>
             <a:schemeClr val="tx1"/>
@@ -2862,7 +2809,7 @@
           <a:cs typeface="+mn-cs"/>
         </a:defRPr>
       </a:lvl1pPr>
-      <a:lvl2pPr marL="457200" algn="l" defTabSz="914400" rtl="0" eaLnBrk="1" latinLnBrk="0" hangingPunct="1">
+      <a:lvl2pPr marL="457223" algn="l" defTabSz="914445" rtl="0" eaLnBrk="1" latinLnBrk="0" hangingPunct="1">
         <a:defRPr sz="1800" kern="1200">
           <a:solidFill>
             <a:schemeClr val="tx1"/>
@@ -2872,7 +2819,7 @@
           <a:cs typeface="+mn-cs"/>
         </a:defRPr>
       </a:lvl2pPr>
-      <a:lvl3pPr marL="914400" algn="l" defTabSz="914400" rtl="0" eaLnBrk="1" latinLnBrk="0" hangingPunct="1">
+      <a:lvl3pPr marL="914445" algn="l" defTabSz="914445" rtl="0" eaLnBrk="1" latinLnBrk="0" hangingPunct="1">
         <a:defRPr sz="1800" kern="1200">
           <a:solidFill>
             <a:schemeClr val="tx1"/>
@@ -2882,7 +2829,7 @@
           <a:cs typeface="+mn-cs"/>
         </a:defRPr>
       </a:lvl3pPr>
-      <a:lvl4pPr marL="1371600" algn="l" defTabSz="914400" rtl="0" eaLnBrk="1" latinLnBrk="0" hangingPunct="1">
+      <a:lvl4pPr marL="1371669" algn="l" defTabSz="914445" rtl="0" eaLnBrk="1" latinLnBrk="0" hangingPunct="1">
         <a:defRPr sz="1800" kern="1200">
           <a:solidFill>
             <a:schemeClr val="tx1"/>
@@ -2892,7 +2839,7 @@
           <a:cs typeface="+mn-cs"/>
         </a:defRPr>
       </a:lvl4pPr>
-      <a:lvl5pPr marL="1828800" algn="l" defTabSz="914400" rtl="0" eaLnBrk="1" latinLnBrk="0" hangingPunct="1">
+      <a:lvl5pPr marL="1828892" algn="l" defTabSz="914445" rtl="0" eaLnBrk="1" latinLnBrk="0" hangingPunct="1">
         <a:defRPr sz="1800" kern="1200">
           <a:solidFill>
             <a:schemeClr val="tx1"/>
@@ -2902,7 +2849,7 @@
           <a:cs typeface="+mn-cs"/>
         </a:defRPr>
       </a:lvl5pPr>
-      <a:lvl6pPr marL="2286000" algn="l" defTabSz="914400" rtl="0" eaLnBrk="1" latinLnBrk="0" hangingPunct="1">
+      <a:lvl6pPr marL="2286114" algn="l" defTabSz="914445" rtl="0" eaLnBrk="1" latinLnBrk="0" hangingPunct="1">
         <a:defRPr sz="1800" kern="1200">
           <a:solidFill>
             <a:schemeClr val="tx1"/>
@@ -2912,7 +2859,7 @@
           <a:cs typeface="+mn-cs"/>
         </a:defRPr>
       </a:lvl6pPr>
-      <a:lvl7pPr marL="2743200" algn="l" defTabSz="914400" rtl="0" eaLnBrk="1" latinLnBrk="0" hangingPunct="1">
+      <a:lvl7pPr marL="2743337" algn="l" defTabSz="914445" rtl="0" eaLnBrk="1" latinLnBrk="0" hangingPunct="1">
         <a:defRPr sz="1800" kern="1200">
           <a:solidFill>
             <a:schemeClr val="tx1"/>
@@ -2922,7 +2869,7 @@
           <a:cs typeface="+mn-cs"/>
         </a:defRPr>
       </a:lvl7pPr>
-      <a:lvl8pPr marL="3200400" algn="l" defTabSz="914400" rtl="0" eaLnBrk="1" latinLnBrk="0" hangingPunct="1">
+      <a:lvl8pPr marL="3200561" algn="l" defTabSz="914445" rtl="0" eaLnBrk="1" latinLnBrk="0" hangingPunct="1">
         <a:defRPr sz="1800" kern="1200">
           <a:solidFill>
             <a:schemeClr val="tx1"/>
@@ -2932,7 +2879,7 @@
           <a:cs typeface="+mn-cs"/>
         </a:defRPr>
       </a:lvl8pPr>
-      <a:lvl9pPr marL="3657600" algn="l" defTabSz="914400" rtl="0" eaLnBrk="1" latinLnBrk="0" hangingPunct="1">
+      <a:lvl9pPr marL="3657783" algn="l" defTabSz="914445" rtl="0" eaLnBrk="1" latinLnBrk="0" hangingPunct="1">
         <a:defRPr sz="1800" kern="1200">
           <a:solidFill>
             <a:schemeClr val="tx1"/>
@@ -2964,276 +2911,6 @@
           <a:chExt cx="0" cy="0"/>
         </a:xfrm>
       </p:grpSpPr>
-      <p:pic>
-        <p:nvPicPr>
-          <p:cNvPr id="4" name="Picture 3"/>
-          <p:cNvPicPr>
-            <a:picLocks noChangeAspect="1"/>
-          </p:cNvPicPr>
-          <p:nvPr/>
-        </p:nvPicPr>
-        <p:blipFill>
-          <a:blip r:embed="rId2">
-            <a:extLst>
-              <a:ext uri="{28A0092B-C50C-407E-A947-70E740481C1C}">
-                <a14:useLocalDpi xmlns:a14="http://schemas.microsoft.com/office/drawing/2010/main" val="0"/>
-              </a:ext>
-            </a:extLst>
-          </a:blip>
-          <a:stretch>
-            <a:fillRect/>
-          </a:stretch>
-        </p:blipFill>
-        <p:spPr>
-          <a:xfrm>
-            <a:off x="5756564" y="4502988"/>
-            <a:ext cx="1828800" cy="1828800"/>
-          </a:xfrm>
-          <a:prstGeom prst="rect">
-            <a:avLst/>
-          </a:prstGeom>
-        </p:spPr>
-      </p:pic>
-      <p:pic>
-        <p:nvPicPr>
-          <p:cNvPr id="5" name="Picture 4"/>
-          <p:cNvPicPr>
-            <a:picLocks noChangeAspect="1"/>
-          </p:cNvPicPr>
-          <p:nvPr/>
-        </p:nvPicPr>
-        <p:blipFill>
-          <a:blip r:embed="rId3">
-            <a:extLst>
-              <a:ext uri="{28A0092B-C50C-407E-A947-70E740481C1C}">
-                <a14:useLocalDpi xmlns:a14="http://schemas.microsoft.com/office/drawing/2010/main" val="0"/>
-              </a:ext>
-            </a:extLst>
-          </a:blip>
-          <a:stretch>
-            <a:fillRect/>
-          </a:stretch>
-        </p:blipFill>
-        <p:spPr>
-          <a:xfrm>
-            <a:off x="4003964" y="4488742"/>
-            <a:ext cx="1828800" cy="1828800"/>
-          </a:xfrm>
-          <a:prstGeom prst="rect">
-            <a:avLst/>
-          </a:prstGeom>
-        </p:spPr>
-      </p:pic>
-      <p:pic>
-        <p:nvPicPr>
-          <p:cNvPr id="6" name="Picture 5"/>
-          <p:cNvPicPr>
-            <a:picLocks noChangeAspect="1"/>
-          </p:cNvPicPr>
-          <p:nvPr/>
-        </p:nvPicPr>
-        <p:blipFill>
-          <a:blip r:embed="rId4">
-            <a:extLst>
-              <a:ext uri="{28A0092B-C50C-407E-A947-70E740481C1C}">
-                <a14:useLocalDpi xmlns:a14="http://schemas.microsoft.com/office/drawing/2010/main" val="0"/>
-              </a:ext>
-            </a:extLst>
-          </a:blip>
-          <a:stretch>
-            <a:fillRect/>
-          </a:stretch>
-        </p:blipFill>
-        <p:spPr>
-          <a:xfrm>
-            <a:off x="7585363" y="4502988"/>
-            <a:ext cx="1828800" cy="1828800"/>
-          </a:xfrm>
-          <a:prstGeom prst="rect">
-            <a:avLst/>
-          </a:prstGeom>
-        </p:spPr>
-      </p:pic>
-      <p:pic>
-        <p:nvPicPr>
-          <p:cNvPr id="7" name="Picture 6"/>
-          <p:cNvPicPr>
-            <a:picLocks noChangeAspect="1"/>
-          </p:cNvPicPr>
-          <p:nvPr/>
-        </p:nvPicPr>
-        <p:blipFill>
-          <a:blip r:embed="rId5">
-            <a:extLst>
-              <a:ext uri="{28A0092B-C50C-407E-A947-70E740481C1C}">
-                <a14:useLocalDpi xmlns:a14="http://schemas.microsoft.com/office/drawing/2010/main" val="0"/>
-              </a:ext>
-            </a:extLst>
-          </a:blip>
-          <a:stretch>
-            <a:fillRect/>
-          </a:stretch>
-        </p:blipFill>
-        <p:spPr>
-          <a:xfrm>
-            <a:off x="5612597" y="2479579"/>
-            <a:ext cx="1828800" cy="1828800"/>
-          </a:xfrm>
-          <a:prstGeom prst="rect">
-            <a:avLst/>
-          </a:prstGeom>
-        </p:spPr>
-      </p:pic>
-      <p:pic>
-        <p:nvPicPr>
-          <p:cNvPr id="8" name="Picture 7"/>
-          <p:cNvPicPr>
-            <a:picLocks noChangeAspect="1"/>
-          </p:cNvPicPr>
-          <p:nvPr/>
-        </p:nvPicPr>
-        <p:blipFill>
-          <a:blip r:embed="rId6">
-            <a:extLst>
-              <a:ext uri="{28A0092B-C50C-407E-A947-70E740481C1C}">
-                <a14:useLocalDpi xmlns:a14="http://schemas.microsoft.com/office/drawing/2010/main" val="0"/>
-              </a:ext>
-            </a:extLst>
-          </a:blip>
-          <a:stretch>
-            <a:fillRect/>
-          </a:stretch>
-        </p:blipFill>
-        <p:spPr>
-          <a:xfrm>
-            <a:off x="3761513" y="2518934"/>
-            <a:ext cx="1828800" cy="1828800"/>
-          </a:xfrm>
-          <a:prstGeom prst="rect">
-            <a:avLst/>
-          </a:prstGeom>
-        </p:spPr>
-      </p:pic>
-      <p:pic>
-        <p:nvPicPr>
-          <p:cNvPr id="11" name="Picture 10"/>
-          <p:cNvPicPr>
-            <a:picLocks noChangeAspect="1"/>
-          </p:cNvPicPr>
-          <p:nvPr/>
-        </p:nvPicPr>
-        <p:blipFill>
-          <a:blip r:embed="rId7">
-            <a:extLst>
-              <a:ext uri="{28A0092B-C50C-407E-A947-70E740481C1C}">
-                <a14:useLocalDpi xmlns:a14="http://schemas.microsoft.com/office/drawing/2010/main" val="0"/>
-              </a:ext>
-            </a:extLst>
-          </a:blip>
-          <a:stretch>
-            <a:fillRect/>
-          </a:stretch>
-        </p:blipFill>
-        <p:spPr>
-          <a:xfrm>
-            <a:off x="7585365" y="2518934"/>
-            <a:ext cx="1828800" cy="1828800"/>
-          </a:xfrm>
-          <a:prstGeom prst="rect">
-            <a:avLst/>
-          </a:prstGeom>
-        </p:spPr>
-      </p:pic>
-      <p:pic>
-        <p:nvPicPr>
-          <p:cNvPr id="12" name="Picture 11"/>
-          <p:cNvPicPr>
-            <a:picLocks noChangeAspect="1"/>
-          </p:cNvPicPr>
-          <p:nvPr/>
-        </p:nvPicPr>
-        <p:blipFill>
-          <a:blip r:embed="rId8">
-            <a:extLst>
-              <a:ext uri="{28A0092B-C50C-407E-A947-70E740481C1C}">
-                <a14:useLocalDpi xmlns:a14="http://schemas.microsoft.com/office/drawing/2010/main" val="0"/>
-              </a:ext>
-            </a:extLst>
-          </a:blip>
-          <a:stretch>
-            <a:fillRect/>
-          </a:stretch>
-        </p:blipFill>
-        <p:spPr>
-          <a:xfrm>
-            <a:off x="3685311" y="534526"/>
-            <a:ext cx="1828800" cy="1828800"/>
-          </a:xfrm>
-          <a:prstGeom prst="rect">
-            <a:avLst/>
-          </a:prstGeom>
-        </p:spPr>
-      </p:pic>
-      <p:pic>
-        <p:nvPicPr>
-          <p:cNvPr id="13" name="Picture 12"/>
-          <p:cNvPicPr>
-            <a:picLocks noChangeAspect="1"/>
-          </p:cNvPicPr>
-          <p:nvPr/>
-        </p:nvPicPr>
-        <p:blipFill>
-          <a:blip r:embed="rId9">
-            <a:extLst>
-              <a:ext uri="{28A0092B-C50C-407E-A947-70E740481C1C}">
-                <a14:useLocalDpi xmlns:a14="http://schemas.microsoft.com/office/drawing/2010/main" val="0"/>
-              </a:ext>
-            </a:extLst>
-          </a:blip>
-          <a:stretch>
-            <a:fillRect/>
-          </a:stretch>
-        </p:blipFill>
-        <p:spPr>
-          <a:xfrm>
-            <a:off x="5514111" y="493839"/>
-            <a:ext cx="1828800" cy="1828800"/>
-          </a:xfrm>
-          <a:prstGeom prst="rect">
-            <a:avLst/>
-          </a:prstGeom>
-        </p:spPr>
-      </p:pic>
-      <p:pic>
-        <p:nvPicPr>
-          <p:cNvPr id="14" name="Picture 13"/>
-          <p:cNvPicPr>
-            <a:picLocks noChangeAspect="1"/>
-          </p:cNvPicPr>
-          <p:nvPr/>
-        </p:nvPicPr>
-        <p:blipFill>
-          <a:blip r:embed="rId10">
-            <a:extLst>
-              <a:ext uri="{28A0092B-C50C-407E-A947-70E740481C1C}">
-                <a14:useLocalDpi xmlns:a14="http://schemas.microsoft.com/office/drawing/2010/main" val="0"/>
-              </a:ext>
-            </a:extLst>
-          </a:blip>
-          <a:stretch>
-            <a:fillRect/>
-          </a:stretch>
-        </p:blipFill>
-        <p:spPr>
-          <a:xfrm>
-            <a:off x="7664463" y="680935"/>
-            <a:ext cx="1605733" cy="1605733"/>
-          </a:xfrm>
-          <a:prstGeom prst="rect">
-            <a:avLst/>
-          </a:prstGeom>
-        </p:spPr>
-      </p:pic>
       <p:sp>
         <p:nvSpPr>
           <p:cNvPr id="15" name="TextBox 14"/>
@@ -3242,8 +2919,8 @@
         </p:nvSpPr>
         <p:spPr>
           <a:xfrm>
-            <a:off x="10584873" y="4461164"/>
-            <a:ext cx="184731" cy="369332"/>
+            <a:off x="7938658" y="4203125"/>
+            <a:ext cx="184731" cy="300082"/>
           </a:xfrm>
           <a:prstGeom prst="rect">
             <a:avLst/>
@@ -3256,114 +2933,394 @@
           </a:bodyPr>
           <a:lstStyle/>
           <a:p>
-            <a:endParaRPr lang="en-US" dirty="0"/>
-          </a:p>
-        </p:txBody>
-      </p:sp>
-      <p:sp>
-        <p:nvSpPr>
-          <p:cNvPr id="16" name="TextBox 15"/>
-          <p:cNvSpPr txBox="1"/>
+            <a:endParaRPr lang="en-US" sz="1350" dirty="0"/>
+          </a:p>
+        </p:txBody>
+      </p:sp>
+      <p:grpSp>
+        <p:nvGrpSpPr>
+          <p:cNvPr id="24" name="Group 23"/>
+          <p:cNvGrpSpPr/>
           <p:nvPr/>
-        </p:nvSpPr>
-        <p:spPr>
+        </p:nvGrpSpPr>
+        <p:grpSpPr>
           <a:xfrm>
-            <a:off x="2192570" y="1223573"/>
-            <a:ext cx="1923925" cy="400110"/>
+            <a:off x="1448112" y="1247085"/>
+            <a:ext cx="5554147" cy="4378463"/>
+            <a:chOff x="1506478" y="1227630"/>
+            <a:chExt cx="5554147" cy="4378463"/>
           </a:xfrm>
-          <a:prstGeom prst="rect">
-            <a:avLst/>
-          </a:prstGeom>
-          <a:noFill/>
-        </p:spPr>
-        <p:txBody>
-          <a:bodyPr wrap="none" rtlCol="0">
-            <a:spAutoFit/>
-          </a:bodyPr>
-          <a:lstStyle/>
-          <a:p>
-            <a:r>
-              <a:rPr lang="en-US" sz="2000" b="1" dirty="0" smtClean="0">
-                <a:latin typeface="Arial" charset="0"/>
-                <a:ea typeface="Arial" charset="0"/>
-                <a:cs typeface="Arial" charset="0"/>
-              </a:rPr>
-              <a:t>Superordinate</a:t>
-            </a:r>
-            <a:endParaRPr lang="en-US" sz="2000" b="1" dirty="0">
-              <a:latin typeface="Arial" charset="0"/>
-              <a:ea typeface="Arial" charset="0"/>
-              <a:cs typeface="Arial" charset="0"/>
-            </a:endParaRPr>
-          </a:p>
-        </p:txBody>
-      </p:sp>
-      <p:sp>
-        <p:nvSpPr>
-          <p:cNvPr id="17" name="TextBox 16"/>
-          <p:cNvSpPr txBox="1"/>
-          <p:nvPr/>
-        </p:nvSpPr>
-        <p:spPr>
-          <a:xfrm>
-            <a:off x="2208051" y="3037561"/>
-            <a:ext cx="869149" cy="400110"/>
-          </a:xfrm>
-          <a:prstGeom prst="rect">
-            <a:avLst/>
-          </a:prstGeom>
-          <a:noFill/>
-        </p:spPr>
-        <p:txBody>
-          <a:bodyPr wrap="none" rtlCol="0">
-            <a:spAutoFit/>
-          </a:bodyPr>
-          <a:lstStyle/>
-          <a:p>
-            <a:r>
-              <a:rPr lang="en-US" sz="2000" b="1" dirty="0" smtClean="0">
-                <a:latin typeface="Arial" charset="0"/>
-                <a:ea typeface="Arial" charset="0"/>
-                <a:cs typeface="Arial" charset="0"/>
-              </a:rPr>
-              <a:t>Basic</a:t>
-            </a:r>
-          </a:p>
-        </p:txBody>
-      </p:sp>
-      <p:sp>
-        <p:nvSpPr>
-          <p:cNvPr id="18" name="TextBox 17"/>
-          <p:cNvSpPr txBox="1"/>
-          <p:nvPr/>
-        </p:nvSpPr>
-        <p:spPr>
-          <a:xfrm>
-            <a:off x="2190213" y="5048056"/>
-            <a:ext cx="1681871" cy="400110"/>
-          </a:xfrm>
-          <a:prstGeom prst="rect">
-            <a:avLst/>
-          </a:prstGeom>
-          <a:noFill/>
-        </p:spPr>
-        <p:txBody>
-          <a:bodyPr wrap="none" rtlCol="0">
-            <a:spAutoFit/>
-          </a:bodyPr>
-          <a:lstStyle/>
-          <a:p>
-            <a:r>
-              <a:rPr lang="en-US" sz="2000" b="1" dirty="0" smtClean="0">
-                <a:latin typeface="Arial" charset="0"/>
-                <a:ea typeface="Arial" charset="0"/>
-                <a:cs typeface="Arial" charset="0"/>
-              </a:rPr>
-              <a:t>Subordinate</a:t>
-            </a:r>
-          </a:p>
-        </p:txBody>
-      </p:sp>
+        </p:grpSpPr>
+        <p:pic>
+          <p:nvPicPr>
+            <p:cNvPr id="4" name="Picture 3"/>
+            <p:cNvPicPr>
+              <a:picLocks noChangeAspect="1"/>
+            </p:cNvPicPr>
+            <p:nvPr/>
+          </p:nvPicPr>
+          <p:blipFill>
+            <a:blip r:embed="rId2">
+              <a:extLst>
+                <a:ext uri="{28A0092B-C50C-407E-A947-70E740481C1C}">
+                  <a14:useLocalDpi xmlns:a14="http://schemas.microsoft.com/office/drawing/2010/main" val="0"/>
+                </a:ext>
+              </a:extLst>
+            </a:blip>
+            <a:stretch>
+              <a:fillRect/>
+            </a:stretch>
+          </p:blipFill>
+          <p:spPr>
+            <a:xfrm>
+              <a:off x="4317425" y="4234493"/>
+              <a:ext cx="1371600" cy="1371600"/>
+            </a:xfrm>
+            <a:prstGeom prst="rect">
+              <a:avLst/>
+            </a:prstGeom>
+          </p:spPr>
+        </p:pic>
+        <p:pic>
+          <p:nvPicPr>
+            <p:cNvPr id="5" name="Picture 4"/>
+            <p:cNvPicPr>
+              <a:picLocks noChangeAspect="1"/>
+            </p:cNvPicPr>
+            <p:nvPr/>
+          </p:nvPicPr>
+          <p:blipFill>
+            <a:blip r:embed="rId3">
+              <a:extLst>
+                <a:ext uri="{28A0092B-C50C-407E-A947-70E740481C1C}">
+                  <a14:useLocalDpi xmlns:a14="http://schemas.microsoft.com/office/drawing/2010/main" val="0"/>
+                </a:ext>
+              </a:extLst>
+            </a:blip>
+            <a:stretch>
+              <a:fillRect/>
+            </a:stretch>
+          </p:blipFill>
+          <p:spPr>
+            <a:xfrm>
+              <a:off x="2905700" y="4223808"/>
+              <a:ext cx="1371600" cy="1371600"/>
+            </a:xfrm>
+            <a:prstGeom prst="rect">
+              <a:avLst/>
+            </a:prstGeom>
+          </p:spPr>
+        </p:pic>
+        <p:pic>
+          <p:nvPicPr>
+            <p:cNvPr id="6" name="Picture 5"/>
+            <p:cNvPicPr>
+              <a:picLocks noChangeAspect="1"/>
+            </p:cNvPicPr>
+            <p:nvPr/>
+          </p:nvPicPr>
+          <p:blipFill>
+            <a:blip r:embed="rId4">
+              <a:extLst>
+                <a:ext uri="{28A0092B-C50C-407E-A947-70E740481C1C}">
+                  <a14:useLocalDpi xmlns:a14="http://schemas.microsoft.com/office/drawing/2010/main" val="0"/>
+                </a:ext>
+              </a:extLst>
+            </a:blip>
+            <a:stretch>
+              <a:fillRect/>
+            </a:stretch>
+          </p:blipFill>
+          <p:spPr>
+            <a:xfrm>
+              <a:off x="5689022" y="4234493"/>
+              <a:ext cx="1371600" cy="1371600"/>
+            </a:xfrm>
+            <a:prstGeom prst="rect">
+              <a:avLst/>
+            </a:prstGeom>
+          </p:spPr>
+        </p:pic>
+        <p:pic>
+          <p:nvPicPr>
+            <p:cNvPr id="7" name="Picture 6"/>
+            <p:cNvPicPr>
+              <a:picLocks noChangeAspect="1"/>
+            </p:cNvPicPr>
+            <p:nvPr/>
+          </p:nvPicPr>
+          <p:blipFill>
+            <a:blip r:embed="rId5">
+              <a:extLst>
+                <a:ext uri="{28A0092B-C50C-407E-A947-70E740481C1C}">
+                  <a14:useLocalDpi xmlns:a14="http://schemas.microsoft.com/office/drawing/2010/main" val="0"/>
+                </a:ext>
+              </a:extLst>
+            </a:blip>
+            <a:stretch>
+              <a:fillRect/>
+            </a:stretch>
+          </p:blipFill>
+          <p:spPr>
+            <a:xfrm>
+              <a:off x="4287269" y="2716934"/>
+              <a:ext cx="1371600" cy="1371600"/>
+            </a:xfrm>
+            <a:prstGeom prst="rect">
+              <a:avLst/>
+            </a:prstGeom>
+          </p:spPr>
+        </p:pic>
+        <p:pic>
+          <p:nvPicPr>
+            <p:cNvPr id="8" name="Picture 7"/>
+            <p:cNvPicPr>
+              <a:picLocks noChangeAspect="1"/>
+            </p:cNvPicPr>
+            <p:nvPr/>
+          </p:nvPicPr>
+          <p:blipFill>
+            <a:blip r:embed="rId6">
+              <a:extLst>
+                <a:ext uri="{28A0092B-C50C-407E-A947-70E740481C1C}">
+                  <a14:useLocalDpi xmlns:a14="http://schemas.microsoft.com/office/drawing/2010/main" val="0"/>
+                </a:ext>
+              </a:extLst>
+            </a:blip>
+            <a:stretch>
+              <a:fillRect/>
+            </a:stretch>
+          </p:blipFill>
+          <p:spPr>
+            <a:xfrm>
+              <a:off x="2821136" y="2746452"/>
+              <a:ext cx="1371600" cy="1371600"/>
+            </a:xfrm>
+            <a:prstGeom prst="rect">
+              <a:avLst/>
+            </a:prstGeom>
+          </p:spPr>
+        </p:pic>
+        <p:pic>
+          <p:nvPicPr>
+            <p:cNvPr id="11" name="Picture 10"/>
+            <p:cNvPicPr>
+              <a:picLocks noChangeAspect="1"/>
+            </p:cNvPicPr>
+            <p:nvPr/>
+          </p:nvPicPr>
+          <p:blipFill>
+            <a:blip r:embed="rId7">
+              <a:extLst>
+                <a:ext uri="{28A0092B-C50C-407E-A947-70E740481C1C}">
+                  <a14:useLocalDpi xmlns:a14="http://schemas.microsoft.com/office/drawing/2010/main" val="0"/>
+                </a:ext>
+              </a:extLst>
+            </a:blip>
+            <a:stretch>
+              <a:fillRect/>
+            </a:stretch>
+          </p:blipFill>
+          <p:spPr>
+            <a:xfrm>
+              <a:off x="5689025" y="2746452"/>
+              <a:ext cx="1371600" cy="1371600"/>
+            </a:xfrm>
+            <a:prstGeom prst="rect">
+              <a:avLst/>
+            </a:prstGeom>
+          </p:spPr>
+        </p:pic>
+        <p:pic>
+          <p:nvPicPr>
+            <p:cNvPr id="12" name="Picture 11"/>
+            <p:cNvPicPr>
+              <a:picLocks noChangeAspect="1"/>
+            </p:cNvPicPr>
+            <p:nvPr/>
+          </p:nvPicPr>
+          <p:blipFill>
+            <a:blip r:embed="rId8">
+              <a:extLst>
+                <a:ext uri="{28A0092B-C50C-407E-A947-70E740481C1C}">
+                  <a14:useLocalDpi xmlns:a14="http://schemas.microsoft.com/office/drawing/2010/main" val="0"/>
+                </a:ext>
+              </a:extLst>
+            </a:blip>
+            <a:stretch>
+              <a:fillRect/>
+            </a:stretch>
+          </p:blipFill>
+          <p:spPr>
+            <a:xfrm>
+              <a:off x="2763984" y="1258146"/>
+              <a:ext cx="1371600" cy="1371600"/>
+            </a:xfrm>
+            <a:prstGeom prst="rect">
+              <a:avLst/>
+            </a:prstGeom>
+          </p:spPr>
+        </p:pic>
+        <p:pic>
+          <p:nvPicPr>
+            <p:cNvPr id="13" name="Picture 12"/>
+            <p:cNvPicPr>
+              <a:picLocks noChangeAspect="1"/>
+            </p:cNvPicPr>
+            <p:nvPr/>
+          </p:nvPicPr>
+          <p:blipFill>
+            <a:blip r:embed="rId9">
+              <a:extLst>
+                <a:ext uri="{28A0092B-C50C-407E-A947-70E740481C1C}">
+                  <a14:useLocalDpi xmlns:a14="http://schemas.microsoft.com/office/drawing/2010/main" val="0"/>
+                </a:ext>
+              </a:extLst>
+            </a:blip>
+            <a:stretch>
+              <a:fillRect/>
+            </a:stretch>
+          </p:blipFill>
+          <p:spPr>
+            <a:xfrm>
+              <a:off x="4135584" y="1227630"/>
+              <a:ext cx="1371600" cy="1371600"/>
+            </a:xfrm>
+            <a:prstGeom prst="rect">
+              <a:avLst/>
+            </a:prstGeom>
+          </p:spPr>
+        </p:pic>
+        <p:pic>
+          <p:nvPicPr>
+            <p:cNvPr id="14" name="Picture 13"/>
+            <p:cNvPicPr>
+              <a:picLocks noChangeAspect="1"/>
+            </p:cNvPicPr>
+            <p:nvPr/>
+          </p:nvPicPr>
+          <p:blipFill>
+            <a:blip r:embed="rId10">
+              <a:extLst>
+                <a:ext uri="{28A0092B-C50C-407E-A947-70E740481C1C}">
+                  <a14:useLocalDpi xmlns:a14="http://schemas.microsoft.com/office/drawing/2010/main" val="0"/>
+                </a:ext>
+              </a:extLst>
+            </a:blip>
+            <a:stretch>
+              <a:fillRect/>
+            </a:stretch>
+          </p:blipFill>
+          <p:spPr>
+            <a:xfrm>
+              <a:off x="5748349" y="1290133"/>
+              <a:ext cx="1204301" cy="1204301"/>
+            </a:xfrm>
+            <a:prstGeom prst="rect">
+              <a:avLst/>
+            </a:prstGeom>
+          </p:spPr>
+        </p:pic>
+        <p:sp>
+          <p:nvSpPr>
+            <p:cNvPr id="16" name="TextBox 15"/>
+            <p:cNvSpPr txBox="1"/>
+            <p:nvPr/>
+          </p:nvSpPr>
+          <p:spPr>
+            <a:xfrm>
+              <a:off x="1508244" y="1774933"/>
+              <a:ext cx="1487908" cy="323165"/>
+            </a:xfrm>
+            <a:prstGeom prst="rect">
+              <a:avLst/>
+            </a:prstGeom>
+            <a:noFill/>
+          </p:spPr>
+          <p:txBody>
+            <a:bodyPr wrap="none" rtlCol="0">
+              <a:spAutoFit/>
+            </a:bodyPr>
+            <a:lstStyle/>
+            <a:p>
+              <a:r>
+                <a:rPr lang="en-US" sz="1500" b="1" dirty="0">
+                  <a:latin typeface="Arial" charset="0"/>
+                  <a:ea typeface="Arial" charset="0"/>
+                  <a:cs typeface="Arial" charset="0"/>
+                </a:rPr>
+                <a:t>Superordinate</a:t>
+              </a:r>
+            </a:p>
+          </p:txBody>
+        </p:sp>
+        <p:sp>
+          <p:nvSpPr>
+            <p:cNvPr id="17" name="TextBox 16"/>
+            <p:cNvSpPr txBox="1"/>
+            <p:nvPr/>
+          </p:nvSpPr>
+          <p:spPr>
+            <a:xfrm>
+              <a:off x="1519854" y="3135425"/>
+              <a:ext cx="699230" cy="323165"/>
+            </a:xfrm>
+            <a:prstGeom prst="rect">
+              <a:avLst/>
+            </a:prstGeom>
+            <a:noFill/>
+          </p:spPr>
+          <p:txBody>
+            <a:bodyPr wrap="none" rtlCol="0">
+              <a:spAutoFit/>
+            </a:bodyPr>
+            <a:lstStyle/>
+            <a:p>
+              <a:r>
+                <a:rPr lang="en-US" sz="1500" b="1" dirty="0">
+                  <a:latin typeface="Arial" charset="0"/>
+                  <a:ea typeface="Arial" charset="0"/>
+                  <a:cs typeface="Arial" charset="0"/>
+                </a:rPr>
+                <a:t>Basic</a:t>
+              </a:r>
+            </a:p>
+          </p:txBody>
+        </p:sp>
+        <p:sp>
+          <p:nvSpPr>
+            <p:cNvPr id="18" name="TextBox 17"/>
+            <p:cNvSpPr txBox="1"/>
+            <p:nvPr/>
+          </p:nvSpPr>
+          <p:spPr>
+            <a:xfrm>
+              <a:off x="1506478" y="4643294"/>
+              <a:ext cx="1305165" cy="323165"/>
+            </a:xfrm>
+            <a:prstGeom prst="rect">
+              <a:avLst/>
+            </a:prstGeom>
+            <a:noFill/>
+          </p:spPr>
+          <p:txBody>
+            <a:bodyPr wrap="none" rtlCol="0">
+              <a:spAutoFit/>
+            </a:bodyPr>
+            <a:lstStyle/>
+            <a:p>
+              <a:r>
+                <a:rPr lang="en-US" sz="1500" b="1" dirty="0">
+                  <a:latin typeface="Arial" charset="0"/>
+                  <a:ea typeface="Arial" charset="0"/>
+                  <a:cs typeface="Arial" charset="0"/>
+                </a:rPr>
+                <a:t>Subordinate</a:t>
+              </a:r>
+            </a:p>
+          </p:txBody>
+        </p:sp>
+      </p:grpSp>
     </p:spTree>
     <p:extLst>
       <p:ext uri="{BB962C8B-B14F-4D97-AF65-F5344CB8AC3E}">
@@ -3387,7 +3344,7 @@
 <file path=ppt/theme/theme1.xml><?xml version="1.0" encoding="utf-8"?>
 <a:theme xmlns:a="http://schemas.openxmlformats.org/drawingml/2006/main" name="Office Theme">
   <a:themeElements>
-    <a:clrScheme name="Office">
+    <a:clrScheme name="Office Theme">
       <a:dk1>
         <a:sysClr val="windowText" lastClr="000000"/>
       </a:dk1>
@@ -3425,14 +3382,14 @@
         <a:srgbClr val="954F72"/>
       </a:folHlink>
     </a:clrScheme>
-    <a:fontScheme name="Office">
+    <a:fontScheme name="Office Theme">
       <a:majorFont>
         <a:latin typeface="Calibri Light" panose="020F0302020204030204"/>
         <a:ea typeface=""/>
         <a:cs typeface=""/>
-        <a:font script="Jpan" typeface="Yu Gothic Light"/>
+        <a:font script="Jpan" typeface="游ゴシック Light"/>
         <a:font script="Hang" typeface="맑은 고딕"/>
-        <a:font script="Hans" typeface="DengXian Light"/>
+        <a:font script="Hans" typeface="等线 Light"/>
         <a:font script="Hant" typeface="新細明體"/>
         <a:font script="Arab" typeface="Times New Roman"/>
         <a:font script="Hebr" typeface="Times New Roman"/>
@@ -3465,9 +3422,9 @@
         <a:latin typeface="Calibri" panose="020F0502020204030204"/>
         <a:ea typeface=""/>
         <a:cs typeface=""/>
-        <a:font script="Jpan" typeface="Yu Gothic"/>
+        <a:font script="Jpan" typeface="游ゴシック"/>
         <a:font script="Hang" typeface="맑은 고딕"/>
-        <a:font script="Hans" typeface="DengXian"/>
+        <a:font script="Hans" typeface="等线"/>
         <a:font script="Hant" typeface="新細明體"/>
         <a:font script="Arab" typeface="Arial"/>
         <a:font script="Hebr" typeface="Arial"/>
@@ -3497,7 +3454,7 @@
         <a:font script="Geor" typeface="Sylfaen"/>
       </a:minorFont>
     </a:fontScheme>
-    <a:fmtScheme name="Office">
+    <a:fmtScheme name="Office Theme">
       <a:fillStyleLst>
         <a:solidFill>
           <a:schemeClr val="phClr"/>

--- a/paper/figs/figs.pptx
+++ b/paper/figs/figs.pptx
@@ -4,8 +4,15 @@
   <p:sldMasterIdLst>
     <p:sldMasterId id="2147483660" r:id="rId1"/>
   </p:sldMasterIdLst>
+  <p:notesMasterIdLst>
+    <p:notesMasterId r:id="rId7"/>
+  </p:notesMasterIdLst>
   <p:sldIdLst>
     <p:sldId id="256" r:id="rId2"/>
+    <p:sldId id="257" r:id="rId3"/>
+    <p:sldId id="260" r:id="rId4"/>
+    <p:sldId id="259" r:id="rId5"/>
+    <p:sldId id="258" r:id="rId6"/>
   </p:sldIdLst>
   <p:sldSz cx="9144000" cy="6858000" type="screen4x3"/>
   <p:notesSz cx="6858000" cy="9144000"/>
@@ -104,7 +111,530 @@
       </a:defRPr>
     </a:lvl9pPr>
   </p:defaultTextStyle>
+  <p:extLst>
+    <p:ext uri="{EFAFB233-063F-42B5-8137-9DF3F51BA10A}">
+      <p15:sldGuideLst xmlns:p15="http://schemas.microsoft.com/office/powerpoint/2012/main"/>
+    </p:ext>
+  </p:extLst>
 </p:presentation>
+</file>
+
+<file path=ppt/notesMasters/notesMaster1.xml><?xml version="1.0" encoding="utf-8"?>
+<p:notesMaster xmlns:a="http://schemas.openxmlformats.org/drawingml/2006/main" xmlns:r="http://schemas.openxmlformats.org/officeDocument/2006/relationships" xmlns:p="http://schemas.openxmlformats.org/presentationml/2006/main">
+  <p:cSld>
+    <p:bg>
+      <p:bgRef idx="1001">
+        <a:schemeClr val="bg1"/>
+      </p:bgRef>
+    </p:bg>
+    <p:spTree>
+      <p:nvGrpSpPr>
+        <p:cNvPr id="1" name=""/>
+        <p:cNvGrpSpPr/>
+        <p:nvPr/>
+      </p:nvGrpSpPr>
+      <p:grpSpPr>
+        <a:xfrm>
+          <a:off x="0" y="0"/>
+          <a:ext cx="0" cy="0"/>
+          <a:chOff x="0" y="0"/>
+          <a:chExt cx="0" cy="0"/>
+        </a:xfrm>
+      </p:grpSpPr>
+      <p:sp>
+        <p:nvSpPr>
+          <p:cNvPr id="2" name="Header Placeholder 1"/>
+          <p:cNvSpPr>
+            <a:spLocks noGrp="1"/>
+          </p:cNvSpPr>
+          <p:nvPr>
+            <p:ph type="hdr" sz="quarter"/>
+          </p:nvPr>
+        </p:nvSpPr>
+        <p:spPr>
+          <a:xfrm>
+            <a:off x="0" y="0"/>
+            <a:ext cx="2971800" cy="458788"/>
+          </a:xfrm>
+          <a:prstGeom prst="rect">
+            <a:avLst/>
+          </a:prstGeom>
+        </p:spPr>
+        <p:txBody>
+          <a:bodyPr vert="horz" lIns="91440" tIns="45720" rIns="91440" bIns="45720" rtlCol="0"/>
+          <a:lstStyle>
+            <a:lvl1pPr algn="l">
+              <a:defRPr sz="1200"/>
+            </a:lvl1pPr>
+          </a:lstStyle>
+          <a:p>
+            <a:endParaRPr lang="en-US"/>
+          </a:p>
+        </p:txBody>
+      </p:sp>
+      <p:sp>
+        <p:nvSpPr>
+          <p:cNvPr id="3" name="Date Placeholder 2"/>
+          <p:cNvSpPr>
+            <a:spLocks noGrp="1"/>
+          </p:cNvSpPr>
+          <p:nvPr>
+            <p:ph type="dt" idx="1"/>
+          </p:nvPr>
+        </p:nvSpPr>
+        <p:spPr>
+          <a:xfrm>
+            <a:off x="3884613" y="0"/>
+            <a:ext cx="2971800" cy="458788"/>
+          </a:xfrm>
+          <a:prstGeom prst="rect">
+            <a:avLst/>
+          </a:prstGeom>
+        </p:spPr>
+        <p:txBody>
+          <a:bodyPr vert="horz" lIns="91440" tIns="45720" rIns="91440" bIns="45720" rtlCol="0"/>
+          <a:lstStyle>
+            <a:lvl1pPr algn="r">
+              <a:defRPr sz="1200"/>
+            </a:lvl1pPr>
+          </a:lstStyle>
+          <a:p>
+            <a:fld id="{4E367E3C-5EFB-614E-BFA3-472107A18149}" type="datetimeFigureOut">
+              <a:rPr lang="en-US" smtClean="0"/>
+              <a:t>2/6/18</a:t>
+            </a:fld>
+            <a:endParaRPr lang="en-US"/>
+          </a:p>
+        </p:txBody>
+      </p:sp>
+      <p:sp>
+        <p:nvSpPr>
+          <p:cNvPr id="4" name="Slide Image Placeholder 3"/>
+          <p:cNvSpPr>
+            <a:spLocks noGrp="1" noRot="1" noChangeAspect="1"/>
+          </p:cNvSpPr>
+          <p:nvPr>
+            <p:ph type="sldImg" idx="2"/>
+          </p:nvPr>
+        </p:nvSpPr>
+        <p:spPr>
+          <a:xfrm>
+            <a:off x="1371600" y="1143000"/>
+            <a:ext cx="4114800" cy="3086100"/>
+          </a:xfrm>
+          <a:prstGeom prst="rect">
+            <a:avLst/>
+          </a:prstGeom>
+          <a:noFill/>
+          <a:ln w="12700">
+            <a:solidFill>
+              <a:prstClr val="black"/>
+            </a:solidFill>
+          </a:ln>
+        </p:spPr>
+        <p:txBody>
+          <a:bodyPr vert="horz" lIns="91440" tIns="45720" rIns="91440" bIns="45720" rtlCol="0" anchor="ctr"/>
+          <a:lstStyle/>
+          <a:p>
+            <a:endParaRPr lang="en-US"/>
+          </a:p>
+        </p:txBody>
+      </p:sp>
+      <p:sp>
+        <p:nvSpPr>
+          <p:cNvPr id="5" name="Notes Placeholder 4"/>
+          <p:cNvSpPr>
+            <a:spLocks noGrp="1"/>
+          </p:cNvSpPr>
+          <p:nvPr>
+            <p:ph type="body" sz="quarter" idx="3"/>
+          </p:nvPr>
+        </p:nvSpPr>
+        <p:spPr>
+          <a:xfrm>
+            <a:off x="685800" y="4400550"/>
+            <a:ext cx="5486400" cy="3600450"/>
+          </a:xfrm>
+          <a:prstGeom prst="rect">
+            <a:avLst/>
+          </a:prstGeom>
+        </p:spPr>
+        <p:txBody>
+          <a:bodyPr vert="horz" lIns="91440" tIns="45720" rIns="91440" bIns="45720" rtlCol="0"/>
+          <a:lstStyle/>
+          <a:p>
+            <a:pPr lvl="0"/>
+            <a:r>
+              <a:rPr lang="en-US" smtClean="0"/>
+              <a:t>Click to edit Master text styles</a:t>
+            </a:r>
+          </a:p>
+          <a:p>
+            <a:pPr lvl="1"/>
+            <a:r>
+              <a:rPr lang="en-US" smtClean="0"/>
+              <a:t>Second level</a:t>
+            </a:r>
+          </a:p>
+          <a:p>
+            <a:pPr lvl="2"/>
+            <a:r>
+              <a:rPr lang="en-US" smtClean="0"/>
+              <a:t>Third level</a:t>
+            </a:r>
+          </a:p>
+          <a:p>
+            <a:pPr lvl="3"/>
+            <a:r>
+              <a:rPr lang="en-US" smtClean="0"/>
+              <a:t>Fourth level</a:t>
+            </a:r>
+          </a:p>
+          <a:p>
+            <a:pPr lvl="4"/>
+            <a:r>
+              <a:rPr lang="en-US" smtClean="0"/>
+              <a:t>Fifth level</a:t>
+            </a:r>
+            <a:endParaRPr lang="en-US"/>
+          </a:p>
+        </p:txBody>
+      </p:sp>
+      <p:sp>
+        <p:nvSpPr>
+          <p:cNvPr id="6" name="Footer Placeholder 5"/>
+          <p:cNvSpPr>
+            <a:spLocks noGrp="1"/>
+          </p:cNvSpPr>
+          <p:nvPr>
+            <p:ph type="ftr" sz="quarter" idx="4"/>
+          </p:nvPr>
+        </p:nvSpPr>
+        <p:spPr>
+          <a:xfrm>
+            <a:off x="0" y="8685213"/>
+            <a:ext cx="2971800" cy="458787"/>
+          </a:xfrm>
+          <a:prstGeom prst="rect">
+            <a:avLst/>
+          </a:prstGeom>
+        </p:spPr>
+        <p:txBody>
+          <a:bodyPr vert="horz" lIns="91440" tIns="45720" rIns="91440" bIns="45720" rtlCol="0" anchor="b"/>
+          <a:lstStyle>
+            <a:lvl1pPr algn="l">
+              <a:defRPr sz="1200"/>
+            </a:lvl1pPr>
+          </a:lstStyle>
+          <a:p>
+            <a:endParaRPr lang="en-US"/>
+          </a:p>
+        </p:txBody>
+      </p:sp>
+      <p:sp>
+        <p:nvSpPr>
+          <p:cNvPr id="7" name="Slide Number Placeholder 6"/>
+          <p:cNvSpPr>
+            <a:spLocks noGrp="1"/>
+          </p:cNvSpPr>
+          <p:nvPr>
+            <p:ph type="sldNum" sz="quarter" idx="5"/>
+          </p:nvPr>
+        </p:nvSpPr>
+        <p:spPr>
+          <a:xfrm>
+            <a:off x="3884613" y="8685213"/>
+            <a:ext cx="2971800" cy="458787"/>
+          </a:xfrm>
+          <a:prstGeom prst="rect">
+            <a:avLst/>
+          </a:prstGeom>
+        </p:spPr>
+        <p:txBody>
+          <a:bodyPr vert="horz" lIns="91440" tIns="45720" rIns="91440" bIns="45720" rtlCol="0" anchor="b"/>
+          <a:lstStyle>
+            <a:lvl1pPr algn="r">
+              <a:defRPr sz="1200"/>
+            </a:lvl1pPr>
+          </a:lstStyle>
+          <a:p>
+            <a:fld id="{18D6DF12-9C7B-1B4E-98B4-20E1946E4AC0}" type="slidenum">
+              <a:rPr lang="en-US" smtClean="0"/>
+              <a:t>‹#›</a:t>
+            </a:fld>
+            <a:endParaRPr lang="en-US"/>
+          </a:p>
+        </p:txBody>
+      </p:sp>
+    </p:spTree>
+    <p:extLst>
+      <p:ext uri="{BB962C8B-B14F-4D97-AF65-F5344CB8AC3E}">
+        <p14:creationId xmlns:p14="http://schemas.microsoft.com/office/powerpoint/2010/main" val="1515261327"/>
+      </p:ext>
+    </p:extLst>
+  </p:cSld>
+  <p:clrMap bg1="lt1" tx1="dk1" bg2="lt2" tx2="dk2" accent1="accent1" accent2="accent2" accent3="accent3" accent4="accent4" accent5="accent5" accent6="accent6" hlink="hlink" folHlink="folHlink"/>
+  <p:notesStyle>
+    <a:lvl1pPr marL="0" algn="l" defTabSz="914400" rtl="0" eaLnBrk="1" latinLnBrk="0" hangingPunct="1">
+      <a:defRPr sz="1200" kern="1200">
+        <a:solidFill>
+          <a:schemeClr val="tx1"/>
+        </a:solidFill>
+        <a:latin typeface="+mn-lt"/>
+        <a:ea typeface="+mn-ea"/>
+        <a:cs typeface="+mn-cs"/>
+      </a:defRPr>
+    </a:lvl1pPr>
+    <a:lvl2pPr marL="457200" algn="l" defTabSz="914400" rtl="0" eaLnBrk="1" latinLnBrk="0" hangingPunct="1">
+      <a:defRPr sz="1200" kern="1200">
+        <a:solidFill>
+          <a:schemeClr val="tx1"/>
+        </a:solidFill>
+        <a:latin typeface="+mn-lt"/>
+        <a:ea typeface="+mn-ea"/>
+        <a:cs typeface="+mn-cs"/>
+      </a:defRPr>
+    </a:lvl2pPr>
+    <a:lvl3pPr marL="914400" algn="l" defTabSz="914400" rtl="0" eaLnBrk="1" latinLnBrk="0" hangingPunct="1">
+      <a:defRPr sz="1200" kern="1200">
+        <a:solidFill>
+          <a:schemeClr val="tx1"/>
+        </a:solidFill>
+        <a:latin typeface="+mn-lt"/>
+        <a:ea typeface="+mn-ea"/>
+        <a:cs typeface="+mn-cs"/>
+      </a:defRPr>
+    </a:lvl3pPr>
+    <a:lvl4pPr marL="1371600" algn="l" defTabSz="914400" rtl="0" eaLnBrk="1" latinLnBrk="0" hangingPunct="1">
+      <a:defRPr sz="1200" kern="1200">
+        <a:solidFill>
+          <a:schemeClr val="tx1"/>
+        </a:solidFill>
+        <a:latin typeface="+mn-lt"/>
+        <a:ea typeface="+mn-ea"/>
+        <a:cs typeface="+mn-cs"/>
+      </a:defRPr>
+    </a:lvl4pPr>
+    <a:lvl5pPr marL="1828800" algn="l" defTabSz="914400" rtl="0" eaLnBrk="1" latinLnBrk="0" hangingPunct="1">
+      <a:defRPr sz="1200" kern="1200">
+        <a:solidFill>
+          <a:schemeClr val="tx1"/>
+        </a:solidFill>
+        <a:latin typeface="+mn-lt"/>
+        <a:ea typeface="+mn-ea"/>
+        <a:cs typeface="+mn-cs"/>
+      </a:defRPr>
+    </a:lvl5pPr>
+    <a:lvl6pPr marL="2286000" algn="l" defTabSz="914400" rtl="0" eaLnBrk="1" latinLnBrk="0" hangingPunct="1">
+      <a:defRPr sz="1200" kern="1200">
+        <a:solidFill>
+          <a:schemeClr val="tx1"/>
+        </a:solidFill>
+        <a:latin typeface="+mn-lt"/>
+        <a:ea typeface="+mn-ea"/>
+        <a:cs typeface="+mn-cs"/>
+      </a:defRPr>
+    </a:lvl6pPr>
+    <a:lvl7pPr marL="2743200" algn="l" defTabSz="914400" rtl="0" eaLnBrk="1" latinLnBrk="0" hangingPunct="1">
+      <a:defRPr sz="1200" kern="1200">
+        <a:solidFill>
+          <a:schemeClr val="tx1"/>
+        </a:solidFill>
+        <a:latin typeface="+mn-lt"/>
+        <a:ea typeface="+mn-ea"/>
+        <a:cs typeface="+mn-cs"/>
+      </a:defRPr>
+    </a:lvl7pPr>
+    <a:lvl8pPr marL="3200400" algn="l" defTabSz="914400" rtl="0" eaLnBrk="1" latinLnBrk="0" hangingPunct="1">
+      <a:defRPr sz="1200" kern="1200">
+        <a:solidFill>
+          <a:schemeClr val="tx1"/>
+        </a:solidFill>
+        <a:latin typeface="+mn-lt"/>
+        <a:ea typeface="+mn-ea"/>
+        <a:cs typeface="+mn-cs"/>
+      </a:defRPr>
+    </a:lvl8pPr>
+    <a:lvl9pPr marL="3657600" algn="l" defTabSz="914400" rtl="0" eaLnBrk="1" latinLnBrk="0" hangingPunct="1">
+      <a:defRPr sz="1200" kern="1200">
+        <a:solidFill>
+          <a:schemeClr val="tx1"/>
+        </a:solidFill>
+        <a:latin typeface="+mn-lt"/>
+        <a:ea typeface="+mn-ea"/>
+        <a:cs typeface="+mn-cs"/>
+      </a:defRPr>
+    </a:lvl9pPr>
+  </p:notesStyle>
+</p:notesMaster>
+</file>
+
+<file path=ppt/notesSlides/notesSlide1.xml><?xml version="1.0" encoding="utf-8"?>
+<p:notes xmlns:a="http://schemas.openxmlformats.org/drawingml/2006/main" xmlns:r="http://schemas.openxmlformats.org/officeDocument/2006/relationships" xmlns:p="http://schemas.openxmlformats.org/presentationml/2006/main">
+  <p:cSld>
+    <p:spTree>
+      <p:nvGrpSpPr>
+        <p:cNvPr id="1" name=""/>
+        <p:cNvGrpSpPr/>
+        <p:nvPr/>
+      </p:nvGrpSpPr>
+      <p:grpSpPr>
+        <a:xfrm>
+          <a:off x="0" y="0"/>
+          <a:ext cx="0" cy="0"/>
+          <a:chOff x="0" y="0"/>
+          <a:chExt cx="0" cy="0"/>
+        </a:xfrm>
+      </p:grpSpPr>
+      <p:sp>
+        <p:nvSpPr>
+          <p:cNvPr id="2" name="Slide Image Placeholder 1"/>
+          <p:cNvSpPr>
+            <a:spLocks noGrp="1" noRot="1" noChangeAspect="1"/>
+          </p:cNvSpPr>
+          <p:nvPr>
+            <p:ph type="sldImg"/>
+          </p:nvPr>
+        </p:nvSpPr>
+        <p:spPr/>
+      </p:sp>
+      <p:sp>
+        <p:nvSpPr>
+          <p:cNvPr id="3" name="Notes Placeholder 2"/>
+          <p:cNvSpPr>
+            <a:spLocks noGrp="1"/>
+          </p:cNvSpPr>
+          <p:nvPr>
+            <p:ph type="body" idx="1"/>
+          </p:nvPr>
+        </p:nvSpPr>
+        <p:spPr/>
+        <p:txBody>
+          <a:bodyPr/>
+          <a:lstStyle/>
+          <a:p>
+            <a:endParaRPr lang="en-US" dirty="0"/>
+          </a:p>
+        </p:txBody>
+      </p:sp>
+      <p:sp>
+        <p:nvSpPr>
+          <p:cNvPr id="4" name="Slide Number Placeholder 3"/>
+          <p:cNvSpPr>
+            <a:spLocks noGrp="1"/>
+          </p:cNvSpPr>
+          <p:nvPr>
+            <p:ph type="sldNum" sz="quarter" idx="10"/>
+          </p:nvPr>
+        </p:nvSpPr>
+        <p:spPr/>
+        <p:txBody>
+          <a:bodyPr/>
+          <a:lstStyle/>
+          <a:p>
+            <a:fld id="{18D6DF12-9C7B-1B4E-98B4-20E1946E4AC0}" type="slidenum">
+              <a:rPr lang="en-US" smtClean="0"/>
+              <a:t>2</a:t>
+            </a:fld>
+            <a:endParaRPr lang="en-US"/>
+          </a:p>
+        </p:txBody>
+      </p:sp>
+    </p:spTree>
+    <p:extLst>
+      <p:ext uri="{BB962C8B-B14F-4D97-AF65-F5344CB8AC3E}">
+        <p14:creationId xmlns:p14="http://schemas.microsoft.com/office/powerpoint/2010/main" val="1561071555"/>
+      </p:ext>
+    </p:extLst>
+  </p:cSld>
+  <p:clrMapOvr>
+    <a:masterClrMapping/>
+  </p:clrMapOvr>
+</p:notes>
+</file>
+
+<file path=ppt/notesSlides/notesSlide2.xml><?xml version="1.0" encoding="utf-8"?>
+<p:notes xmlns:a="http://schemas.openxmlformats.org/drawingml/2006/main" xmlns:r="http://schemas.openxmlformats.org/officeDocument/2006/relationships" xmlns:p="http://schemas.openxmlformats.org/presentationml/2006/main">
+  <p:cSld>
+    <p:spTree>
+      <p:nvGrpSpPr>
+        <p:cNvPr id="1" name=""/>
+        <p:cNvGrpSpPr/>
+        <p:nvPr/>
+      </p:nvGrpSpPr>
+      <p:grpSpPr>
+        <a:xfrm>
+          <a:off x="0" y="0"/>
+          <a:ext cx="0" cy="0"/>
+          <a:chOff x="0" y="0"/>
+          <a:chExt cx="0" cy="0"/>
+        </a:xfrm>
+      </p:grpSpPr>
+      <p:sp>
+        <p:nvSpPr>
+          <p:cNvPr id="2" name="Slide Image Placeholder 1"/>
+          <p:cNvSpPr>
+            <a:spLocks noGrp="1" noRot="1" noChangeAspect="1"/>
+          </p:cNvSpPr>
+          <p:nvPr>
+            <p:ph type="sldImg"/>
+          </p:nvPr>
+        </p:nvSpPr>
+        <p:spPr/>
+      </p:sp>
+      <p:sp>
+        <p:nvSpPr>
+          <p:cNvPr id="3" name="Notes Placeholder 2"/>
+          <p:cNvSpPr>
+            <a:spLocks noGrp="1"/>
+          </p:cNvSpPr>
+          <p:nvPr>
+            <p:ph type="body" idx="1"/>
+          </p:nvPr>
+        </p:nvSpPr>
+        <p:spPr/>
+        <p:txBody>
+          <a:bodyPr/>
+          <a:lstStyle/>
+          <a:p>
+            <a:endParaRPr lang="en-US" dirty="0"/>
+          </a:p>
+        </p:txBody>
+      </p:sp>
+      <p:sp>
+        <p:nvSpPr>
+          <p:cNvPr id="4" name="Slide Number Placeholder 3"/>
+          <p:cNvSpPr>
+            <a:spLocks noGrp="1"/>
+          </p:cNvSpPr>
+          <p:nvPr>
+            <p:ph type="sldNum" sz="quarter" idx="10"/>
+          </p:nvPr>
+        </p:nvSpPr>
+        <p:spPr/>
+        <p:txBody>
+          <a:bodyPr/>
+          <a:lstStyle/>
+          <a:p>
+            <a:fld id="{18D6DF12-9C7B-1B4E-98B4-20E1946E4AC0}" type="slidenum">
+              <a:rPr lang="en-US" smtClean="0"/>
+              <a:t>3</a:t>
+            </a:fld>
+            <a:endParaRPr lang="en-US"/>
+          </a:p>
+        </p:txBody>
+      </p:sp>
+    </p:spTree>
+    <p:extLst>
+      <p:ext uri="{BB962C8B-B14F-4D97-AF65-F5344CB8AC3E}">
+        <p14:creationId xmlns:p14="http://schemas.microsoft.com/office/powerpoint/2010/main" val="847786685"/>
+      </p:ext>
+    </p:extLst>
+  </p:cSld>
+  <p:clrMapOvr>
+    <a:masterClrMapping/>
+  </p:clrMapOvr>
+</p:notes>
 </file>
 
 <file path=ppt/slideLayouts/slideLayout1.xml><?xml version="1.0" encoding="utf-8"?>
@@ -238,7 +768,7 @@
           <a:p>
             <a:fld id="{18B5B383-7F3D-E842-B093-56C3A147D558}" type="datetimeFigureOut">
               <a:rPr lang="en-US" smtClean="0"/>
-              <a:t>8/25/17</a:t>
+              <a:t>2/6/18</a:t>
             </a:fld>
             <a:endParaRPr lang="en-US"/>
           </a:p>
@@ -403,7 +933,7 @@
           <a:p>
             <a:fld id="{18B5B383-7F3D-E842-B093-56C3A147D558}" type="datetimeFigureOut">
               <a:rPr lang="en-US" smtClean="0"/>
-              <a:t>8/25/17</a:t>
+              <a:t>2/6/18</a:t>
             </a:fld>
             <a:endParaRPr lang="en-US"/>
           </a:p>
@@ -578,7 +1108,7 @@
           <a:p>
             <a:fld id="{18B5B383-7F3D-E842-B093-56C3A147D558}" type="datetimeFigureOut">
               <a:rPr lang="en-US" smtClean="0"/>
-              <a:t>8/25/17</a:t>
+              <a:t>2/6/18</a:t>
             </a:fld>
             <a:endParaRPr lang="en-US"/>
           </a:p>
@@ -743,7 +1273,7 @@
           <a:p>
             <a:fld id="{18B5B383-7F3D-E842-B093-56C3A147D558}" type="datetimeFigureOut">
               <a:rPr lang="en-US" smtClean="0"/>
-              <a:t>8/25/17</a:t>
+              <a:t>2/6/18</a:t>
             </a:fld>
             <a:endParaRPr lang="en-US"/>
           </a:p>
@@ -982,7 +1512,7 @@
           <a:p>
             <a:fld id="{18B5B383-7F3D-E842-B093-56C3A147D558}" type="datetimeFigureOut">
               <a:rPr lang="en-US" smtClean="0"/>
-              <a:t>8/25/17</a:t>
+              <a:t>2/6/18</a:t>
             </a:fld>
             <a:endParaRPr lang="en-US"/>
           </a:p>
@@ -1209,7 +1739,7 @@
           <a:p>
             <a:fld id="{18B5B383-7F3D-E842-B093-56C3A147D558}" type="datetimeFigureOut">
               <a:rPr lang="en-US" smtClean="0"/>
-              <a:t>8/25/17</a:t>
+              <a:t>2/6/18</a:t>
             </a:fld>
             <a:endParaRPr lang="en-US"/>
           </a:p>
@@ -1571,7 +2101,7 @@
           <a:p>
             <a:fld id="{18B5B383-7F3D-E842-B093-56C3A147D558}" type="datetimeFigureOut">
               <a:rPr lang="en-US" smtClean="0"/>
-              <a:t>8/25/17</a:t>
+              <a:t>2/6/18</a:t>
             </a:fld>
             <a:endParaRPr lang="en-US"/>
           </a:p>
@@ -1684,7 +2214,7 @@
           <a:p>
             <a:fld id="{18B5B383-7F3D-E842-B093-56C3A147D558}" type="datetimeFigureOut">
               <a:rPr lang="en-US" smtClean="0"/>
-              <a:t>8/25/17</a:t>
+              <a:t>2/6/18</a:t>
             </a:fld>
             <a:endParaRPr lang="en-US"/>
           </a:p>
@@ -1774,7 +2304,7 @@
           <a:p>
             <a:fld id="{18B5B383-7F3D-E842-B093-56C3A147D558}" type="datetimeFigureOut">
               <a:rPr lang="en-US" smtClean="0"/>
-              <a:t>8/25/17</a:t>
+              <a:t>2/6/18</a:t>
             </a:fld>
             <a:endParaRPr lang="en-US"/>
           </a:p>
@@ -2046,7 +2576,7 @@
           <a:p>
             <a:fld id="{18B5B383-7F3D-E842-B093-56C3A147D558}" type="datetimeFigureOut">
               <a:rPr lang="en-US" smtClean="0"/>
-              <a:t>8/25/17</a:t>
+              <a:t>2/6/18</a:t>
             </a:fld>
             <a:endParaRPr lang="en-US"/>
           </a:p>
@@ -2298,7 +2828,7 @@
           <a:p>
             <a:fld id="{18B5B383-7F3D-E842-B093-56C3A147D558}" type="datetimeFigureOut">
               <a:rPr lang="en-US" smtClean="0"/>
-              <a:t>8/25/17</a:t>
+              <a:t>2/6/18</a:t>
             </a:fld>
             <a:endParaRPr lang="en-US"/>
           </a:p>
@@ -2506,7 +3036,7 @@
           <a:p>
             <a:fld id="{18B5B383-7F3D-E842-B093-56C3A147D558}" type="datetimeFigureOut">
               <a:rPr lang="en-US" smtClean="0"/>
-              <a:t>8/25/17</a:t>
+              <a:t>2/6/18</a:t>
             </a:fld>
             <a:endParaRPr lang="en-US"/>
           </a:p>
@@ -3341,6 +3871,3918 @@
 </p:sld>
 </file>
 
+<file path=ppt/slides/slide2.xml><?xml version="1.0" encoding="utf-8"?>
+<p:sld xmlns:a="http://schemas.openxmlformats.org/drawingml/2006/main" xmlns:r="http://schemas.openxmlformats.org/officeDocument/2006/relationships" xmlns:p="http://schemas.openxmlformats.org/presentationml/2006/main">
+  <p:cSld>
+    <p:spTree>
+      <p:nvGrpSpPr>
+        <p:cNvPr id="1" name=""/>
+        <p:cNvGrpSpPr/>
+        <p:nvPr/>
+      </p:nvGrpSpPr>
+      <p:grpSpPr>
+        <a:xfrm>
+          <a:off x="0" y="0"/>
+          <a:ext cx="0" cy="0"/>
+          <a:chOff x="0" y="0"/>
+          <a:chExt cx="0" cy="0"/>
+        </a:xfrm>
+      </p:grpSpPr>
+      <p:grpSp>
+        <p:nvGrpSpPr>
+          <p:cNvPr id="23" name="Group 22"/>
+          <p:cNvGrpSpPr/>
+          <p:nvPr/>
+        </p:nvGrpSpPr>
+        <p:grpSpPr>
+          <a:xfrm>
+            <a:off x="647498" y="2015609"/>
+            <a:ext cx="6945799" cy="2800900"/>
+            <a:chOff x="647498" y="2015609"/>
+            <a:chExt cx="6945799" cy="2800900"/>
+          </a:xfrm>
+        </p:grpSpPr>
+        <p:grpSp>
+          <p:nvGrpSpPr>
+            <p:cNvPr id="3" name="Group 2"/>
+            <p:cNvGrpSpPr/>
+            <p:nvPr/>
+          </p:nvGrpSpPr>
+          <p:grpSpPr>
+            <a:xfrm>
+              <a:off x="3533733" y="3015439"/>
+              <a:ext cx="549880" cy="1758644"/>
+              <a:chOff x="3839489" y="3039637"/>
+              <a:chExt cx="549880" cy="1758644"/>
+            </a:xfrm>
+          </p:grpSpPr>
+          <p:pic>
+            <p:nvPicPr>
+              <p:cNvPr id="6" name="Picture 5"/>
+              <p:cNvPicPr>
+                <a:picLocks noChangeAspect="1"/>
+              </p:cNvPicPr>
+              <p:nvPr/>
+            </p:nvPicPr>
+            <p:blipFill>
+              <a:blip r:embed="rId3">
+                <a:extLst>
+                  <a:ext uri="{28A0092B-C50C-407E-A947-70E740481C1C}">
+                    <a14:useLocalDpi xmlns:a14="http://schemas.microsoft.com/office/drawing/2010/main" val="0"/>
+                  </a:ext>
+                </a:extLst>
+              </a:blip>
+              <a:stretch>
+                <a:fillRect/>
+              </a:stretch>
+            </p:blipFill>
+            <p:spPr>
+              <a:xfrm>
+                <a:off x="3840729" y="3039637"/>
+                <a:ext cx="548640" cy="548640"/>
+              </a:xfrm>
+              <a:prstGeom prst="rect">
+                <a:avLst/>
+              </a:prstGeom>
+            </p:spPr>
+          </p:pic>
+          <p:pic>
+            <p:nvPicPr>
+              <p:cNvPr id="10" name="Picture 9"/>
+              <p:cNvPicPr>
+                <a:picLocks noChangeAspect="1"/>
+              </p:cNvPicPr>
+              <p:nvPr/>
+            </p:nvPicPr>
+            <p:blipFill>
+              <a:blip r:embed="rId4">
+                <a:extLst>
+                  <a:ext uri="{28A0092B-C50C-407E-A947-70E740481C1C}">
+                    <a14:useLocalDpi xmlns:a14="http://schemas.microsoft.com/office/drawing/2010/main" val="0"/>
+                  </a:ext>
+                </a:extLst>
+              </a:blip>
+              <a:stretch>
+                <a:fillRect/>
+              </a:stretch>
+            </p:blipFill>
+            <p:spPr>
+              <a:xfrm>
+                <a:off x="3839489" y="4249641"/>
+                <a:ext cx="548640" cy="548640"/>
+              </a:xfrm>
+              <a:prstGeom prst="rect">
+                <a:avLst/>
+              </a:prstGeom>
+            </p:spPr>
+          </p:pic>
+          <p:pic>
+            <p:nvPicPr>
+              <p:cNvPr id="12" name="Picture 11"/>
+              <p:cNvPicPr>
+                <a:picLocks noChangeAspect="1"/>
+              </p:cNvPicPr>
+              <p:nvPr/>
+            </p:nvPicPr>
+            <p:blipFill>
+              <a:blip r:embed="rId5">
+                <a:extLst>
+                  <a:ext uri="{28A0092B-C50C-407E-A947-70E740481C1C}">
+                    <a14:useLocalDpi xmlns:a14="http://schemas.microsoft.com/office/drawing/2010/main" val="0"/>
+                  </a:ext>
+                </a:extLst>
+              </a:blip>
+              <a:stretch>
+                <a:fillRect/>
+              </a:stretch>
+            </p:blipFill>
+            <p:spPr>
+              <a:xfrm>
+                <a:off x="3840729" y="3646208"/>
+                <a:ext cx="548640" cy="548640"/>
+              </a:xfrm>
+              <a:prstGeom prst="rect">
+                <a:avLst/>
+              </a:prstGeom>
+            </p:spPr>
+          </p:pic>
+        </p:grpSp>
+        <p:pic>
+          <p:nvPicPr>
+            <p:cNvPr id="14" name="Picture 13"/>
+            <p:cNvPicPr>
+              <a:picLocks noChangeAspect="1"/>
+            </p:cNvPicPr>
+            <p:nvPr/>
+          </p:nvPicPr>
+          <p:blipFill>
+            <a:blip r:embed="rId6">
+              <a:extLst>
+                <a:ext uri="{28A0092B-C50C-407E-A947-70E740481C1C}">
+                  <a14:useLocalDpi xmlns:a14="http://schemas.microsoft.com/office/drawing/2010/main" val="0"/>
+                </a:ext>
+              </a:extLst>
+            </a:blip>
+            <a:stretch>
+              <a:fillRect/>
+            </a:stretch>
+          </p:blipFill>
+          <p:spPr>
+            <a:xfrm>
+              <a:off x="2193101" y="3646208"/>
+              <a:ext cx="548640" cy="548640"/>
+            </a:xfrm>
+            <a:prstGeom prst="rect">
+              <a:avLst/>
+            </a:prstGeom>
+          </p:spPr>
+        </p:pic>
+        <p:grpSp>
+          <p:nvGrpSpPr>
+            <p:cNvPr id="2" name="Group 1"/>
+            <p:cNvGrpSpPr/>
+            <p:nvPr/>
+          </p:nvGrpSpPr>
+          <p:grpSpPr>
+            <a:xfrm>
+              <a:off x="2863417" y="3026580"/>
+              <a:ext cx="556444" cy="1759622"/>
+              <a:chOff x="3016915" y="3038659"/>
+              <a:chExt cx="556444" cy="1759622"/>
+            </a:xfrm>
+          </p:grpSpPr>
+          <p:pic>
+            <p:nvPicPr>
+              <p:cNvPr id="5" name="Picture 4"/>
+              <p:cNvPicPr>
+                <a:picLocks noChangeAspect="1"/>
+              </p:cNvPicPr>
+              <p:nvPr/>
+            </p:nvPicPr>
+            <p:blipFill>
+              <a:blip r:embed="rId7">
+                <a:extLst>
+                  <a:ext uri="{28A0092B-C50C-407E-A947-70E740481C1C}">
+                    <a14:useLocalDpi xmlns:a14="http://schemas.microsoft.com/office/drawing/2010/main" val="0"/>
+                  </a:ext>
+                </a:extLst>
+              </a:blip>
+              <a:stretch>
+                <a:fillRect/>
+              </a:stretch>
+            </p:blipFill>
+            <p:spPr>
+              <a:xfrm>
+                <a:off x="3016915" y="3038659"/>
+                <a:ext cx="548640" cy="548640"/>
+              </a:xfrm>
+              <a:prstGeom prst="rect">
+                <a:avLst/>
+              </a:prstGeom>
+            </p:spPr>
+          </p:pic>
+          <p:pic>
+            <p:nvPicPr>
+              <p:cNvPr id="9" name="Picture 8"/>
+              <p:cNvPicPr>
+                <a:picLocks noChangeAspect="1"/>
+              </p:cNvPicPr>
+              <p:nvPr/>
+            </p:nvPicPr>
+            <p:blipFill>
+              <a:blip r:embed="rId8">
+                <a:extLst>
+                  <a:ext uri="{28A0092B-C50C-407E-A947-70E740481C1C}">
+                    <a14:useLocalDpi xmlns:a14="http://schemas.microsoft.com/office/drawing/2010/main" val="0"/>
+                  </a:ext>
+                </a:extLst>
+              </a:blip>
+              <a:stretch>
+                <a:fillRect/>
+              </a:stretch>
+            </p:blipFill>
+            <p:spPr>
+              <a:xfrm>
+                <a:off x="3024719" y="4249641"/>
+                <a:ext cx="548640" cy="548640"/>
+              </a:xfrm>
+              <a:prstGeom prst="rect">
+                <a:avLst/>
+              </a:prstGeom>
+            </p:spPr>
+          </p:pic>
+          <p:pic>
+            <p:nvPicPr>
+              <p:cNvPr id="15" name="Picture 14"/>
+              <p:cNvPicPr>
+                <a:picLocks noChangeAspect="1"/>
+              </p:cNvPicPr>
+              <p:nvPr/>
+            </p:nvPicPr>
+            <p:blipFill>
+              <a:blip r:embed="rId9">
+                <a:extLst>
+                  <a:ext uri="{28A0092B-C50C-407E-A947-70E740481C1C}">
+                    <a14:useLocalDpi xmlns:a14="http://schemas.microsoft.com/office/drawing/2010/main" val="0"/>
+                  </a:ext>
+                </a:extLst>
+              </a:blip>
+              <a:stretch>
+                <a:fillRect/>
+              </a:stretch>
+            </p:blipFill>
+            <p:spPr>
+              <a:xfrm>
+                <a:off x="3024719" y="3655465"/>
+                <a:ext cx="548640" cy="548640"/>
+              </a:xfrm>
+              <a:prstGeom prst="rect">
+                <a:avLst/>
+              </a:prstGeom>
+            </p:spPr>
+          </p:pic>
+        </p:grpSp>
+        <p:grpSp>
+          <p:nvGrpSpPr>
+            <p:cNvPr id="11" name="Group 10"/>
+            <p:cNvGrpSpPr/>
+            <p:nvPr/>
+          </p:nvGrpSpPr>
+          <p:grpSpPr>
+            <a:xfrm>
+              <a:off x="2193101" y="2441135"/>
+              <a:ext cx="548640" cy="2348893"/>
+              <a:chOff x="2193101" y="2441135"/>
+              <a:chExt cx="548640" cy="2348893"/>
+            </a:xfrm>
+          </p:grpSpPr>
+          <p:pic>
+            <p:nvPicPr>
+              <p:cNvPr id="4" name="Picture 3"/>
+              <p:cNvPicPr>
+                <a:picLocks noChangeAspect="1"/>
+              </p:cNvPicPr>
+              <p:nvPr/>
+            </p:nvPicPr>
+            <p:blipFill>
+              <a:blip r:embed="rId6">
+                <a:extLst>
+                  <a:ext uri="{28A0092B-C50C-407E-A947-70E740481C1C}">
+                    <a14:useLocalDpi xmlns:a14="http://schemas.microsoft.com/office/drawing/2010/main" val="0"/>
+                  </a:ext>
+                </a:extLst>
+              </a:blip>
+              <a:stretch>
+                <a:fillRect/>
+              </a:stretch>
+            </p:blipFill>
+            <p:spPr>
+              <a:xfrm>
+                <a:off x="2193101" y="2441135"/>
+                <a:ext cx="548640" cy="548640"/>
+              </a:xfrm>
+              <a:prstGeom prst="rect">
+                <a:avLst/>
+              </a:prstGeom>
+            </p:spPr>
+          </p:pic>
+          <p:pic>
+            <p:nvPicPr>
+              <p:cNvPr id="13" name="Picture 12"/>
+              <p:cNvPicPr>
+                <a:picLocks noChangeAspect="1"/>
+              </p:cNvPicPr>
+              <p:nvPr/>
+            </p:nvPicPr>
+            <p:blipFill>
+              <a:blip r:embed="rId6">
+                <a:extLst>
+                  <a:ext uri="{28A0092B-C50C-407E-A947-70E740481C1C}">
+                    <a14:useLocalDpi xmlns:a14="http://schemas.microsoft.com/office/drawing/2010/main" val="0"/>
+                  </a:ext>
+                </a:extLst>
+              </a:blip>
+              <a:stretch>
+                <a:fillRect/>
+              </a:stretch>
+            </p:blipFill>
+            <p:spPr>
+              <a:xfrm>
+                <a:off x="2193101" y="3039637"/>
+                <a:ext cx="548640" cy="548640"/>
+              </a:xfrm>
+              <a:prstGeom prst="rect">
+                <a:avLst/>
+              </a:prstGeom>
+            </p:spPr>
+          </p:pic>
+          <p:pic>
+            <p:nvPicPr>
+              <p:cNvPr id="16" name="Picture 15"/>
+              <p:cNvPicPr>
+                <a:picLocks noChangeAspect="1"/>
+              </p:cNvPicPr>
+              <p:nvPr/>
+            </p:nvPicPr>
+            <p:blipFill>
+              <a:blip r:embed="rId6">
+                <a:extLst>
+                  <a:ext uri="{28A0092B-C50C-407E-A947-70E740481C1C}">
+                    <a14:useLocalDpi xmlns:a14="http://schemas.microsoft.com/office/drawing/2010/main" val="0"/>
+                  </a:ext>
+                </a:extLst>
+              </a:blip>
+              <a:stretch>
+                <a:fillRect/>
+              </a:stretch>
+            </p:blipFill>
+            <p:spPr>
+              <a:xfrm>
+                <a:off x="2193101" y="4241388"/>
+                <a:ext cx="548640" cy="548640"/>
+              </a:xfrm>
+              <a:prstGeom prst="rect">
+                <a:avLst/>
+              </a:prstGeom>
+            </p:spPr>
+          </p:pic>
+        </p:grpSp>
+        <p:sp>
+          <p:nvSpPr>
+            <p:cNvPr id="17" name="TextBox 16"/>
+            <p:cNvSpPr txBox="1"/>
+            <p:nvPr/>
+          </p:nvSpPr>
+          <p:spPr>
+            <a:xfrm>
+              <a:off x="2144315" y="2015609"/>
+              <a:ext cx="2487980" cy="369332"/>
+            </a:xfrm>
+            <a:prstGeom prst="rect">
+              <a:avLst/>
+            </a:prstGeom>
+            <a:noFill/>
+          </p:spPr>
+          <p:txBody>
+            <a:bodyPr wrap="square" rtlCol="0">
+              <a:spAutoFit/>
+            </a:bodyPr>
+            <a:lstStyle/>
+            <a:p>
+              <a:r>
+                <a:rPr lang="en-US" dirty="0" smtClean="0">
+                  <a:latin typeface="Arial" charset="0"/>
+                  <a:ea typeface="Arial" charset="0"/>
+                  <a:cs typeface="Arial" charset="0"/>
+                </a:rPr>
+                <a:t>Learning Exemplars</a:t>
+              </a:r>
+              <a:endParaRPr lang="en-US" dirty="0">
+                <a:latin typeface="Arial" charset="0"/>
+                <a:ea typeface="Arial" charset="0"/>
+                <a:cs typeface="Arial" charset="0"/>
+              </a:endParaRPr>
+            </a:p>
+          </p:txBody>
+        </p:sp>
+        <p:sp>
+          <p:nvSpPr>
+            <p:cNvPr id="18" name="TextBox 17"/>
+            <p:cNvSpPr txBox="1"/>
+            <p:nvPr/>
+          </p:nvSpPr>
+          <p:spPr>
+            <a:xfrm>
+              <a:off x="658996" y="2667986"/>
+              <a:ext cx="572593" cy="338554"/>
+            </a:xfrm>
+            <a:prstGeom prst="rect">
+              <a:avLst/>
+            </a:prstGeom>
+            <a:noFill/>
+          </p:spPr>
+          <p:txBody>
+            <a:bodyPr wrap="none" rtlCol="0">
+              <a:spAutoFit/>
+            </a:bodyPr>
+            <a:lstStyle/>
+            <a:p>
+              <a:r>
+                <a:rPr lang="en-US" sz="1600" dirty="0">
+                  <a:latin typeface="Arial" charset="0"/>
+                  <a:ea typeface="Arial" charset="0"/>
+                  <a:cs typeface="Arial" charset="0"/>
+                </a:rPr>
+                <a:t>O</a:t>
+              </a:r>
+              <a:r>
+                <a:rPr lang="en-US" sz="1600" dirty="0" smtClean="0">
+                  <a:latin typeface="Arial" charset="0"/>
+                  <a:ea typeface="Arial" charset="0"/>
+                  <a:cs typeface="Arial" charset="0"/>
+                </a:rPr>
+                <a:t>ne</a:t>
+              </a:r>
+              <a:endParaRPr lang="en-US" sz="1600" dirty="0">
+                <a:latin typeface="Arial" charset="0"/>
+                <a:ea typeface="Arial" charset="0"/>
+                <a:cs typeface="Arial" charset="0"/>
+              </a:endParaRPr>
+            </a:p>
+          </p:txBody>
+        </p:sp>
+        <p:sp>
+          <p:nvSpPr>
+            <p:cNvPr id="19" name="TextBox 18"/>
+            <p:cNvSpPr txBox="1"/>
+            <p:nvPr/>
+          </p:nvSpPr>
+          <p:spPr>
+            <a:xfrm>
+              <a:off x="647498" y="3258408"/>
+              <a:ext cx="1289135" cy="338554"/>
+            </a:xfrm>
+            <a:prstGeom prst="rect">
+              <a:avLst/>
+            </a:prstGeom>
+            <a:noFill/>
+          </p:spPr>
+          <p:txBody>
+            <a:bodyPr wrap="none" rtlCol="0">
+              <a:spAutoFit/>
+            </a:bodyPr>
+            <a:lstStyle/>
+            <a:p>
+              <a:r>
+                <a:rPr lang="en-US" sz="1600" dirty="0">
+                  <a:latin typeface="Arial" charset="0"/>
+                  <a:ea typeface="Arial" charset="0"/>
+                  <a:cs typeface="Arial" charset="0"/>
+                </a:rPr>
+                <a:t>S</a:t>
+              </a:r>
+              <a:r>
+                <a:rPr lang="en-US" sz="1600" dirty="0" smtClean="0">
+                  <a:latin typeface="Arial" charset="0"/>
+                  <a:ea typeface="Arial" charset="0"/>
+                  <a:cs typeface="Arial" charset="0"/>
+                </a:rPr>
+                <a:t>ubordinate</a:t>
+              </a:r>
+              <a:endParaRPr lang="en-US" sz="1600" dirty="0">
+                <a:latin typeface="Arial" charset="0"/>
+                <a:ea typeface="Arial" charset="0"/>
+                <a:cs typeface="Arial" charset="0"/>
+              </a:endParaRPr>
+            </a:p>
+          </p:txBody>
+        </p:sp>
+        <p:sp>
+          <p:nvSpPr>
+            <p:cNvPr id="20" name="TextBox 19"/>
+            <p:cNvSpPr txBox="1"/>
+            <p:nvPr/>
+          </p:nvSpPr>
+          <p:spPr>
+            <a:xfrm>
+              <a:off x="661377" y="3882626"/>
+              <a:ext cx="684803" cy="338554"/>
+            </a:xfrm>
+            <a:prstGeom prst="rect">
+              <a:avLst/>
+            </a:prstGeom>
+            <a:noFill/>
+          </p:spPr>
+          <p:txBody>
+            <a:bodyPr wrap="none" rtlCol="0">
+              <a:spAutoFit/>
+            </a:bodyPr>
+            <a:lstStyle/>
+            <a:p>
+              <a:r>
+                <a:rPr lang="en-US" sz="1600" dirty="0" smtClean="0">
+                  <a:latin typeface="Arial" charset="0"/>
+                  <a:ea typeface="Arial" charset="0"/>
+                  <a:cs typeface="Arial" charset="0"/>
+                </a:rPr>
+                <a:t>B</a:t>
+              </a:r>
+              <a:r>
+                <a:rPr lang="en-US" sz="1600" dirty="0" smtClean="0">
+                  <a:latin typeface="Arial" charset="0"/>
+                  <a:ea typeface="Arial" charset="0"/>
+                  <a:cs typeface="Arial" charset="0"/>
+                </a:rPr>
+                <a:t>asic</a:t>
+              </a:r>
+              <a:endParaRPr lang="en-US" sz="1600" dirty="0">
+                <a:latin typeface="Arial" charset="0"/>
+                <a:ea typeface="Arial" charset="0"/>
+                <a:cs typeface="Arial" charset="0"/>
+              </a:endParaRPr>
+            </a:p>
+          </p:txBody>
+        </p:sp>
+        <p:sp>
+          <p:nvSpPr>
+            <p:cNvPr id="21" name="TextBox 20"/>
+            <p:cNvSpPr txBox="1"/>
+            <p:nvPr/>
+          </p:nvSpPr>
+          <p:spPr>
+            <a:xfrm>
+              <a:off x="658996" y="4473048"/>
+              <a:ext cx="1471878" cy="338554"/>
+            </a:xfrm>
+            <a:prstGeom prst="rect">
+              <a:avLst/>
+            </a:prstGeom>
+            <a:noFill/>
+          </p:spPr>
+          <p:txBody>
+            <a:bodyPr wrap="none" rtlCol="0">
+              <a:spAutoFit/>
+            </a:bodyPr>
+            <a:lstStyle/>
+            <a:p>
+              <a:r>
+                <a:rPr lang="en-US" sz="1600" dirty="0">
+                  <a:latin typeface="Arial" charset="0"/>
+                  <a:ea typeface="Arial" charset="0"/>
+                  <a:cs typeface="Arial" charset="0"/>
+                </a:rPr>
+                <a:t>S</a:t>
+              </a:r>
+              <a:r>
+                <a:rPr lang="en-US" sz="1600" dirty="0" smtClean="0">
+                  <a:latin typeface="Arial" charset="0"/>
+                  <a:ea typeface="Arial" charset="0"/>
+                  <a:cs typeface="Arial" charset="0"/>
+                </a:rPr>
+                <a:t>uperordinate</a:t>
+              </a:r>
+              <a:endParaRPr lang="en-US" sz="1600" dirty="0">
+                <a:latin typeface="Arial" charset="0"/>
+                <a:ea typeface="Arial" charset="0"/>
+                <a:cs typeface="Arial" charset="0"/>
+              </a:endParaRPr>
+            </a:p>
+          </p:txBody>
+        </p:sp>
+        <p:sp>
+          <p:nvSpPr>
+            <p:cNvPr id="22" name="TextBox 21"/>
+            <p:cNvSpPr txBox="1"/>
+            <p:nvPr/>
+          </p:nvSpPr>
+          <p:spPr>
+            <a:xfrm>
+              <a:off x="4766882" y="2015609"/>
+              <a:ext cx="2826415" cy="369332"/>
+            </a:xfrm>
+            <a:prstGeom prst="rect">
+              <a:avLst/>
+            </a:prstGeom>
+            <a:noFill/>
+          </p:spPr>
+          <p:txBody>
+            <a:bodyPr wrap="none" rtlCol="0">
+              <a:spAutoFit/>
+            </a:bodyPr>
+            <a:lstStyle/>
+            <a:p>
+              <a:r>
+                <a:rPr lang="en-US" smtClean="0">
+                  <a:latin typeface="Arial" charset="0"/>
+                  <a:ea typeface="Arial" charset="0"/>
+                  <a:cs typeface="Arial" charset="0"/>
+                </a:rPr>
+                <a:t>Generalization Exemplars</a:t>
+              </a:r>
+              <a:endParaRPr lang="en-US" dirty="0">
+                <a:latin typeface="Arial" charset="0"/>
+                <a:ea typeface="Arial" charset="0"/>
+                <a:cs typeface="Arial" charset="0"/>
+              </a:endParaRPr>
+            </a:p>
+          </p:txBody>
+        </p:sp>
+        <p:grpSp>
+          <p:nvGrpSpPr>
+            <p:cNvPr id="8" name="Group 7"/>
+            <p:cNvGrpSpPr/>
+            <p:nvPr/>
+          </p:nvGrpSpPr>
+          <p:grpSpPr>
+            <a:xfrm>
+              <a:off x="5436363" y="3027803"/>
+              <a:ext cx="548640" cy="1771680"/>
+              <a:chOff x="5895124" y="3039922"/>
+              <a:chExt cx="548640" cy="1771680"/>
+            </a:xfrm>
+          </p:grpSpPr>
+          <p:pic>
+            <p:nvPicPr>
+              <p:cNvPr id="26" name="Picture 25"/>
+              <p:cNvPicPr>
+                <a:picLocks noChangeAspect="1"/>
+              </p:cNvPicPr>
+              <p:nvPr/>
+            </p:nvPicPr>
+            <p:blipFill>
+              <a:blip r:embed="rId10">
+                <a:extLst>
+                  <a:ext uri="{28A0092B-C50C-407E-A947-70E740481C1C}">
+                    <a14:useLocalDpi xmlns:a14="http://schemas.microsoft.com/office/drawing/2010/main" val="0"/>
+                  </a:ext>
+                </a:extLst>
+              </a:blip>
+              <a:stretch>
+                <a:fillRect/>
+              </a:stretch>
+            </p:blipFill>
+            <p:spPr>
+              <a:xfrm>
+                <a:off x="5895124" y="3039922"/>
+                <a:ext cx="548640" cy="548640"/>
+              </a:xfrm>
+              <a:prstGeom prst="rect">
+                <a:avLst/>
+              </a:prstGeom>
+            </p:spPr>
+          </p:pic>
+          <p:pic>
+            <p:nvPicPr>
+              <p:cNvPr id="27" name="Picture 26"/>
+              <p:cNvPicPr>
+                <a:picLocks noChangeAspect="1"/>
+              </p:cNvPicPr>
+              <p:nvPr/>
+            </p:nvPicPr>
+            <p:blipFill>
+              <a:blip r:embed="rId11">
+                <a:extLst>
+                  <a:ext uri="{28A0092B-C50C-407E-A947-70E740481C1C}">
+                    <a14:useLocalDpi xmlns:a14="http://schemas.microsoft.com/office/drawing/2010/main" val="0"/>
+                  </a:ext>
+                </a:extLst>
+              </a:blip>
+              <a:stretch>
+                <a:fillRect/>
+              </a:stretch>
+            </p:blipFill>
+            <p:spPr>
+              <a:xfrm>
+                <a:off x="5895124" y="3648200"/>
+                <a:ext cx="548640" cy="548640"/>
+              </a:xfrm>
+              <a:prstGeom prst="rect">
+                <a:avLst/>
+              </a:prstGeom>
+            </p:spPr>
+          </p:pic>
+          <p:pic>
+            <p:nvPicPr>
+              <p:cNvPr id="29" name="Picture 28"/>
+              <p:cNvPicPr>
+                <a:picLocks noChangeAspect="1"/>
+              </p:cNvPicPr>
+              <p:nvPr/>
+            </p:nvPicPr>
+            <p:blipFill>
+              <a:blip r:embed="rId12">
+                <a:extLst>
+                  <a:ext uri="{28A0092B-C50C-407E-A947-70E740481C1C}">
+                    <a14:useLocalDpi xmlns:a14="http://schemas.microsoft.com/office/drawing/2010/main" val="0"/>
+                  </a:ext>
+                </a:extLst>
+              </a:blip>
+              <a:stretch>
+                <a:fillRect/>
+              </a:stretch>
+            </p:blipFill>
+            <p:spPr>
+              <a:xfrm>
+                <a:off x="5895124" y="4262962"/>
+                <a:ext cx="548640" cy="548640"/>
+              </a:xfrm>
+              <a:prstGeom prst="rect">
+                <a:avLst/>
+              </a:prstGeom>
+            </p:spPr>
+          </p:pic>
+        </p:grpSp>
+        <p:grpSp>
+          <p:nvGrpSpPr>
+            <p:cNvPr id="7" name="Group 6"/>
+            <p:cNvGrpSpPr/>
+            <p:nvPr/>
+          </p:nvGrpSpPr>
+          <p:grpSpPr>
+            <a:xfrm>
+              <a:off x="4759274" y="3051980"/>
+              <a:ext cx="556248" cy="1764529"/>
+              <a:chOff x="5056266" y="3037948"/>
+              <a:chExt cx="556248" cy="1764529"/>
+            </a:xfrm>
+          </p:grpSpPr>
+          <p:pic>
+            <p:nvPicPr>
+              <p:cNvPr id="25" name="Picture 24"/>
+              <p:cNvPicPr>
+                <a:picLocks noChangeAspect="1"/>
+              </p:cNvPicPr>
+              <p:nvPr/>
+            </p:nvPicPr>
+            <p:blipFill>
+              <a:blip r:embed="rId13">
+                <a:extLst>
+                  <a:ext uri="{28A0092B-C50C-407E-A947-70E740481C1C}">
+                    <a14:useLocalDpi xmlns:a14="http://schemas.microsoft.com/office/drawing/2010/main" val="0"/>
+                  </a:ext>
+                </a:extLst>
+              </a:blip>
+              <a:stretch>
+                <a:fillRect/>
+              </a:stretch>
+            </p:blipFill>
+            <p:spPr>
+              <a:xfrm>
+                <a:off x="5063874" y="3037948"/>
+                <a:ext cx="548640" cy="548640"/>
+              </a:xfrm>
+              <a:prstGeom prst="rect">
+                <a:avLst/>
+              </a:prstGeom>
+            </p:spPr>
+          </p:pic>
+          <p:pic>
+            <p:nvPicPr>
+              <p:cNvPr id="28" name="Picture 27"/>
+              <p:cNvPicPr>
+                <a:picLocks noChangeAspect="1"/>
+              </p:cNvPicPr>
+              <p:nvPr/>
+            </p:nvPicPr>
+            <p:blipFill>
+              <a:blip r:embed="rId14">
+                <a:extLst>
+                  <a:ext uri="{28A0092B-C50C-407E-A947-70E740481C1C}">
+                    <a14:useLocalDpi xmlns:a14="http://schemas.microsoft.com/office/drawing/2010/main" val="0"/>
+                  </a:ext>
+                </a:extLst>
+              </a:blip>
+              <a:stretch>
+                <a:fillRect/>
+              </a:stretch>
+            </p:blipFill>
+            <p:spPr>
+              <a:xfrm>
+                <a:off x="5057553" y="3655940"/>
+                <a:ext cx="548640" cy="548640"/>
+              </a:xfrm>
+              <a:prstGeom prst="rect">
+                <a:avLst/>
+              </a:prstGeom>
+            </p:spPr>
+          </p:pic>
+          <p:pic>
+            <p:nvPicPr>
+              <p:cNvPr id="30" name="Picture 29"/>
+              <p:cNvPicPr>
+                <a:picLocks noChangeAspect="1"/>
+              </p:cNvPicPr>
+              <p:nvPr/>
+            </p:nvPicPr>
+            <p:blipFill>
+              <a:blip r:embed="rId15">
+                <a:extLst>
+                  <a:ext uri="{28A0092B-C50C-407E-A947-70E740481C1C}">
+                    <a14:useLocalDpi xmlns:a14="http://schemas.microsoft.com/office/drawing/2010/main" val="0"/>
+                  </a:ext>
+                </a:extLst>
+              </a:blip>
+              <a:stretch>
+                <a:fillRect/>
+              </a:stretch>
+            </p:blipFill>
+            <p:spPr>
+              <a:xfrm>
+                <a:off x="5056266" y="4253837"/>
+                <a:ext cx="548640" cy="548640"/>
+              </a:xfrm>
+              <a:prstGeom prst="rect">
+                <a:avLst/>
+              </a:prstGeom>
+            </p:spPr>
+          </p:pic>
+        </p:grpSp>
+        <p:pic>
+          <p:nvPicPr>
+            <p:cNvPr id="31" name="Picture 30"/>
+            <p:cNvPicPr>
+              <a:picLocks noChangeAspect="1"/>
+            </p:cNvPicPr>
+            <p:nvPr/>
+          </p:nvPicPr>
+          <p:blipFill>
+            <a:blip r:embed="rId16">
+              <a:extLst>
+                <a:ext uri="{28A0092B-C50C-407E-A947-70E740481C1C}">
+                  <a14:useLocalDpi xmlns:a14="http://schemas.microsoft.com/office/drawing/2010/main" val="0"/>
+                </a:ext>
+              </a:extLst>
+            </a:blip>
+            <a:stretch>
+              <a:fillRect/>
+            </a:stretch>
+          </p:blipFill>
+          <p:spPr>
+            <a:xfrm>
+              <a:off x="6075352" y="4262962"/>
+              <a:ext cx="548640" cy="548640"/>
+            </a:xfrm>
+            <a:prstGeom prst="rect">
+              <a:avLst/>
+            </a:prstGeom>
+          </p:spPr>
+        </p:pic>
+        <p:pic>
+          <p:nvPicPr>
+            <p:cNvPr id="32" name="Picture 31"/>
+            <p:cNvPicPr>
+              <a:picLocks noChangeAspect="1"/>
+            </p:cNvPicPr>
+            <p:nvPr/>
+          </p:nvPicPr>
+          <p:blipFill>
+            <a:blip r:embed="rId17">
+              <a:extLst>
+                <a:ext uri="{28A0092B-C50C-407E-A947-70E740481C1C}">
+                  <a14:useLocalDpi xmlns:a14="http://schemas.microsoft.com/office/drawing/2010/main" val="0"/>
+                </a:ext>
+              </a:extLst>
+            </a:blip>
+            <a:stretch>
+              <a:fillRect/>
+            </a:stretch>
+          </p:blipFill>
+          <p:spPr>
+            <a:xfrm>
+              <a:off x="6790541" y="4237562"/>
+              <a:ext cx="574040" cy="574040"/>
+            </a:xfrm>
+            <a:prstGeom prst="rect">
+              <a:avLst/>
+            </a:prstGeom>
+          </p:spPr>
+        </p:pic>
+      </p:grpSp>
+    </p:spTree>
+    <p:extLst>
+      <p:ext uri="{BB962C8B-B14F-4D97-AF65-F5344CB8AC3E}">
+        <p14:creationId xmlns:p14="http://schemas.microsoft.com/office/powerpoint/2010/main" val="1038482673"/>
+      </p:ext>
+    </p:extLst>
+  </p:cSld>
+  <p:clrMapOvr>
+    <a:masterClrMapping/>
+  </p:clrMapOvr>
+  <p:timing>
+    <p:tnLst>
+      <p:par>
+        <p:cTn id="1" dur="indefinite" restart="never" nodeType="tmRoot"/>
+      </p:par>
+    </p:tnLst>
+  </p:timing>
+</p:sld>
+</file>
+
+<file path=ppt/slides/slide3.xml><?xml version="1.0" encoding="utf-8"?>
+<p:sld xmlns:a="http://schemas.openxmlformats.org/drawingml/2006/main" xmlns:r="http://schemas.openxmlformats.org/officeDocument/2006/relationships" xmlns:p="http://schemas.openxmlformats.org/presentationml/2006/main">
+  <p:cSld>
+    <p:spTree>
+      <p:nvGrpSpPr>
+        <p:cNvPr id="1" name=""/>
+        <p:cNvGrpSpPr/>
+        <p:nvPr/>
+      </p:nvGrpSpPr>
+      <p:grpSpPr>
+        <a:xfrm>
+          <a:off x="0" y="0"/>
+          <a:ext cx="0" cy="0"/>
+          <a:chOff x="0" y="0"/>
+          <a:chExt cx="0" cy="0"/>
+        </a:xfrm>
+      </p:grpSpPr>
+      <p:grpSp>
+        <p:nvGrpSpPr>
+          <p:cNvPr id="3" name="Group 2"/>
+          <p:cNvGrpSpPr/>
+          <p:nvPr/>
+        </p:nvGrpSpPr>
+        <p:grpSpPr>
+          <a:xfrm>
+            <a:off x="3533733" y="3015439"/>
+            <a:ext cx="549880" cy="1758644"/>
+            <a:chOff x="3839489" y="3039637"/>
+            <a:chExt cx="549880" cy="1758644"/>
+          </a:xfrm>
+        </p:grpSpPr>
+        <p:pic>
+          <p:nvPicPr>
+            <p:cNvPr id="6" name="Picture 5"/>
+            <p:cNvPicPr>
+              <a:picLocks noChangeAspect="1"/>
+            </p:cNvPicPr>
+            <p:nvPr/>
+          </p:nvPicPr>
+          <p:blipFill>
+            <a:blip r:embed="rId3">
+              <a:extLst>
+                <a:ext uri="{28A0092B-C50C-407E-A947-70E740481C1C}">
+                  <a14:useLocalDpi xmlns:a14="http://schemas.microsoft.com/office/drawing/2010/main" val="0"/>
+                </a:ext>
+              </a:extLst>
+            </a:blip>
+            <a:stretch>
+              <a:fillRect/>
+            </a:stretch>
+          </p:blipFill>
+          <p:spPr>
+            <a:xfrm>
+              <a:off x="3840729" y="3039637"/>
+              <a:ext cx="548640" cy="548640"/>
+            </a:xfrm>
+            <a:prstGeom prst="rect">
+              <a:avLst/>
+            </a:prstGeom>
+          </p:spPr>
+        </p:pic>
+        <p:pic>
+          <p:nvPicPr>
+            <p:cNvPr id="10" name="Picture 9"/>
+            <p:cNvPicPr>
+              <a:picLocks noChangeAspect="1"/>
+            </p:cNvPicPr>
+            <p:nvPr/>
+          </p:nvPicPr>
+          <p:blipFill>
+            <a:blip r:embed="rId4">
+              <a:extLst>
+                <a:ext uri="{28A0092B-C50C-407E-A947-70E740481C1C}">
+                  <a14:useLocalDpi xmlns:a14="http://schemas.microsoft.com/office/drawing/2010/main" val="0"/>
+                </a:ext>
+              </a:extLst>
+            </a:blip>
+            <a:stretch>
+              <a:fillRect/>
+            </a:stretch>
+          </p:blipFill>
+          <p:spPr>
+            <a:xfrm>
+              <a:off x="3839489" y="4249641"/>
+              <a:ext cx="548640" cy="548640"/>
+            </a:xfrm>
+            <a:prstGeom prst="rect">
+              <a:avLst/>
+            </a:prstGeom>
+          </p:spPr>
+        </p:pic>
+        <p:pic>
+          <p:nvPicPr>
+            <p:cNvPr id="12" name="Picture 11"/>
+            <p:cNvPicPr>
+              <a:picLocks noChangeAspect="1"/>
+            </p:cNvPicPr>
+            <p:nvPr/>
+          </p:nvPicPr>
+          <p:blipFill>
+            <a:blip r:embed="rId5">
+              <a:extLst>
+                <a:ext uri="{28A0092B-C50C-407E-A947-70E740481C1C}">
+                  <a14:useLocalDpi xmlns:a14="http://schemas.microsoft.com/office/drawing/2010/main" val="0"/>
+                </a:ext>
+              </a:extLst>
+            </a:blip>
+            <a:stretch>
+              <a:fillRect/>
+            </a:stretch>
+          </p:blipFill>
+          <p:spPr>
+            <a:xfrm>
+              <a:off x="3840729" y="3646208"/>
+              <a:ext cx="548640" cy="548640"/>
+            </a:xfrm>
+            <a:prstGeom prst="rect">
+              <a:avLst/>
+            </a:prstGeom>
+          </p:spPr>
+        </p:pic>
+      </p:grpSp>
+      <p:pic>
+        <p:nvPicPr>
+          <p:cNvPr id="14" name="Picture 13"/>
+          <p:cNvPicPr>
+            <a:picLocks noChangeAspect="1"/>
+          </p:cNvPicPr>
+          <p:nvPr/>
+        </p:nvPicPr>
+        <p:blipFill>
+          <a:blip r:embed="rId6">
+            <a:extLst>
+              <a:ext uri="{28A0092B-C50C-407E-A947-70E740481C1C}">
+                <a14:useLocalDpi xmlns:a14="http://schemas.microsoft.com/office/drawing/2010/main" val="0"/>
+              </a:ext>
+            </a:extLst>
+          </a:blip>
+          <a:stretch>
+            <a:fillRect/>
+          </a:stretch>
+        </p:blipFill>
+        <p:spPr>
+          <a:xfrm>
+            <a:off x="2193101" y="3646208"/>
+            <a:ext cx="548640" cy="548640"/>
+          </a:xfrm>
+          <a:prstGeom prst="rect">
+            <a:avLst/>
+          </a:prstGeom>
+        </p:spPr>
+      </p:pic>
+      <p:grpSp>
+        <p:nvGrpSpPr>
+          <p:cNvPr id="2" name="Group 1"/>
+          <p:cNvGrpSpPr/>
+          <p:nvPr/>
+        </p:nvGrpSpPr>
+        <p:grpSpPr>
+          <a:xfrm>
+            <a:off x="2863417" y="3026580"/>
+            <a:ext cx="556444" cy="1759622"/>
+            <a:chOff x="3016915" y="3038659"/>
+            <a:chExt cx="556444" cy="1759622"/>
+          </a:xfrm>
+        </p:grpSpPr>
+        <p:pic>
+          <p:nvPicPr>
+            <p:cNvPr id="5" name="Picture 4"/>
+            <p:cNvPicPr>
+              <a:picLocks noChangeAspect="1"/>
+            </p:cNvPicPr>
+            <p:nvPr/>
+          </p:nvPicPr>
+          <p:blipFill>
+            <a:blip r:embed="rId7">
+              <a:extLst>
+                <a:ext uri="{28A0092B-C50C-407E-A947-70E740481C1C}">
+                  <a14:useLocalDpi xmlns:a14="http://schemas.microsoft.com/office/drawing/2010/main" val="0"/>
+                </a:ext>
+              </a:extLst>
+            </a:blip>
+            <a:stretch>
+              <a:fillRect/>
+            </a:stretch>
+          </p:blipFill>
+          <p:spPr>
+            <a:xfrm>
+              <a:off x="3016915" y="3038659"/>
+              <a:ext cx="548640" cy="548640"/>
+            </a:xfrm>
+            <a:prstGeom prst="rect">
+              <a:avLst/>
+            </a:prstGeom>
+          </p:spPr>
+        </p:pic>
+        <p:pic>
+          <p:nvPicPr>
+            <p:cNvPr id="9" name="Picture 8"/>
+            <p:cNvPicPr>
+              <a:picLocks noChangeAspect="1"/>
+            </p:cNvPicPr>
+            <p:nvPr/>
+          </p:nvPicPr>
+          <p:blipFill>
+            <a:blip r:embed="rId8">
+              <a:extLst>
+                <a:ext uri="{28A0092B-C50C-407E-A947-70E740481C1C}">
+                  <a14:useLocalDpi xmlns:a14="http://schemas.microsoft.com/office/drawing/2010/main" val="0"/>
+                </a:ext>
+              </a:extLst>
+            </a:blip>
+            <a:stretch>
+              <a:fillRect/>
+            </a:stretch>
+          </p:blipFill>
+          <p:spPr>
+            <a:xfrm>
+              <a:off x="3024719" y="4249641"/>
+              <a:ext cx="548640" cy="548640"/>
+            </a:xfrm>
+            <a:prstGeom prst="rect">
+              <a:avLst/>
+            </a:prstGeom>
+          </p:spPr>
+        </p:pic>
+        <p:pic>
+          <p:nvPicPr>
+            <p:cNvPr id="15" name="Picture 14"/>
+            <p:cNvPicPr>
+              <a:picLocks noChangeAspect="1"/>
+            </p:cNvPicPr>
+            <p:nvPr/>
+          </p:nvPicPr>
+          <p:blipFill>
+            <a:blip r:embed="rId9">
+              <a:extLst>
+                <a:ext uri="{28A0092B-C50C-407E-A947-70E740481C1C}">
+                  <a14:useLocalDpi xmlns:a14="http://schemas.microsoft.com/office/drawing/2010/main" val="0"/>
+                </a:ext>
+              </a:extLst>
+            </a:blip>
+            <a:stretch>
+              <a:fillRect/>
+            </a:stretch>
+          </p:blipFill>
+          <p:spPr>
+            <a:xfrm>
+              <a:off x="3024719" y="3655465"/>
+              <a:ext cx="548640" cy="548640"/>
+            </a:xfrm>
+            <a:prstGeom prst="rect">
+              <a:avLst/>
+            </a:prstGeom>
+          </p:spPr>
+        </p:pic>
+      </p:grpSp>
+      <p:grpSp>
+        <p:nvGrpSpPr>
+          <p:cNvPr id="11" name="Group 10"/>
+          <p:cNvGrpSpPr/>
+          <p:nvPr/>
+        </p:nvGrpSpPr>
+        <p:grpSpPr>
+          <a:xfrm>
+            <a:off x="2193101" y="2441135"/>
+            <a:ext cx="548640" cy="2348893"/>
+            <a:chOff x="2193101" y="2441135"/>
+            <a:chExt cx="548640" cy="2348893"/>
+          </a:xfrm>
+        </p:grpSpPr>
+        <p:pic>
+          <p:nvPicPr>
+            <p:cNvPr id="4" name="Picture 3"/>
+            <p:cNvPicPr>
+              <a:picLocks noChangeAspect="1"/>
+            </p:cNvPicPr>
+            <p:nvPr/>
+          </p:nvPicPr>
+          <p:blipFill>
+            <a:blip r:embed="rId6">
+              <a:extLst>
+                <a:ext uri="{28A0092B-C50C-407E-A947-70E740481C1C}">
+                  <a14:useLocalDpi xmlns:a14="http://schemas.microsoft.com/office/drawing/2010/main" val="0"/>
+                </a:ext>
+              </a:extLst>
+            </a:blip>
+            <a:stretch>
+              <a:fillRect/>
+            </a:stretch>
+          </p:blipFill>
+          <p:spPr>
+            <a:xfrm>
+              <a:off x="2193101" y="2441135"/>
+              <a:ext cx="548640" cy="548640"/>
+            </a:xfrm>
+            <a:prstGeom prst="rect">
+              <a:avLst/>
+            </a:prstGeom>
+          </p:spPr>
+        </p:pic>
+        <p:pic>
+          <p:nvPicPr>
+            <p:cNvPr id="13" name="Picture 12"/>
+            <p:cNvPicPr>
+              <a:picLocks noChangeAspect="1"/>
+            </p:cNvPicPr>
+            <p:nvPr/>
+          </p:nvPicPr>
+          <p:blipFill>
+            <a:blip r:embed="rId6">
+              <a:extLst>
+                <a:ext uri="{28A0092B-C50C-407E-A947-70E740481C1C}">
+                  <a14:useLocalDpi xmlns:a14="http://schemas.microsoft.com/office/drawing/2010/main" val="0"/>
+                </a:ext>
+              </a:extLst>
+            </a:blip>
+            <a:stretch>
+              <a:fillRect/>
+            </a:stretch>
+          </p:blipFill>
+          <p:spPr>
+            <a:xfrm>
+              <a:off x="2193101" y="3039637"/>
+              <a:ext cx="548640" cy="548640"/>
+            </a:xfrm>
+            <a:prstGeom prst="rect">
+              <a:avLst/>
+            </a:prstGeom>
+          </p:spPr>
+        </p:pic>
+        <p:pic>
+          <p:nvPicPr>
+            <p:cNvPr id="16" name="Picture 15"/>
+            <p:cNvPicPr>
+              <a:picLocks noChangeAspect="1"/>
+            </p:cNvPicPr>
+            <p:nvPr/>
+          </p:nvPicPr>
+          <p:blipFill>
+            <a:blip r:embed="rId6">
+              <a:extLst>
+                <a:ext uri="{28A0092B-C50C-407E-A947-70E740481C1C}">
+                  <a14:useLocalDpi xmlns:a14="http://schemas.microsoft.com/office/drawing/2010/main" val="0"/>
+                </a:ext>
+              </a:extLst>
+            </a:blip>
+            <a:stretch>
+              <a:fillRect/>
+            </a:stretch>
+          </p:blipFill>
+          <p:spPr>
+            <a:xfrm>
+              <a:off x="2193101" y="4241388"/>
+              <a:ext cx="548640" cy="548640"/>
+            </a:xfrm>
+            <a:prstGeom prst="rect">
+              <a:avLst/>
+            </a:prstGeom>
+          </p:spPr>
+        </p:pic>
+      </p:grpSp>
+      <p:sp>
+        <p:nvSpPr>
+          <p:cNvPr id="17" name="TextBox 16"/>
+          <p:cNvSpPr txBox="1"/>
+          <p:nvPr/>
+        </p:nvSpPr>
+        <p:spPr>
+          <a:xfrm>
+            <a:off x="2144315" y="2015609"/>
+            <a:ext cx="2487980" cy="369332"/>
+          </a:xfrm>
+          <a:prstGeom prst="rect">
+            <a:avLst/>
+          </a:prstGeom>
+          <a:noFill/>
+        </p:spPr>
+        <p:txBody>
+          <a:bodyPr wrap="square" rtlCol="0">
+            <a:spAutoFit/>
+          </a:bodyPr>
+          <a:lstStyle/>
+          <a:p>
+            <a:r>
+              <a:rPr lang="en-US" dirty="0" smtClean="0">
+                <a:latin typeface="Arial" charset="0"/>
+                <a:ea typeface="Arial" charset="0"/>
+                <a:cs typeface="Arial" charset="0"/>
+              </a:rPr>
+              <a:t>Learning Exemplars</a:t>
+            </a:r>
+            <a:endParaRPr lang="en-US" dirty="0">
+              <a:latin typeface="Arial" charset="0"/>
+              <a:ea typeface="Arial" charset="0"/>
+              <a:cs typeface="Arial" charset="0"/>
+            </a:endParaRPr>
+          </a:p>
+        </p:txBody>
+      </p:sp>
+      <p:sp>
+        <p:nvSpPr>
+          <p:cNvPr id="18" name="TextBox 17"/>
+          <p:cNvSpPr txBox="1"/>
+          <p:nvPr/>
+        </p:nvSpPr>
+        <p:spPr>
+          <a:xfrm>
+            <a:off x="680022" y="2651254"/>
+            <a:ext cx="526106" cy="338554"/>
+          </a:xfrm>
+          <a:prstGeom prst="rect">
+            <a:avLst/>
+          </a:prstGeom>
+          <a:noFill/>
+        </p:spPr>
+        <p:txBody>
+          <a:bodyPr wrap="none" rtlCol="0">
+            <a:spAutoFit/>
+          </a:bodyPr>
+          <a:lstStyle/>
+          <a:p>
+            <a:r>
+              <a:rPr lang="en-US" sz="1600" dirty="0" smtClean="0">
+                <a:latin typeface="Arial" charset="0"/>
+                <a:ea typeface="Arial" charset="0"/>
+                <a:cs typeface="Arial" charset="0"/>
+              </a:rPr>
+              <a:t>one</a:t>
+            </a:r>
+            <a:endParaRPr lang="en-US" sz="1600" dirty="0">
+              <a:latin typeface="Arial" charset="0"/>
+              <a:ea typeface="Arial" charset="0"/>
+              <a:cs typeface="Arial" charset="0"/>
+            </a:endParaRPr>
+          </a:p>
+        </p:txBody>
+      </p:sp>
+      <p:sp>
+        <p:nvSpPr>
+          <p:cNvPr id="19" name="TextBox 18"/>
+          <p:cNvSpPr txBox="1"/>
+          <p:nvPr/>
+        </p:nvSpPr>
+        <p:spPr>
+          <a:xfrm>
+            <a:off x="647498" y="3258408"/>
+            <a:ext cx="1255472" cy="338554"/>
+          </a:xfrm>
+          <a:prstGeom prst="rect">
+            <a:avLst/>
+          </a:prstGeom>
+          <a:noFill/>
+        </p:spPr>
+        <p:txBody>
+          <a:bodyPr wrap="none" rtlCol="0">
+            <a:spAutoFit/>
+          </a:bodyPr>
+          <a:lstStyle/>
+          <a:p>
+            <a:r>
+              <a:rPr lang="en-US" sz="1600" dirty="0" smtClean="0">
+                <a:latin typeface="Arial" charset="0"/>
+                <a:ea typeface="Arial" charset="0"/>
+                <a:cs typeface="Arial" charset="0"/>
+              </a:rPr>
+              <a:t>subordinate</a:t>
+            </a:r>
+            <a:endParaRPr lang="en-US" sz="1600" dirty="0">
+              <a:latin typeface="Arial" charset="0"/>
+              <a:ea typeface="Arial" charset="0"/>
+              <a:cs typeface="Arial" charset="0"/>
+            </a:endParaRPr>
+          </a:p>
+        </p:txBody>
+      </p:sp>
+      <p:sp>
+        <p:nvSpPr>
+          <p:cNvPr id="20" name="TextBox 19"/>
+          <p:cNvSpPr txBox="1"/>
+          <p:nvPr/>
+        </p:nvSpPr>
+        <p:spPr>
+          <a:xfrm>
+            <a:off x="661377" y="3882626"/>
+            <a:ext cx="662361" cy="338554"/>
+          </a:xfrm>
+          <a:prstGeom prst="rect">
+            <a:avLst/>
+          </a:prstGeom>
+          <a:noFill/>
+        </p:spPr>
+        <p:txBody>
+          <a:bodyPr wrap="none" rtlCol="0">
+            <a:spAutoFit/>
+          </a:bodyPr>
+          <a:lstStyle/>
+          <a:p>
+            <a:r>
+              <a:rPr lang="en-US" sz="1600" dirty="0" smtClean="0">
+                <a:latin typeface="Arial" charset="0"/>
+                <a:ea typeface="Arial" charset="0"/>
+                <a:cs typeface="Arial" charset="0"/>
+              </a:rPr>
+              <a:t>basic</a:t>
+            </a:r>
+            <a:endParaRPr lang="en-US" sz="1600" dirty="0">
+              <a:latin typeface="Arial" charset="0"/>
+              <a:ea typeface="Arial" charset="0"/>
+              <a:cs typeface="Arial" charset="0"/>
+            </a:endParaRPr>
+          </a:p>
+        </p:txBody>
+      </p:sp>
+      <p:sp>
+        <p:nvSpPr>
+          <p:cNvPr id="21" name="TextBox 20"/>
+          <p:cNvSpPr txBox="1"/>
+          <p:nvPr/>
+        </p:nvSpPr>
+        <p:spPr>
+          <a:xfrm>
+            <a:off x="658996" y="4473048"/>
+            <a:ext cx="1438214" cy="338554"/>
+          </a:xfrm>
+          <a:prstGeom prst="rect">
+            <a:avLst/>
+          </a:prstGeom>
+          <a:noFill/>
+        </p:spPr>
+        <p:txBody>
+          <a:bodyPr wrap="none" rtlCol="0">
+            <a:spAutoFit/>
+          </a:bodyPr>
+          <a:lstStyle/>
+          <a:p>
+            <a:r>
+              <a:rPr lang="en-US" sz="1600" dirty="0" smtClean="0">
+                <a:latin typeface="Arial" charset="0"/>
+                <a:ea typeface="Arial" charset="0"/>
+                <a:cs typeface="Arial" charset="0"/>
+              </a:rPr>
+              <a:t>superordinate</a:t>
+            </a:r>
+            <a:endParaRPr lang="en-US" sz="1600" dirty="0">
+              <a:latin typeface="Arial" charset="0"/>
+              <a:ea typeface="Arial" charset="0"/>
+              <a:cs typeface="Arial" charset="0"/>
+            </a:endParaRPr>
+          </a:p>
+        </p:txBody>
+      </p:sp>
+      <p:sp>
+        <p:nvSpPr>
+          <p:cNvPr id="22" name="TextBox 21"/>
+          <p:cNvSpPr txBox="1"/>
+          <p:nvPr/>
+        </p:nvSpPr>
+        <p:spPr>
+          <a:xfrm>
+            <a:off x="4766882" y="2015609"/>
+            <a:ext cx="2826415" cy="369332"/>
+          </a:xfrm>
+          <a:prstGeom prst="rect">
+            <a:avLst/>
+          </a:prstGeom>
+          <a:noFill/>
+        </p:spPr>
+        <p:txBody>
+          <a:bodyPr wrap="none" rtlCol="0">
+            <a:spAutoFit/>
+          </a:bodyPr>
+          <a:lstStyle/>
+          <a:p>
+            <a:r>
+              <a:rPr lang="en-US" smtClean="0">
+                <a:latin typeface="Arial" charset="0"/>
+                <a:ea typeface="Arial" charset="0"/>
+                <a:cs typeface="Arial" charset="0"/>
+              </a:rPr>
+              <a:t>Generalization Exemplars</a:t>
+            </a:r>
+            <a:endParaRPr lang="en-US" dirty="0">
+              <a:latin typeface="Arial" charset="0"/>
+              <a:ea typeface="Arial" charset="0"/>
+              <a:cs typeface="Arial" charset="0"/>
+            </a:endParaRPr>
+          </a:p>
+        </p:txBody>
+      </p:sp>
+      <p:grpSp>
+        <p:nvGrpSpPr>
+          <p:cNvPr id="8" name="Group 7"/>
+          <p:cNvGrpSpPr/>
+          <p:nvPr/>
+        </p:nvGrpSpPr>
+        <p:grpSpPr>
+          <a:xfrm>
+            <a:off x="5436363" y="3027803"/>
+            <a:ext cx="548640" cy="1771680"/>
+            <a:chOff x="5895124" y="3039922"/>
+            <a:chExt cx="548640" cy="1771680"/>
+          </a:xfrm>
+        </p:grpSpPr>
+        <p:pic>
+          <p:nvPicPr>
+            <p:cNvPr id="26" name="Picture 25"/>
+            <p:cNvPicPr>
+              <a:picLocks noChangeAspect="1"/>
+            </p:cNvPicPr>
+            <p:nvPr/>
+          </p:nvPicPr>
+          <p:blipFill>
+            <a:blip r:embed="rId10">
+              <a:extLst>
+                <a:ext uri="{28A0092B-C50C-407E-A947-70E740481C1C}">
+                  <a14:useLocalDpi xmlns:a14="http://schemas.microsoft.com/office/drawing/2010/main" val="0"/>
+                </a:ext>
+              </a:extLst>
+            </a:blip>
+            <a:stretch>
+              <a:fillRect/>
+            </a:stretch>
+          </p:blipFill>
+          <p:spPr>
+            <a:xfrm>
+              <a:off x="5895124" y="3039922"/>
+              <a:ext cx="548640" cy="548640"/>
+            </a:xfrm>
+            <a:prstGeom prst="rect">
+              <a:avLst/>
+            </a:prstGeom>
+          </p:spPr>
+        </p:pic>
+        <p:pic>
+          <p:nvPicPr>
+            <p:cNvPr id="27" name="Picture 26"/>
+            <p:cNvPicPr>
+              <a:picLocks noChangeAspect="1"/>
+            </p:cNvPicPr>
+            <p:nvPr/>
+          </p:nvPicPr>
+          <p:blipFill>
+            <a:blip r:embed="rId11">
+              <a:extLst>
+                <a:ext uri="{28A0092B-C50C-407E-A947-70E740481C1C}">
+                  <a14:useLocalDpi xmlns:a14="http://schemas.microsoft.com/office/drawing/2010/main" val="0"/>
+                </a:ext>
+              </a:extLst>
+            </a:blip>
+            <a:stretch>
+              <a:fillRect/>
+            </a:stretch>
+          </p:blipFill>
+          <p:spPr>
+            <a:xfrm>
+              <a:off x="5895124" y="3648200"/>
+              <a:ext cx="548640" cy="548640"/>
+            </a:xfrm>
+            <a:prstGeom prst="rect">
+              <a:avLst/>
+            </a:prstGeom>
+          </p:spPr>
+        </p:pic>
+        <p:pic>
+          <p:nvPicPr>
+            <p:cNvPr id="29" name="Picture 28"/>
+            <p:cNvPicPr>
+              <a:picLocks noChangeAspect="1"/>
+            </p:cNvPicPr>
+            <p:nvPr/>
+          </p:nvPicPr>
+          <p:blipFill>
+            <a:blip r:embed="rId12">
+              <a:extLst>
+                <a:ext uri="{28A0092B-C50C-407E-A947-70E740481C1C}">
+                  <a14:useLocalDpi xmlns:a14="http://schemas.microsoft.com/office/drawing/2010/main" val="0"/>
+                </a:ext>
+              </a:extLst>
+            </a:blip>
+            <a:stretch>
+              <a:fillRect/>
+            </a:stretch>
+          </p:blipFill>
+          <p:spPr>
+            <a:xfrm>
+              <a:off x="5895124" y="4262962"/>
+              <a:ext cx="548640" cy="548640"/>
+            </a:xfrm>
+            <a:prstGeom prst="rect">
+              <a:avLst/>
+            </a:prstGeom>
+          </p:spPr>
+        </p:pic>
+      </p:grpSp>
+      <p:grpSp>
+        <p:nvGrpSpPr>
+          <p:cNvPr id="7" name="Group 6"/>
+          <p:cNvGrpSpPr/>
+          <p:nvPr/>
+        </p:nvGrpSpPr>
+        <p:grpSpPr>
+          <a:xfrm>
+            <a:off x="4759274" y="3051980"/>
+            <a:ext cx="556248" cy="1764529"/>
+            <a:chOff x="5056266" y="3037948"/>
+            <a:chExt cx="556248" cy="1764529"/>
+          </a:xfrm>
+        </p:grpSpPr>
+        <p:pic>
+          <p:nvPicPr>
+            <p:cNvPr id="25" name="Picture 24"/>
+            <p:cNvPicPr>
+              <a:picLocks noChangeAspect="1"/>
+            </p:cNvPicPr>
+            <p:nvPr/>
+          </p:nvPicPr>
+          <p:blipFill>
+            <a:blip r:embed="rId13">
+              <a:extLst>
+                <a:ext uri="{28A0092B-C50C-407E-A947-70E740481C1C}">
+                  <a14:useLocalDpi xmlns:a14="http://schemas.microsoft.com/office/drawing/2010/main" val="0"/>
+                </a:ext>
+              </a:extLst>
+            </a:blip>
+            <a:stretch>
+              <a:fillRect/>
+            </a:stretch>
+          </p:blipFill>
+          <p:spPr>
+            <a:xfrm>
+              <a:off x="5063874" y="3037948"/>
+              <a:ext cx="548640" cy="548640"/>
+            </a:xfrm>
+            <a:prstGeom prst="rect">
+              <a:avLst/>
+            </a:prstGeom>
+          </p:spPr>
+        </p:pic>
+        <p:pic>
+          <p:nvPicPr>
+            <p:cNvPr id="28" name="Picture 27"/>
+            <p:cNvPicPr>
+              <a:picLocks noChangeAspect="1"/>
+            </p:cNvPicPr>
+            <p:nvPr/>
+          </p:nvPicPr>
+          <p:blipFill>
+            <a:blip r:embed="rId14">
+              <a:extLst>
+                <a:ext uri="{28A0092B-C50C-407E-A947-70E740481C1C}">
+                  <a14:useLocalDpi xmlns:a14="http://schemas.microsoft.com/office/drawing/2010/main" val="0"/>
+                </a:ext>
+              </a:extLst>
+            </a:blip>
+            <a:stretch>
+              <a:fillRect/>
+            </a:stretch>
+          </p:blipFill>
+          <p:spPr>
+            <a:xfrm>
+              <a:off x="5057553" y="3655940"/>
+              <a:ext cx="548640" cy="548640"/>
+            </a:xfrm>
+            <a:prstGeom prst="rect">
+              <a:avLst/>
+            </a:prstGeom>
+          </p:spPr>
+        </p:pic>
+        <p:pic>
+          <p:nvPicPr>
+            <p:cNvPr id="30" name="Picture 29"/>
+            <p:cNvPicPr>
+              <a:picLocks noChangeAspect="1"/>
+            </p:cNvPicPr>
+            <p:nvPr/>
+          </p:nvPicPr>
+          <p:blipFill>
+            <a:blip r:embed="rId15">
+              <a:extLst>
+                <a:ext uri="{28A0092B-C50C-407E-A947-70E740481C1C}">
+                  <a14:useLocalDpi xmlns:a14="http://schemas.microsoft.com/office/drawing/2010/main" val="0"/>
+                </a:ext>
+              </a:extLst>
+            </a:blip>
+            <a:stretch>
+              <a:fillRect/>
+            </a:stretch>
+          </p:blipFill>
+          <p:spPr>
+            <a:xfrm>
+              <a:off x="5056266" y="4253837"/>
+              <a:ext cx="548640" cy="548640"/>
+            </a:xfrm>
+            <a:prstGeom prst="rect">
+              <a:avLst/>
+            </a:prstGeom>
+          </p:spPr>
+        </p:pic>
+      </p:grpSp>
+      <p:pic>
+        <p:nvPicPr>
+          <p:cNvPr id="31" name="Picture 30"/>
+          <p:cNvPicPr>
+            <a:picLocks noChangeAspect="1"/>
+          </p:cNvPicPr>
+          <p:nvPr/>
+        </p:nvPicPr>
+        <p:blipFill>
+          <a:blip r:embed="rId16">
+            <a:extLst>
+              <a:ext uri="{28A0092B-C50C-407E-A947-70E740481C1C}">
+                <a14:useLocalDpi xmlns:a14="http://schemas.microsoft.com/office/drawing/2010/main" val="0"/>
+              </a:ext>
+            </a:extLst>
+          </a:blip>
+          <a:stretch>
+            <a:fillRect/>
+          </a:stretch>
+        </p:blipFill>
+        <p:spPr>
+          <a:xfrm>
+            <a:off x="6075352" y="4262962"/>
+            <a:ext cx="548640" cy="548640"/>
+          </a:xfrm>
+          <a:prstGeom prst="rect">
+            <a:avLst/>
+          </a:prstGeom>
+        </p:spPr>
+      </p:pic>
+      <p:pic>
+        <p:nvPicPr>
+          <p:cNvPr id="32" name="Picture 31"/>
+          <p:cNvPicPr>
+            <a:picLocks noChangeAspect="1"/>
+          </p:cNvPicPr>
+          <p:nvPr/>
+        </p:nvPicPr>
+        <p:blipFill>
+          <a:blip r:embed="rId17">
+            <a:extLst>
+              <a:ext uri="{28A0092B-C50C-407E-A947-70E740481C1C}">
+                <a14:useLocalDpi xmlns:a14="http://schemas.microsoft.com/office/drawing/2010/main" val="0"/>
+              </a:ext>
+            </a:extLst>
+          </a:blip>
+          <a:stretch>
+            <a:fillRect/>
+          </a:stretch>
+        </p:blipFill>
+        <p:spPr>
+          <a:xfrm>
+            <a:off x="6790541" y="4237562"/>
+            <a:ext cx="574040" cy="574040"/>
+          </a:xfrm>
+          <a:prstGeom prst="rect">
+            <a:avLst/>
+          </a:prstGeom>
+        </p:spPr>
+      </p:pic>
+    </p:spTree>
+    <p:extLst>
+      <p:ext uri="{BB962C8B-B14F-4D97-AF65-F5344CB8AC3E}">
+        <p14:creationId xmlns:p14="http://schemas.microsoft.com/office/powerpoint/2010/main" val="227614456"/>
+      </p:ext>
+    </p:extLst>
+  </p:cSld>
+  <p:clrMapOvr>
+    <a:masterClrMapping/>
+  </p:clrMapOvr>
+  <p:timing>
+    <p:tnLst>
+      <p:par>
+        <p:cTn id="1" dur="indefinite" restart="never" nodeType="tmRoot"/>
+      </p:par>
+    </p:tnLst>
+  </p:timing>
+</p:sld>
+</file>
+
+<file path=ppt/slides/slide4.xml><?xml version="1.0" encoding="utf-8"?>
+<p:sld xmlns:a="http://schemas.openxmlformats.org/drawingml/2006/main" xmlns:r="http://schemas.openxmlformats.org/officeDocument/2006/relationships" xmlns:p="http://schemas.openxmlformats.org/presentationml/2006/main">
+  <p:cSld>
+    <p:spTree>
+      <p:nvGrpSpPr>
+        <p:cNvPr id="1" name=""/>
+        <p:cNvGrpSpPr/>
+        <p:nvPr/>
+      </p:nvGrpSpPr>
+      <p:grpSpPr>
+        <a:xfrm>
+          <a:off x="0" y="0"/>
+          <a:ext cx="0" cy="0"/>
+          <a:chOff x="0" y="0"/>
+          <a:chExt cx="0" cy="0"/>
+        </a:xfrm>
+      </p:grpSpPr>
+      <p:graphicFrame>
+        <p:nvGraphicFramePr>
+          <p:cNvPr id="33" name="Table 32"/>
+          <p:cNvGraphicFramePr>
+            <a:graphicFrameLocks noGrp="1"/>
+          </p:cNvGraphicFramePr>
+          <p:nvPr>
+            <p:extLst/>
+          </p:nvPr>
+        </p:nvGraphicFramePr>
+        <p:xfrm>
+          <a:off x="363496" y="1769936"/>
+          <a:ext cx="8213576" cy="3058095"/>
+        </p:xfrm>
+        <a:graphic>
+          <a:graphicData uri="http://schemas.openxmlformats.org/drawingml/2006/table">
+            <a:tbl>
+              <a:tblPr firstRow="1" bandRow="1">
+                <a:tableStyleId>{5940675A-B579-460E-94D1-54222C63F5DA}</a:tableStyleId>
+              </a:tblPr>
+              <a:tblGrid>
+                <a:gridCol w="1520168"/>
+                <a:gridCol w="836676"/>
+                <a:gridCol w="836676"/>
+                <a:gridCol w="836676"/>
+                <a:gridCol w="836676"/>
+                <a:gridCol w="836676"/>
+                <a:gridCol w="836676"/>
+                <a:gridCol w="836676"/>
+                <a:gridCol w="836676"/>
+              </a:tblGrid>
+              <a:tr h="611619">
+                <a:tc>
+                  <a:txBody>
+                    <a:bodyPr/>
+                    <a:lstStyle/>
+                    <a:p>
+                      <a:endParaRPr lang="en-US" dirty="0"/>
+                    </a:p>
+                  </a:txBody>
+                  <a:tcPr/>
+                </a:tc>
+                <a:tc>
+                  <a:txBody>
+                    <a:bodyPr/>
+                    <a:lstStyle/>
+                    <a:p>
+                      <a:endParaRPr lang="en-US" dirty="0"/>
+                    </a:p>
+                  </a:txBody>
+                  <a:tcPr/>
+                </a:tc>
+                <a:tc>
+                  <a:txBody>
+                    <a:bodyPr/>
+                    <a:lstStyle/>
+                    <a:p>
+                      <a:endParaRPr lang="en-US" dirty="0"/>
+                    </a:p>
+                  </a:txBody>
+                  <a:tcPr/>
+                </a:tc>
+                <a:tc>
+                  <a:txBody>
+                    <a:bodyPr/>
+                    <a:lstStyle/>
+                    <a:p>
+                      <a:endParaRPr lang="en-US" dirty="0"/>
+                    </a:p>
+                  </a:txBody>
+                  <a:tcPr/>
+                </a:tc>
+                <a:tc>
+                  <a:txBody>
+                    <a:bodyPr/>
+                    <a:lstStyle/>
+                    <a:p>
+                      <a:endParaRPr lang="en-US" dirty="0"/>
+                    </a:p>
+                  </a:txBody>
+                  <a:tcPr/>
+                </a:tc>
+                <a:tc>
+                  <a:txBody>
+                    <a:bodyPr/>
+                    <a:lstStyle/>
+                    <a:p>
+                      <a:endParaRPr lang="en-US"/>
+                    </a:p>
+                  </a:txBody>
+                  <a:tcPr/>
+                </a:tc>
+                <a:tc>
+                  <a:txBody>
+                    <a:bodyPr/>
+                    <a:lstStyle/>
+                    <a:p>
+                      <a:endParaRPr lang="en-US"/>
+                    </a:p>
+                  </a:txBody>
+                  <a:tcPr/>
+                </a:tc>
+                <a:tc>
+                  <a:txBody>
+                    <a:bodyPr/>
+                    <a:lstStyle/>
+                    <a:p>
+                      <a:endParaRPr lang="en-US"/>
+                    </a:p>
+                  </a:txBody>
+                  <a:tcPr/>
+                </a:tc>
+                <a:tc>
+                  <a:txBody>
+                    <a:bodyPr/>
+                    <a:lstStyle/>
+                    <a:p>
+                      <a:endParaRPr lang="en-US"/>
+                    </a:p>
+                  </a:txBody>
+                  <a:tcPr/>
+                </a:tc>
+              </a:tr>
+              <a:tr h="611619">
+                <a:tc>
+                  <a:txBody>
+                    <a:bodyPr/>
+                    <a:lstStyle/>
+                    <a:p>
+                      <a:endParaRPr lang="en-US"/>
+                    </a:p>
+                  </a:txBody>
+                  <a:tcPr/>
+                </a:tc>
+                <a:tc>
+                  <a:txBody>
+                    <a:bodyPr/>
+                    <a:lstStyle/>
+                    <a:p>
+                      <a:endParaRPr lang="en-US"/>
+                    </a:p>
+                  </a:txBody>
+                  <a:tcPr/>
+                </a:tc>
+                <a:tc>
+                  <a:txBody>
+                    <a:bodyPr/>
+                    <a:lstStyle/>
+                    <a:p>
+                      <a:endParaRPr lang="en-US" dirty="0"/>
+                    </a:p>
+                  </a:txBody>
+                  <a:tcPr/>
+                </a:tc>
+                <a:tc>
+                  <a:txBody>
+                    <a:bodyPr/>
+                    <a:lstStyle/>
+                    <a:p>
+                      <a:endParaRPr lang="en-US" dirty="0"/>
+                    </a:p>
+                  </a:txBody>
+                  <a:tcPr/>
+                </a:tc>
+                <a:tc>
+                  <a:txBody>
+                    <a:bodyPr/>
+                    <a:lstStyle/>
+                    <a:p>
+                      <a:endParaRPr lang="en-US" dirty="0"/>
+                    </a:p>
+                  </a:txBody>
+                  <a:tcPr/>
+                </a:tc>
+                <a:tc>
+                  <a:txBody>
+                    <a:bodyPr/>
+                    <a:lstStyle/>
+                    <a:p>
+                      <a:endParaRPr lang="en-US" dirty="0"/>
+                    </a:p>
+                  </a:txBody>
+                  <a:tcPr/>
+                </a:tc>
+                <a:tc>
+                  <a:txBody>
+                    <a:bodyPr/>
+                    <a:lstStyle/>
+                    <a:p>
+                      <a:endParaRPr lang="en-US"/>
+                    </a:p>
+                  </a:txBody>
+                  <a:tcPr/>
+                </a:tc>
+                <a:tc>
+                  <a:txBody>
+                    <a:bodyPr/>
+                    <a:lstStyle/>
+                    <a:p>
+                      <a:endParaRPr lang="en-US"/>
+                    </a:p>
+                  </a:txBody>
+                  <a:tcPr/>
+                </a:tc>
+                <a:tc>
+                  <a:txBody>
+                    <a:bodyPr/>
+                    <a:lstStyle/>
+                    <a:p>
+                      <a:endParaRPr lang="en-US"/>
+                    </a:p>
+                  </a:txBody>
+                  <a:tcPr/>
+                </a:tc>
+              </a:tr>
+              <a:tr h="611619">
+                <a:tc>
+                  <a:txBody>
+                    <a:bodyPr/>
+                    <a:lstStyle/>
+                    <a:p>
+                      <a:endParaRPr lang="en-US"/>
+                    </a:p>
+                  </a:txBody>
+                  <a:tcPr/>
+                </a:tc>
+                <a:tc>
+                  <a:txBody>
+                    <a:bodyPr/>
+                    <a:lstStyle/>
+                    <a:p>
+                      <a:endParaRPr lang="en-US"/>
+                    </a:p>
+                  </a:txBody>
+                  <a:tcPr/>
+                </a:tc>
+                <a:tc>
+                  <a:txBody>
+                    <a:bodyPr/>
+                    <a:lstStyle/>
+                    <a:p>
+                      <a:endParaRPr lang="en-US"/>
+                    </a:p>
+                  </a:txBody>
+                  <a:tcPr/>
+                </a:tc>
+                <a:tc>
+                  <a:txBody>
+                    <a:bodyPr/>
+                    <a:lstStyle/>
+                    <a:p>
+                      <a:endParaRPr lang="en-US"/>
+                    </a:p>
+                  </a:txBody>
+                  <a:tcPr/>
+                </a:tc>
+                <a:tc>
+                  <a:txBody>
+                    <a:bodyPr/>
+                    <a:lstStyle/>
+                    <a:p>
+                      <a:endParaRPr lang="en-US" dirty="0"/>
+                    </a:p>
+                  </a:txBody>
+                  <a:tcPr/>
+                </a:tc>
+                <a:tc>
+                  <a:txBody>
+                    <a:bodyPr/>
+                    <a:lstStyle/>
+                    <a:p>
+                      <a:endParaRPr lang="en-US" dirty="0"/>
+                    </a:p>
+                  </a:txBody>
+                  <a:tcPr/>
+                </a:tc>
+                <a:tc>
+                  <a:txBody>
+                    <a:bodyPr/>
+                    <a:lstStyle/>
+                    <a:p>
+                      <a:endParaRPr lang="en-US"/>
+                    </a:p>
+                  </a:txBody>
+                  <a:tcPr/>
+                </a:tc>
+                <a:tc>
+                  <a:txBody>
+                    <a:bodyPr/>
+                    <a:lstStyle/>
+                    <a:p>
+                      <a:endParaRPr lang="en-US"/>
+                    </a:p>
+                  </a:txBody>
+                  <a:tcPr/>
+                </a:tc>
+                <a:tc>
+                  <a:txBody>
+                    <a:bodyPr/>
+                    <a:lstStyle/>
+                    <a:p>
+                      <a:endParaRPr lang="en-US"/>
+                    </a:p>
+                  </a:txBody>
+                  <a:tcPr/>
+                </a:tc>
+              </a:tr>
+              <a:tr h="611619">
+                <a:tc>
+                  <a:txBody>
+                    <a:bodyPr/>
+                    <a:lstStyle/>
+                    <a:p>
+                      <a:endParaRPr lang="en-US"/>
+                    </a:p>
+                  </a:txBody>
+                  <a:tcPr/>
+                </a:tc>
+                <a:tc>
+                  <a:txBody>
+                    <a:bodyPr/>
+                    <a:lstStyle/>
+                    <a:p>
+                      <a:endParaRPr lang="en-US"/>
+                    </a:p>
+                  </a:txBody>
+                  <a:tcPr/>
+                </a:tc>
+                <a:tc>
+                  <a:txBody>
+                    <a:bodyPr/>
+                    <a:lstStyle/>
+                    <a:p>
+                      <a:endParaRPr lang="en-US"/>
+                    </a:p>
+                  </a:txBody>
+                  <a:tcPr/>
+                </a:tc>
+                <a:tc>
+                  <a:txBody>
+                    <a:bodyPr/>
+                    <a:lstStyle/>
+                    <a:p>
+                      <a:endParaRPr lang="en-US"/>
+                    </a:p>
+                  </a:txBody>
+                  <a:tcPr/>
+                </a:tc>
+                <a:tc>
+                  <a:txBody>
+                    <a:bodyPr/>
+                    <a:lstStyle/>
+                    <a:p>
+                      <a:endParaRPr lang="en-US"/>
+                    </a:p>
+                  </a:txBody>
+                  <a:tcPr/>
+                </a:tc>
+                <a:tc>
+                  <a:txBody>
+                    <a:bodyPr/>
+                    <a:lstStyle/>
+                    <a:p>
+                      <a:endParaRPr lang="en-US" dirty="0"/>
+                    </a:p>
+                  </a:txBody>
+                  <a:tcPr/>
+                </a:tc>
+                <a:tc>
+                  <a:txBody>
+                    <a:bodyPr/>
+                    <a:lstStyle/>
+                    <a:p>
+                      <a:endParaRPr lang="en-US" dirty="0"/>
+                    </a:p>
+                  </a:txBody>
+                  <a:tcPr/>
+                </a:tc>
+                <a:tc>
+                  <a:txBody>
+                    <a:bodyPr/>
+                    <a:lstStyle/>
+                    <a:p>
+                      <a:endParaRPr lang="en-US" dirty="0"/>
+                    </a:p>
+                  </a:txBody>
+                  <a:tcPr/>
+                </a:tc>
+                <a:tc>
+                  <a:txBody>
+                    <a:bodyPr/>
+                    <a:lstStyle/>
+                    <a:p>
+                      <a:endParaRPr lang="en-US"/>
+                    </a:p>
+                  </a:txBody>
+                  <a:tcPr/>
+                </a:tc>
+              </a:tr>
+              <a:tr h="611619">
+                <a:tc>
+                  <a:txBody>
+                    <a:bodyPr/>
+                    <a:lstStyle/>
+                    <a:p>
+                      <a:endParaRPr lang="en-US" dirty="0"/>
+                    </a:p>
+                  </a:txBody>
+                  <a:tcPr/>
+                </a:tc>
+                <a:tc>
+                  <a:txBody>
+                    <a:bodyPr/>
+                    <a:lstStyle/>
+                    <a:p>
+                      <a:endParaRPr lang="en-US"/>
+                    </a:p>
+                  </a:txBody>
+                  <a:tcPr/>
+                </a:tc>
+                <a:tc>
+                  <a:txBody>
+                    <a:bodyPr/>
+                    <a:lstStyle/>
+                    <a:p>
+                      <a:endParaRPr lang="en-US"/>
+                    </a:p>
+                  </a:txBody>
+                  <a:tcPr/>
+                </a:tc>
+                <a:tc>
+                  <a:txBody>
+                    <a:bodyPr/>
+                    <a:lstStyle/>
+                    <a:p>
+                      <a:endParaRPr lang="en-US"/>
+                    </a:p>
+                  </a:txBody>
+                  <a:tcPr/>
+                </a:tc>
+                <a:tc>
+                  <a:txBody>
+                    <a:bodyPr/>
+                    <a:lstStyle/>
+                    <a:p>
+                      <a:endParaRPr lang="en-US"/>
+                    </a:p>
+                  </a:txBody>
+                  <a:tcPr/>
+                </a:tc>
+                <a:tc>
+                  <a:txBody>
+                    <a:bodyPr/>
+                    <a:lstStyle/>
+                    <a:p>
+                      <a:endParaRPr lang="en-US"/>
+                    </a:p>
+                  </a:txBody>
+                  <a:tcPr/>
+                </a:tc>
+                <a:tc>
+                  <a:txBody>
+                    <a:bodyPr/>
+                    <a:lstStyle/>
+                    <a:p>
+                      <a:endParaRPr lang="en-US" dirty="0"/>
+                    </a:p>
+                  </a:txBody>
+                  <a:tcPr/>
+                </a:tc>
+                <a:tc>
+                  <a:txBody>
+                    <a:bodyPr/>
+                    <a:lstStyle/>
+                    <a:p>
+                      <a:endParaRPr lang="en-US" dirty="0"/>
+                    </a:p>
+                  </a:txBody>
+                  <a:tcPr/>
+                </a:tc>
+                <a:tc>
+                  <a:txBody>
+                    <a:bodyPr/>
+                    <a:lstStyle/>
+                    <a:p>
+                      <a:endParaRPr lang="en-US" dirty="0"/>
+                    </a:p>
+                  </a:txBody>
+                  <a:tcPr/>
+                </a:tc>
+              </a:tr>
+            </a:tbl>
+          </a:graphicData>
+        </a:graphic>
+      </p:graphicFrame>
+      <p:pic>
+        <p:nvPicPr>
+          <p:cNvPr id="4" name="Picture 3"/>
+          <p:cNvPicPr>
+            <a:picLocks noChangeAspect="1"/>
+          </p:cNvPicPr>
+          <p:nvPr/>
+        </p:nvPicPr>
+        <p:blipFill>
+          <a:blip r:embed="rId2">
+            <a:extLst>
+              <a:ext uri="{28A0092B-C50C-407E-A947-70E740481C1C}">
+                <a14:useLocalDpi xmlns:a14="http://schemas.microsoft.com/office/drawing/2010/main" val="0"/>
+              </a:ext>
+            </a:extLst>
+          </a:blip>
+          <a:stretch>
+            <a:fillRect/>
+          </a:stretch>
+        </p:blipFill>
+        <p:spPr>
+          <a:xfrm>
+            <a:off x="2000861" y="2415296"/>
+            <a:ext cx="548640" cy="548640"/>
+          </a:xfrm>
+          <a:prstGeom prst="rect">
+            <a:avLst/>
+          </a:prstGeom>
+        </p:spPr>
+      </p:pic>
+      <p:pic>
+        <p:nvPicPr>
+          <p:cNvPr id="5" name="Picture 4"/>
+          <p:cNvPicPr>
+            <a:picLocks noChangeAspect="1"/>
+          </p:cNvPicPr>
+          <p:nvPr/>
+        </p:nvPicPr>
+        <p:blipFill>
+          <a:blip r:embed="rId3">
+            <a:extLst>
+              <a:ext uri="{28A0092B-C50C-407E-A947-70E740481C1C}">
+                <a14:useLocalDpi xmlns:a14="http://schemas.microsoft.com/office/drawing/2010/main" val="0"/>
+              </a:ext>
+            </a:extLst>
+          </a:blip>
+          <a:stretch>
+            <a:fillRect/>
+          </a:stretch>
+        </p:blipFill>
+        <p:spPr>
+          <a:xfrm>
+            <a:off x="2772692" y="3042973"/>
+            <a:ext cx="548640" cy="548640"/>
+          </a:xfrm>
+          <a:prstGeom prst="rect">
+            <a:avLst/>
+          </a:prstGeom>
+        </p:spPr>
+      </p:pic>
+      <p:pic>
+        <p:nvPicPr>
+          <p:cNvPr id="6" name="Picture 5"/>
+          <p:cNvPicPr>
+            <a:picLocks noChangeAspect="1"/>
+          </p:cNvPicPr>
+          <p:nvPr/>
+        </p:nvPicPr>
+        <p:blipFill>
+          <a:blip r:embed="rId4">
+            <a:extLst>
+              <a:ext uri="{28A0092B-C50C-407E-A947-70E740481C1C}">
+                <a14:useLocalDpi xmlns:a14="http://schemas.microsoft.com/office/drawing/2010/main" val="0"/>
+              </a:ext>
+            </a:extLst>
+          </a:blip>
+          <a:stretch>
+            <a:fillRect/>
+          </a:stretch>
+        </p:blipFill>
+        <p:spPr>
+          <a:xfrm>
+            <a:off x="3629189" y="3022450"/>
+            <a:ext cx="548640" cy="548640"/>
+          </a:xfrm>
+          <a:prstGeom prst="rect">
+            <a:avLst/>
+          </a:prstGeom>
+        </p:spPr>
+      </p:pic>
+      <p:pic>
+        <p:nvPicPr>
+          <p:cNvPr id="9" name="Picture 8"/>
+          <p:cNvPicPr>
+            <a:picLocks noChangeAspect="1"/>
+          </p:cNvPicPr>
+          <p:nvPr/>
+        </p:nvPicPr>
+        <p:blipFill>
+          <a:blip r:embed="rId5">
+            <a:extLst>
+              <a:ext uri="{28A0092B-C50C-407E-A947-70E740481C1C}">
+                <a14:useLocalDpi xmlns:a14="http://schemas.microsoft.com/office/drawing/2010/main" val="0"/>
+              </a:ext>
+            </a:extLst>
+          </a:blip>
+          <a:stretch>
+            <a:fillRect/>
+          </a:stretch>
+        </p:blipFill>
+        <p:spPr>
+          <a:xfrm>
+            <a:off x="2780879" y="4232656"/>
+            <a:ext cx="548640" cy="548640"/>
+          </a:xfrm>
+          <a:prstGeom prst="rect">
+            <a:avLst/>
+          </a:prstGeom>
+        </p:spPr>
+      </p:pic>
+      <p:pic>
+        <p:nvPicPr>
+          <p:cNvPr id="10" name="Picture 9"/>
+          <p:cNvPicPr>
+            <a:picLocks noChangeAspect="1"/>
+          </p:cNvPicPr>
+          <p:nvPr/>
+        </p:nvPicPr>
+        <p:blipFill>
+          <a:blip r:embed="rId6">
+            <a:extLst>
+              <a:ext uri="{28A0092B-C50C-407E-A947-70E740481C1C}">
+                <a14:useLocalDpi xmlns:a14="http://schemas.microsoft.com/office/drawing/2010/main" val="0"/>
+              </a:ext>
+            </a:extLst>
+          </a:blip>
+          <a:stretch>
+            <a:fillRect/>
+          </a:stretch>
+        </p:blipFill>
+        <p:spPr>
+          <a:xfrm>
+            <a:off x="3688635" y="4241388"/>
+            <a:ext cx="548640" cy="548640"/>
+          </a:xfrm>
+          <a:prstGeom prst="rect">
+            <a:avLst/>
+          </a:prstGeom>
+        </p:spPr>
+      </p:pic>
+      <p:pic>
+        <p:nvPicPr>
+          <p:cNvPr id="12" name="Picture 11"/>
+          <p:cNvPicPr>
+            <a:picLocks noChangeAspect="1"/>
+          </p:cNvPicPr>
+          <p:nvPr/>
+        </p:nvPicPr>
+        <p:blipFill>
+          <a:blip r:embed="rId7">
+            <a:extLst>
+              <a:ext uri="{28A0092B-C50C-407E-A947-70E740481C1C}">
+                <a14:useLocalDpi xmlns:a14="http://schemas.microsoft.com/office/drawing/2010/main" val="0"/>
+              </a:ext>
+            </a:extLst>
+          </a:blip>
+          <a:stretch>
+            <a:fillRect/>
+          </a:stretch>
+        </p:blipFill>
+        <p:spPr>
+          <a:xfrm>
+            <a:off x="3688635" y="3633092"/>
+            <a:ext cx="548640" cy="548640"/>
+          </a:xfrm>
+          <a:prstGeom prst="rect">
+            <a:avLst/>
+          </a:prstGeom>
+        </p:spPr>
+      </p:pic>
+      <p:pic>
+        <p:nvPicPr>
+          <p:cNvPr id="13" name="Picture 12"/>
+          <p:cNvPicPr>
+            <a:picLocks noChangeAspect="1"/>
+          </p:cNvPicPr>
+          <p:nvPr/>
+        </p:nvPicPr>
+        <p:blipFill>
+          <a:blip r:embed="rId2">
+            <a:extLst>
+              <a:ext uri="{28A0092B-C50C-407E-A947-70E740481C1C}">
+                <a14:useLocalDpi xmlns:a14="http://schemas.microsoft.com/office/drawing/2010/main" val="0"/>
+              </a:ext>
+            </a:extLst>
+          </a:blip>
+          <a:stretch>
+            <a:fillRect/>
+          </a:stretch>
+        </p:blipFill>
+        <p:spPr>
+          <a:xfrm>
+            <a:off x="1942196" y="3016767"/>
+            <a:ext cx="548640" cy="548640"/>
+          </a:xfrm>
+          <a:prstGeom prst="rect">
+            <a:avLst/>
+          </a:prstGeom>
+        </p:spPr>
+      </p:pic>
+      <p:pic>
+        <p:nvPicPr>
+          <p:cNvPr id="14" name="Picture 13"/>
+          <p:cNvPicPr>
+            <a:picLocks noChangeAspect="1"/>
+          </p:cNvPicPr>
+          <p:nvPr/>
+        </p:nvPicPr>
+        <p:blipFill>
+          <a:blip r:embed="rId2">
+            <a:extLst>
+              <a:ext uri="{28A0092B-C50C-407E-A947-70E740481C1C}">
+                <a14:useLocalDpi xmlns:a14="http://schemas.microsoft.com/office/drawing/2010/main" val="0"/>
+              </a:ext>
+            </a:extLst>
+          </a:blip>
+          <a:stretch>
+            <a:fillRect/>
+          </a:stretch>
+        </p:blipFill>
+        <p:spPr>
+          <a:xfrm>
+            <a:off x="1928017" y="3636202"/>
+            <a:ext cx="548640" cy="548640"/>
+          </a:xfrm>
+          <a:prstGeom prst="rect">
+            <a:avLst/>
+          </a:prstGeom>
+        </p:spPr>
+      </p:pic>
+      <p:pic>
+        <p:nvPicPr>
+          <p:cNvPr id="15" name="Picture 14"/>
+          <p:cNvPicPr>
+            <a:picLocks noChangeAspect="1"/>
+          </p:cNvPicPr>
+          <p:nvPr/>
+        </p:nvPicPr>
+        <p:blipFill>
+          <a:blip r:embed="rId8">
+            <a:extLst>
+              <a:ext uri="{28A0092B-C50C-407E-A947-70E740481C1C}">
+                <a14:useLocalDpi xmlns:a14="http://schemas.microsoft.com/office/drawing/2010/main" val="0"/>
+              </a:ext>
+            </a:extLst>
+          </a:blip>
+          <a:stretch>
+            <a:fillRect/>
+          </a:stretch>
+        </p:blipFill>
+        <p:spPr>
+          <a:xfrm>
+            <a:off x="2821102" y="3636202"/>
+            <a:ext cx="548640" cy="548640"/>
+          </a:xfrm>
+          <a:prstGeom prst="rect">
+            <a:avLst/>
+          </a:prstGeom>
+        </p:spPr>
+      </p:pic>
+      <p:pic>
+        <p:nvPicPr>
+          <p:cNvPr id="16" name="Picture 15"/>
+          <p:cNvPicPr>
+            <a:picLocks noChangeAspect="1"/>
+          </p:cNvPicPr>
+          <p:nvPr/>
+        </p:nvPicPr>
+        <p:blipFill>
+          <a:blip r:embed="rId2">
+            <a:extLst>
+              <a:ext uri="{28A0092B-C50C-407E-A947-70E740481C1C}">
+                <a14:useLocalDpi xmlns:a14="http://schemas.microsoft.com/office/drawing/2010/main" val="0"/>
+              </a:ext>
+            </a:extLst>
+          </a:blip>
+          <a:stretch>
+            <a:fillRect/>
+          </a:stretch>
+        </p:blipFill>
+        <p:spPr>
+          <a:xfrm>
+            <a:off x="1924859" y="4237090"/>
+            <a:ext cx="548640" cy="548640"/>
+          </a:xfrm>
+          <a:prstGeom prst="rect">
+            <a:avLst/>
+          </a:prstGeom>
+        </p:spPr>
+      </p:pic>
+      <p:sp>
+        <p:nvSpPr>
+          <p:cNvPr id="17" name="TextBox 16"/>
+          <p:cNvSpPr txBox="1"/>
+          <p:nvPr/>
+        </p:nvSpPr>
+        <p:spPr>
+          <a:xfrm>
+            <a:off x="1869995" y="1914009"/>
+            <a:ext cx="2487980" cy="338554"/>
+          </a:xfrm>
+          <a:prstGeom prst="rect">
+            <a:avLst/>
+          </a:prstGeom>
+          <a:noFill/>
+        </p:spPr>
+        <p:txBody>
+          <a:bodyPr wrap="square" rtlCol="0">
+            <a:spAutoFit/>
+          </a:bodyPr>
+          <a:lstStyle/>
+          <a:p>
+            <a:r>
+              <a:rPr lang="en-US" sz="1600" b="1" dirty="0" smtClean="0">
+                <a:latin typeface="Arial" charset="0"/>
+                <a:ea typeface="Arial" charset="0"/>
+                <a:cs typeface="Arial" charset="0"/>
+              </a:rPr>
+              <a:t>Learning Exemplars</a:t>
+            </a:r>
+            <a:endParaRPr lang="en-US" sz="1600" b="1" dirty="0">
+              <a:latin typeface="Arial" charset="0"/>
+              <a:ea typeface="Arial" charset="0"/>
+              <a:cs typeface="Arial" charset="0"/>
+            </a:endParaRPr>
+          </a:p>
+        </p:txBody>
+      </p:sp>
+      <p:sp>
+        <p:nvSpPr>
+          <p:cNvPr id="18" name="TextBox 17"/>
+          <p:cNvSpPr txBox="1"/>
+          <p:nvPr/>
+        </p:nvSpPr>
+        <p:spPr>
+          <a:xfrm>
+            <a:off x="502222" y="2651254"/>
+            <a:ext cx="526106" cy="338554"/>
+          </a:xfrm>
+          <a:prstGeom prst="rect">
+            <a:avLst/>
+          </a:prstGeom>
+          <a:noFill/>
+        </p:spPr>
+        <p:txBody>
+          <a:bodyPr wrap="none" rtlCol="0">
+            <a:spAutoFit/>
+          </a:bodyPr>
+          <a:lstStyle/>
+          <a:p>
+            <a:r>
+              <a:rPr lang="en-US" sz="1600" dirty="0" smtClean="0">
+                <a:latin typeface="Arial" charset="0"/>
+                <a:ea typeface="Arial" charset="0"/>
+                <a:cs typeface="Arial" charset="0"/>
+              </a:rPr>
+              <a:t>one</a:t>
+            </a:r>
+            <a:endParaRPr lang="en-US" sz="1600" dirty="0">
+              <a:latin typeface="Arial" charset="0"/>
+              <a:ea typeface="Arial" charset="0"/>
+              <a:cs typeface="Arial" charset="0"/>
+            </a:endParaRPr>
+          </a:p>
+        </p:txBody>
+      </p:sp>
+      <p:sp>
+        <p:nvSpPr>
+          <p:cNvPr id="19" name="TextBox 18"/>
+          <p:cNvSpPr txBox="1"/>
+          <p:nvPr/>
+        </p:nvSpPr>
+        <p:spPr>
+          <a:xfrm>
+            <a:off x="469698" y="3258408"/>
+            <a:ext cx="1255472" cy="338554"/>
+          </a:xfrm>
+          <a:prstGeom prst="rect">
+            <a:avLst/>
+          </a:prstGeom>
+          <a:noFill/>
+        </p:spPr>
+        <p:txBody>
+          <a:bodyPr wrap="none" rtlCol="0">
+            <a:spAutoFit/>
+          </a:bodyPr>
+          <a:lstStyle/>
+          <a:p>
+            <a:r>
+              <a:rPr lang="en-US" sz="1600" dirty="0" smtClean="0">
+                <a:latin typeface="Arial" charset="0"/>
+                <a:ea typeface="Arial" charset="0"/>
+                <a:cs typeface="Arial" charset="0"/>
+              </a:rPr>
+              <a:t>subordinate</a:t>
+            </a:r>
+            <a:endParaRPr lang="en-US" sz="1600" dirty="0">
+              <a:latin typeface="Arial" charset="0"/>
+              <a:ea typeface="Arial" charset="0"/>
+              <a:cs typeface="Arial" charset="0"/>
+            </a:endParaRPr>
+          </a:p>
+        </p:txBody>
+      </p:sp>
+      <p:sp>
+        <p:nvSpPr>
+          <p:cNvPr id="20" name="TextBox 19"/>
+          <p:cNvSpPr txBox="1"/>
+          <p:nvPr/>
+        </p:nvSpPr>
+        <p:spPr>
+          <a:xfrm>
+            <a:off x="483577" y="3882626"/>
+            <a:ext cx="662361" cy="338554"/>
+          </a:xfrm>
+          <a:prstGeom prst="rect">
+            <a:avLst/>
+          </a:prstGeom>
+          <a:noFill/>
+        </p:spPr>
+        <p:txBody>
+          <a:bodyPr wrap="none" rtlCol="0">
+            <a:spAutoFit/>
+          </a:bodyPr>
+          <a:lstStyle/>
+          <a:p>
+            <a:r>
+              <a:rPr lang="en-US" sz="1600" dirty="0" smtClean="0">
+                <a:latin typeface="Arial" charset="0"/>
+                <a:ea typeface="Arial" charset="0"/>
+                <a:cs typeface="Arial" charset="0"/>
+              </a:rPr>
+              <a:t>basic</a:t>
+            </a:r>
+            <a:endParaRPr lang="en-US" sz="1600" dirty="0">
+              <a:latin typeface="Arial" charset="0"/>
+              <a:ea typeface="Arial" charset="0"/>
+              <a:cs typeface="Arial" charset="0"/>
+            </a:endParaRPr>
+          </a:p>
+        </p:txBody>
+      </p:sp>
+      <p:sp>
+        <p:nvSpPr>
+          <p:cNvPr id="21" name="TextBox 20"/>
+          <p:cNvSpPr txBox="1"/>
+          <p:nvPr/>
+        </p:nvSpPr>
+        <p:spPr>
+          <a:xfrm>
+            <a:off x="481196" y="4473048"/>
+            <a:ext cx="1438214" cy="338554"/>
+          </a:xfrm>
+          <a:prstGeom prst="rect">
+            <a:avLst/>
+          </a:prstGeom>
+          <a:noFill/>
+        </p:spPr>
+        <p:txBody>
+          <a:bodyPr wrap="none" rtlCol="0">
+            <a:spAutoFit/>
+          </a:bodyPr>
+          <a:lstStyle/>
+          <a:p>
+            <a:r>
+              <a:rPr lang="en-US" sz="1600" dirty="0" smtClean="0">
+                <a:latin typeface="Arial" charset="0"/>
+                <a:ea typeface="Arial" charset="0"/>
+                <a:cs typeface="Arial" charset="0"/>
+              </a:rPr>
+              <a:t>superordinate</a:t>
+            </a:r>
+            <a:endParaRPr lang="en-US" sz="1600" dirty="0">
+              <a:latin typeface="Arial" charset="0"/>
+              <a:ea typeface="Arial" charset="0"/>
+              <a:cs typeface="Arial" charset="0"/>
+            </a:endParaRPr>
+          </a:p>
+        </p:txBody>
+      </p:sp>
+      <p:sp>
+        <p:nvSpPr>
+          <p:cNvPr id="22" name="TextBox 21"/>
+          <p:cNvSpPr txBox="1"/>
+          <p:nvPr/>
+        </p:nvSpPr>
+        <p:spPr>
+          <a:xfrm>
+            <a:off x="5183266" y="1914009"/>
+            <a:ext cx="2694969" cy="338554"/>
+          </a:xfrm>
+          <a:prstGeom prst="rect">
+            <a:avLst/>
+          </a:prstGeom>
+          <a:noFill/>
+        </p:spPr>
+        <p:txBody>
+          <a:bodyPr wrap="none" rtlCol="0">
+            <a:spAutoFit/>
+          </a:bodyPr>
+          <a:lstStyle/>
+          <a:p>
+            <a:r>
+              <a:rPr lang="en-US" sz="1600" b="1" smtClean="0">
+                <a:latin typeface="Arial" charset="0"/>
+                <a:ea typeface="Arial" charset="0"/>
+                <a:cs typeface="Arial" charset="0"/>
+              </a:rPr>
+              <a:t>Generalization Exemplars</a:t>
+            </a:r>
+            <a:endParaRPr lang="en-US" sz="1600" b="1" dirty="0">
+              <a:latin typeface="Arial" charset="0"/>
+              <a:ea typeface="Arial" charset="0"/>
+              <a:cs typeface="Arial" charset="0"/>
+            </a:endParaRPr>
+          </a:p>
+        </p:txBody>
+      </p:sp>
+      <p:pic>
+        <p:nvPicPr>
+          <p:cNvPr id="25" name="Picture 24"/>
+          <p:cNvPicPr>
+            <a:picLocks noChangeAspect="1"/>
+          </p:cNvPicPr>
+          <p:nvPr/>
+        </p:nvPicPr>
+        <p:blipFill>
+          <a:blip r:embed="rId9">
+            <a:extLst>
+              <a:ext uri="{28A0092B-C50C-407E-A947-70E740481C1C}">
+                <a14:useLocalDpi xmlns:a14="http://schemas.microsoft.com/office/drawing/2010/main" val="0"/>
+              </a:ext>
+            </a:extLst>
+          </a:blip>
+          <a:stretch>
+            <a:fillRect/>
+          </a:stretch>
+        </p:blipFill>
+        <p:spPr>
+          <a:xfrm>
+            <a:off x="5362145" y="3016767"/>
+            <a:ext cx="548640" cy="548640"/>
+          </a:xfrm>
+          <a:prstGeom prst="rect">
+            <a:avLst/>
+          </a:prstGeom>
+        </p:spPr>
+      </p:pic>
+      <p:pic>
+        <p:nvPicPr>
+          <p:cNvPr id="26" name="Picture 25"/>
+          <p:cNvPicPr>
+            <a:picLocks noChangeAspect="1"/>
+          </p:cNvPicPr>
+          <p:nvPr/>
+        </p:nvPicPr>
+        <p:blipFill>
+          <a:blip r:embed="rId10">
+            <a:extLst>
+              <a:ext uri="{28A0092B-C50C-407E-A947-70E740481C1C}">
+                <a14:useLocalDpi xmlns:a14="http://schemas.microsoft.com/office/drawing/2010/main" val="0"/>
+              </a:ext>
+            </a:extLst>
+          </a:blip>
+          <a:stretch>
+            <a:fillRect/>
+          </a:stretch>
+        </p:blipFill>
+        <p:spPr>
+          <a:xfrm>
+            <a:off x="6193395" y="3013562"/>
+            <a:ext cx="548640" cy="548640"/>
+          </a:xfrm>
+          <a:prstGeom prst="rect">
+            <a:avLst/>
+          </a:prstGeom>
+        </p:spPr>
+      </p:pic>
+      <p:pic>
+        <p:nvPicPr>
+          <p:cNvPr id="27" name="Picture 26"/>
+          <p:cNvPicPr>
+            <a:picLocks noChangeAspect="1"/>
+          </p:cNvPicPr>
+          <p:nvPr/>
+        </p:nvPicPr>
+        <p:blipFill>
+          <a:blip r:embed="rId11">
+            <a:extLst>
+              <a:ext uri="{28A0092B-C50C-407E-A947-70E740481C1C}">
+                <a14:useLocalDpi xmlns:a14="http://schemas.microsoft.com/office/drawing/2010/main" val="0"/>
+              </a:ext>
+            </a:extLst>
+          </a:blip>
+          <a:stretch>
+            <a:fillRect/>
+          </a:stretch>
+        </p:blipFill>
+        <p:spPr>
+          <a:xfrm>
+            <a:off x="6206300" y="3633092"/>
+            <a:ext cx="548640" cy="548640"/>
+          </a:xfrm>
+          <a:prstGeom prst="rect">
+            <a:avLst/>
+          </a:prstGeom>
+        </p:spPr>
+      </p:pic>
+      <p:pic>
+        <p:nvPicPr>
+          <p:cNvPr id="28" name="Picture 27"/>
+          <p:cNvPicPr>
+            <a:picLocks noChangeAspect="1"/>
+          </p:cNvPicPr>
+          <p:nvPr/>
+        </p:nvPicPr>
+        <p:blipFill>
+          <a:blip r:embed="rId12">
+            <a:extLst>
+              <a:ext uri="{28A0092B-C50C-407E-A947-70E740481C1C}">
+                <a14:useLocalDpi xmlns:a14="http://schemas.microsoft.com/office/drawing/2010/main" val="0"/>
+              </a:ext>
+            </a:extLst>
+          </a:blip>
+          <a:stretch>
+            <a:fillRect/>
+          </a:stretch>
+        </p:blipFill>
+        <p:spPr>
+          <a:xfrm>
+            <a:off x="5321232" y="3638555"/>
+            <a:ext cx="548640" cy="548640"/>
+          </a:xfrm>
+          <a:prstGeom prst="rect">
+            <a:avLst/>
+          </a:prstGeom>
+        </p:spPr>
+      </p:pic>
+      <p:pic>
+        <p:nvPicPr>
+          <p:cNvPr id="29" name="Picture 28"/>
+          <p:cNvPicPr>
+            <a:picLocks noChangeAspect="1"/>
+          </p:cNvPicPr>
+          <p:nvPr/>
+        </p:nvPicPr>
+        <p:blipFill>
+          <a:blip r:embed="rId13">
+            <a:extLst>
+              <a:ext uri="{28A0092B-C50C-407E-A947-70E740481C1C}">
+                <a14:useLocalDpi xmlns:a14="http://schemas.microsoft.com/office/drawing/2010/main" val="0"/>
+              </a:ext>
+            </a:extLst>
+          </a:blip>
+          <a:stretch>
+            <a:fillRect/>
+          </a:stretch>
+        </p:blipFill>
+        <p:spPr>
+          <a:xfrm>
+            <a:off x="6186155" y="4232656"/>
+            <a:ext cx="548640" cy="548640"/>
+          </a:xfrm>
+          <a:prstGeom prst="rect">
+            <a:avLst/>
+          </a:prstGeom>
+        </p:spPr>
+      </p:pic>
+      <p:pic>
+        <p:nvPicPr>
+          <p:cNvPr id="30" name="Picture 29"/>
+          <p:cNvPicPr>
+            <a:picLocks noChangeAspect="1"/>
+          </p:cNvPicPr>
+          <p:nvPr/>
+        </p:nvPicPr>
+        <p:blipFill>
+          <a:blip r:embed="rId14">
+            <a:extLst>
+              <a:ext uri="{28A0092B-C50C-407E-A947-70E740481C1C}">
+                <a14:useLocalDpi xmlns:a14="http://schemas.microsoft.com/office/drawing/2010/main" val="0"/>
+              </a:ext>
+            </a:extLst>
+          </a:blip>
+          <a:stretch>
+            <a:fillRect/>
+          </a:stretch>
+        </p:blipFill>
+        <p:spPr>
+          <a:xfrm>
+            <a:off x="5337807" y="4232656"/>
+            <a:ext cx="548640" cy="548640"/>
+          </a:xfrm>
+          <a:prstGeom prst="rect">
+            <a:avLst/>
+          </a:prstGeom>
+        </p:spPr>
+      </p:pic>
+      <p:pic>
+        <p:nvPicPr>
+          <p:cNvPr id="31" name="Picture 30"/>
+          <p:cNvPicPr>
+            <a:picLocks noChangeAspect="1"/>
+          </p:cNvPicPr>
+          <p:nvPr/>
+        </p:nvPicPr>
+        <p:blipFill>
+          <a:blip r:embed="rId15">
+            <a:extLst>
+              <a:ext uri="{28A0092B-C50C-407E-A947-70E740481C1C}">
+                <a14:useLocalDpi xmlns:a14="http://schemas.microsoft.com/office/drawing/2010/main" val="0"/>
+              </a:ext>
+            </a:extLst>
+          </a:blip>
+          <a:stretch>
+            <a:fillRect/>
+          </a:stretch>
+        </p:blipFill>
+        <p:spPr>
+          <a:xfrm>
+            <a:off x="7068144" y="4232656"/>
+            <a:ext cx="548640" cy="548640"/>
+          </a:xfrm>
+          <a:prstGeom prst="rect">
+            <a:avLst/>
+          </a:prstGeom>
+        </p:spPr>
+      </p:pic>
+      <p:pic>
+        <p:nvPicPr>
+          <p:cNvPr id="32" name="Picture 31"/>
+          <p:cNvPicPr>
+            <a:picLocks noChangeAspect="1"/>
+          </p:cNvPicPr>
+          <p:nvPr/>
+        </p:nvPicPr>
+        <p:blipFill>
+          <a:blip r:embed="rId16">
+            <a:extLst>
+              <a:ext uri="{28A0092B-C50C-407E-A947-70E740481C1C}">
+                <a14:useLocalDpi xmlns:a14="http://schemas.microsoft.com/office/drawing/2010/main" val="0"/>
+              </a:ext>
+            </a:extLst>
+          </a:blip>
+          <a:stretch>
+            <a:fillRect/>
+          </a:stretch>
+        </p:blipFill>
+        <p:spPr>
+          <a:xfrm>
+            <a:off x="7886153" y="4241388"/>
+            <a:ext cx="548640" cy="548640"/>
+          </a:xfrm>
+          <a:prstGeom prst="rect">
+            <a:avLst/>
+          </a:prstGeom>
+        </p:spPr>
+      </p:pic>
+    </p:spTree>
+    <p:extLst>
+      <p:ext uri="{BB962C8B-B14F-4D97-AF65-F5344CB8AC3E}">
+        <p14:creationId xmlns:p14="http://schemas.microsoft.com/office/powerpoint/2010/main" val="23846292"/>
+      </p:ext>
+    </p:extLst>
+  </p:cSld>
+  <p:clrMapOvr>
+    <a:masterClrMapping/>
+  </p:clrMapOvr>
+  <p:timing>
+    <p:tnLst>
+      <p:par>
+        <p:cTn id="1" dur="indefinite" restart="never" nodeType="tmRoot"/>
+      </p:par>
+    </p:tnLst>
+  </p:timing>
+</p:sld>
+</file>
+
+<file path=ppt/slides/slide5.xml><?xml version="1.0" encoding="utf-8"?>
+<p:sld xmlns:a="http://schemas.openxmlformats.org/drawingml/2006/main" xmlns:r="http://schemas.openxmlformats.org/officeDocument/2006/relationships" xmlns:p="http://schemas.openxmlformats.org/presentationml/2006/main">
+  <p:cSld>
+    <p:spTree>
+      <p:nvGrpSpPr>
+        <p:cNvPr id="1" name=""/>
+        <p:cNvGrpSpPr/>
+        <p:nvPr/>
+      </p:nvGrpSpPr>
+      <p:grpSpPr>
+        <a:xfrm>
+          <a:off x="0" y="0"/>
+          <a:ext cx="0" cy="0"/>
+          <a:chOff x="0" y="0"/>
+          <a:chExt cx="0" cy="0"/>
+        </a:xfrm>
+      </p:grpSpPr>
+      <p:pic>
+        <p:nvPicPr>
+          <p:cNvPr id="4" name="Picture 3"/>
+          <p:cNvPicPr>
+            <a:picLocks noChangeAspect="1"/>
+          </p:cNvPicPr>
+          <p:nvPr/>
+        </p:nvPicPr>
+        <p:blipFill>
+          <a:blip r:embed="rId2">
+            <a:extLst>
+              <a:ext uri="{28A0092B-C50C-407E-A947-70E740481C1C}">
+                <a14:useLocalDpi xmlns:a14="http://schemas.microsoft.com/office/drawing/2010/main" val="0"/>
+              </a:ext>
+            </a:extLst>
+          </a:blip>
+          <a:stretch>
+            <a:fillRect/>
+          </a:stretch>
+        </p:blipFill>
+        <p:spPr>
+          <a:xfrm>
+            <a:off x="2000861" y="2415296"/>
+            <a:ext cx="548640" cy="548640"/>
+          </a:xfrm>
+          <a:prstGeom prst="rect">
+            <a:avLst/>
+          </a:prstGeom>
+        </p:spPr>
+      </p:pic>
+      <p:pic>
+        <p:nvPicPr>
+          <p:cNvPr id="5" name="Picture 4"/>
+          <p:cNvPicPr>
+            <a:picLocks noChangeAspect="1"/>
+          </p:cNvPicPr>
+          <p:nvPr/>
+        </p:nvPicPr>
+        <p:blipFill>
+          <a:blip r:embed="rId3">
+            <a:extLst>
+              <a:ext uri="{28A0092B-C50C-407E-A947-70E740481C1C}">
+                <a14:useLocalDpi xmlns:a14="http://schemas.microsoft.com/office/drawing/2010/main" val="0"/>
+              </a:ext>
+            </a:extLst>
+          </a:blip>
+          <a:stretch>
+            <a:fillRect/>
+          </a:stretch>
+        </p:blipFill>
+        <p:spPr>
+          <a:xfrm>
+            <a:off x="2772692" y="3042973"/>
+            <a:ext cx="548640" cy="548640"/>
+          </a:xfrm>
+          <a:prstGeom prst="rect">
+            <a:avLst/>
+          </a:prstGeom>
+        </p:spPr>
+      </p:pic>
+      <p:pic>
+        <p:nvPicPr>
+          <p:cNvPr id="6" name="Picture 5"/>
+          <p:cNvPicPr>
+            <a:picLocks noChangeAspect="1"/>
+          </p:cNvPicPr>
+          <p:nvPr/>
+        </p:nvPicPr>
+        <p:blipFill>
+          <a:blip r:embed="rId4">
+            <a:extLst>
+              <a:ext uri="{28A0092B-C50C-407E-A947-70E740481C1C}">
+                <a14:useLocalDpi xmlns:a14="http://schemas.microsoft.com/office/drawing/2010/main" val="0"/>
+              </a:ext>
+            </a:extLst>
+          </a:blip>
+          <a:stretch>
+            <a:fillRect/>
+          </a:stretch>
+        </p:blipFill>
+        <p:spPr>
+          <a:xfrm>
+            <a:off x="3629189" y="3022450"/>
+            <a:ext cx="548640" cy="548640"/>
+          </a:xfrm>
+          <a:prstGeom prst="rect">
+            <a:avLst/>
+          </a:prstGeom>
+        </p:spPr>
+      </p:pic>
+      <p:pic>
+        <p:nvPicPr>
+          <p:cNvPr id="9" name="Picture 8"/>
+          <p:cNvPicPr>
+            <a:picLocks noChangeAspect="1"/>
+          </p:cNvPicPr>
+          <p:nvPr/>
+        </p:nvPicPr>
+        <p:blipFill>
+          <a:blip r:embed="rId5">
+            <a:extLst>
+              <a:ext uri="{28A0092B-C50C-407E-A947-70E740481C1C}">
+                <a14:useLocalDpi xmlns:a14="http://schemas.microsoft.com/office/drawing/2010/main" val="0"/>
+              </a:ext>
+            </a:extLst>
+          </a:blip>
+          <a:stretch>
+            <a:fillRect/>
+          </a:stretch>
+        </p:blipFill>
+        <p:spPr>
+          <a:xfrm>
+            <a:off x="2780879" y="4232656"/>
+            <a:ext cx="548640" cy="548640"/>
+          </a:xfrm>
+          <a:prstGeom prst="rect">
+            <a:avLst/>
+          </a:prstGeom>
+        </p:spPr>
+      </p:pic>
+      <p:pic>
+        <p:nvPicPr>
+          <p:cNvPr id="10" name="Picture 9"/>
+          <p:cNvPicPr>
+            <a:picLocks noChangeAspect="1"/>
+          </p:cNvPicPr>
+          <p:nvPr/>
+        </p:nvPicPr>
+        <p:blipFill>
+          <a:blip r:embed="rId6">
+            <a:extLst>
+              <a:ext uri="{28A0092B-C50C-407E-A947-70E740481C1C}">
+                <a14:useLocalDpi xmlns:a14="http://schemas.microsoft.com/office/drawing/2010/main" val="0"/>
+              </a:ext>
+            </a:extLst>
+          </a:blip>
+          <a:stretch>
+            <a:fillRect/>
+          </a:stretch>
+        </p:blipFill>
+        <p:spPr>
+          <a:xfrm>
+            <a:off x="3688635" y="4241388"/>
+            <a:ext cx="548640" cy="548640"/>
+          </a:xfrm>
+          <a:prstGeom prst="rect">
+            <a:avLst/>
+          </a:prstGeom>
+        </p:spPr>
+      </p:pic>
+      <p:pic>
+        <p:nvPicPr>
+          <p:cNvPr id="12" name="Picture 11"/>
+          <p:cNvPicPr>
+            <a:picLocks noChangeAspect="1"/>
+          </p:cNvPicPr>
+          <p:nvPr/>
+        </p:nvPicPr>
+        <p:blipFill>
+          <a:blip r:embed="rId7">
+            <a:extLst>
+              <a:ext uri="{28A0092B-C50C-407E-A947-70E740481C1C}">
+                <a14:useLocalDpi xmlns:a14="http://schemas.microsoft.com/office/drawing/2010/main" val="0"/>
+              </a:ext>
+            </a:extLst>
+          </a:blip>
+          <a:stretch>
+            <a:fillRect/>
+          </a:stretch>
+        </p:blipFill>
+        <p:spPr>
+          <a:xfrm>
+            <a:off x="3688635" y="3633092"/>
+            <a:ext cx="548640" cy="548640"/>
+          </a:xfrm>
+          <a:prstGeom prst="rect">
+            <a:avLst/>
+          </a:prstGeom>
+        </p:spPr>
+      </p:pic>
+      <p:pic>
+        <p:nvPicPr>
+          <p:cNvPr id="13" name="Picture 12"/>
+          <p:cNvPicPr>
+            <a:picLocks noChangeAspect="1"/>
+          </p:cNvPicPr>
+          <p:nvPr/>
+        </p:nvPicPr>
+        <p:blipFill>
+          <a:blip r:embed="rId2">
+            <a:extLst>
+              <a:ext uri="{28A0092B-C50C-407E-A947-70E740481C1C}">
+                <a14:useLocalDpi xmlns:a14="http://schemas.microsoft.com/office/drawing/2010/main" val="0"/>
+              </a:ext>
+            </a:extLst>
+          </a:blip>
+          <a:stretch>
+            <a:fillRect/>
+          </a:stretch>
+        </p:blipFill>
+        <p:spPr>
+          <a:xfrm>
+            <a:off x="1942196" y="3016767"/>
+            <a:ext cx="548640" cy="548640"/>
+          </a:xfrm>
+          <a:prstGeom prst="rect">
+            <a:avLst/>
+          </a:prstGeom>
+        </p:spPr>
+      </p:pic>
+      <p:pic>
+        <p:nvPicPr>
+          <p:cNvPr id="14" name="Picture 13"/>
+          <p:cNvPicPr>
+            <a:picLocks noChangeAspect="1"/>
+          </p:cNvPicPr>
+          <p:nvPr/>
+        </p:nvPicPr>
+        <p:blipFill>
+          <a:blip r:embed="rId2">
+            <a:extLst>
+              <a:ext uri="{28A0092B-C50C-407E-A947-70E740481C1C}">
+                <a14:useLocalDpi xmlns:a14="http://schemas.microsoft.com/office/drawing/2010/main" val="0"/>
+              </a:ext>
+            </a:extLst>
+          </a:blip>
+          <a:stretch>
+            <a:fillRect/>
+          </a:stretch>
+        </p:blipFill>
+        <p:spPr>
+          <a:xfrm>
+            <a:off x="1928017" y="3636202"/>
+            <a:ext cx="548640" cy="548640"/>
+          </a:xfrm>
+          <a:prstGeom prst="rect">
+            <a:avLst/>
+          </a:prstGeom>
+        </p:spPr>
+      </p:pic>
+      <p:pic>
+        <p:nvPicPr>
+          <p:cNvPr id="15" name="Picture 14"/>
+          <p:cNvPicPr>
+            <a:picLocks noChangeAspect="1"/>
+          </p:cNvPicPr>
+          <p:nvPr/>
+        </p:nvPicPr>
+        <p:blipFill>
+          <a:blip r:embed="rId8">
+            <a:extLst>
+              <a:ext uri="{28A0092B-C50C-407E-A947-70E740481C1C}">
+                <a14:useLocalDpi xmlns:a14="http://schemas.microsoft.com/office/drawing/2010/main" val="0"/>
+              </a:ext>
+            </a:extLst>
+          </a:blip>
+          <a:stretch>
+            <a:fillRect/>
+          </a:stretch>
+        </p:blipFill>
+        <p:spPr>
+          <a:xfrm>
+            <a:off x="2821102" y="3636202"/>
+            <a:ext cx="548640" cy="548640"/>
+          </a:xfrm>
+          <a:prstGeom prst="rect">
+            <a:avLst/>
+          </a:prstGeom>
+        </p:spPr>
+      </p:pic>
+      <p:pic>
+        <p:nvPicPr>
+          <p:cNvPr id="16" name="Picture 15"/>
+          <p:cNvPicPr>
+            <a:picLocks noChangeAspect="1"/>
+          </p:cNvPicPr>
+          <p:nvPr/>
+        </p:nvPicPr>
+        <p:blipFill>
+          <a:blip r:embed="rId2">
+            <a:extLst>
+              <a:ext uri="{28A0092B-C50C-407E-A947-70E740481C1C}">
+                <a14:useLocalDpi xmlns:a14="http://schemas.microsoft.com/office/drawing/2010/main" val="0"/>
+              </a:ext>
+            </a:extLst>
+          </a:blip>
+          <a:stretch>
+            <a:fillRect/>
+          </a:stretch>
+        </p:blipFill>
+        <p:spPr>
+          <a:xfrm>
+            <a:off x="1924859" y="4237090"/>
+            <a:ext cx="548640" cy="548640"/>
+          </a:xfrm>
+          <a:prstGeom prst="rect">
+            <a:avLst/>
+          </a:prstGeom>
+        </p:spPr>
+      </p:pic>
+      <p:sp>
+        <p:nvSpPr>
+          <p:cNvPr id="17" name="TextBox 16"/>
+          <p:cNvSpPr txBox="1"/>
+          <p:nvPr/>
+        </p:nvSpPr>
+        <p:spPr>
+          <a:xfrm>
+            <a:off x="1924859" y="1914009"/>
+            <a:ext cx="2487980" cy="369332"/>
+          </a:xfrm>
+          <a:prstGeom prst="rect">
+            <a:avLst/>
+          </a:prstGeom>
+          <a:noFill/>
+        </p:spPr>
+        <p:txBody>
+          <a:bodyPr wrap="square" rtlCol="0">
+            <a:spAutoFit/>
+          </a:bodyPr>
+          <a:lstStyle/>
+          <a:p>
+            <a:r>
+              <a:rPr lang="en-US" b="1" smtClean="0">
+                <a:latin typeface="Arial" charset="0"/>
+                <a:ea typeface="Arial" charset="0"/>
+                <a:cs typeface="Arial" charset="0"/>
+              </a:rPr>
+              <a:t>Learning Exemplars</a:t>
+            </a:r>
+            <a:endParaRPr lang="en-US" b="1" dirty="0">
+              <a:latin typeface="Arial" charset="0"/>
+              <a:ea typeface="Arial" charset="0"/>
+              <a:cs typeface="Arial" charset="0"/>
+            </a:endParaRPr>
+          </a:p>
+        </p:txBody>
+      </p:sp>
+      <p:sp>
+        <p:nvSpPr>
+          <p:cNvPr id="18" name="TextBox 17"/>
+          <p:cNvSpPr txBox="1"/>
+          <p:nvPr/>
+        </p:nvSpPr>
+        <p:spPr>
+          <a:xfrm>
+            <a:off x="374206" y="2504950"/>
+            <a:ext cx="569387" cy="369332"/>
+          </a:xfrm>
+          <a:prstGeom prst="rect">
+            <a:avLst/>
+          </a:prstGeom>
+          <a:noFill/>
+        </p:spPr>
+        <p:txBody>
+          <a:bodyPr wrap="none" rtlCol="0">
+            <a:spAutoFit/>
+          </a:bodyPr>
+          <a:lstStyle/>
+          <a:p>
+            <a:r>
+              <a:rPr lang="en-US" dirty="0" smtClean="0">
+                <a:latin typeface="Arial" charset="0"/>
+                <a:ea typeface="Arial" charset="0"/>
+                <a:cs typeface="Arial" charset="0"/>
+              </a:rPr>
+              <a:t>one</a:t>
+            </a:r>
+            <a:endParaRPr lang="en-US" dirty="0">
+              <a:latin typeface="Arial" charset="0"/>
+              <a:ea typeface="Arial" charset="0"/>
+              <a:cs typeface="Arial" charset="0"/>
+            </a:endParaRPr>
+          </a:p>
+        </p:txBody>
+      </p:sp>
+      <p:sp>
+        <p:nvSpPr>
+          <p:cNvPr id="19" name="TextBox 18"/>
+          <p:cNvSpPr txBox="1"/>
+          <p:nvPr/>
+        </p:nvSpPr>
+        <p:spPr>
+          <a:xfrm>
+            <a:off x="341682" y="3112104"/>
+            <a:ext cx="1390124" cy="369332"/>
+          </a:xfrm>
+          <a:prstGeom prst="rect">
+            <a:avLst/>
+          </a:prstGeom>
+          <a:noFill/>
+        </p:spPr>
+        <p:txBody>
+          <a:bodyPr wrap="none" rtlCol="0">
+            <a:spAutoFit/>
+          </a:bodyPr>
+          <a:lstStyle/>
+          <a:p>
+            <a:r>
+              <a:rPr lang="en-US" dirty="0" smtClean="0">
+                <a:latin typeface="Arial" charset="0"/>
+                <a:ea typeface="Arial" charset="0"/>
+                <a:cs typeface="Arial" charset="0"/>
+              </a:rPr>
+              <a:t>subordinate</a:t>
+            </a:r>
+            <a:endParaRPr lang="en-US" dirty="0">
+              <a:latin typeface="Arial" charset="0"/>
+              <a:ea typeface="Arial" charset="0"/>
+              <a:cs typeface="Arial" charset="0"/>
+            </a:endParaRPr>
+          </a:p>
+        </p:txBody>
+      </p:sp>
+      <p:sp>
+        <p:nvSpPr>
+          <p:cNvPr id="20" name="TextBox 19"/>
+          <p:cNvSpPr txBox="1"/>
+          <p:nvPr/>
+        </p:nvSpPr>
+        <p:spPr>
+          <a:xfrm>
+            <a:off x="355561" y="3736322"/>
+            <a:ext cx="723275" cy="369332"/>
+          </a:xfrm>
+          <a:prstGeom prst="rect">
+            <a:avLst/>
+          </a:prstGeom>
+          <a:noFill/>
+        </p:spPr>
+        <p:txBody>
+          <a:bodyPr wrap="none" rtlCol="0">
+            <a:spAutoFit/>
+          </a:bodyPr>
+          <a:lstStyle/>
+          <a:p>
+            <a:r>
+              <a:rPr lang="en-US" dirty="0" smtClean="0">
+                <a:latin typeface="Arial" charset="0"/>
+                <a:ea typeface="Arial" charset="0"/>
+                <a:cs typeface="Arial" charset="0"/>
+              </a:rPr>
+              <a:t>basic</a:t>
+            </a:r>
+            <a:endParaRPr lang="en-US" dirty="0">
+              <a:latin typeface="Arial" charset="0"/>
+              <a:ea typeface="Arial" charset="0"/>
+              <a:cs typeface="Arial" charset="0"/>
+            </a:endParaRPr>
+          </a:p>
+        </p:txBody>
+      </p:sp>
+      <p:sp>
+        <p:nvSpPr>
+          <p:cNvPr id="21" name="TextBox 20"/>
+          <p:cNvSpPr txBox="1"/>
+          <p:nvPr/>
+        </p:nvSpPr>
+        <p:spPr>
+          <a:xfrm>
+            <a:off x="353180" y="4326744"/>
+            <a:ext cx="1595309" cy="369332"/>
+          </a:xfrm>
+          <a:prstGeom prst="rect">
+            <a:avLst/>
+          </a:prstGeom>
+          <a:noFill/>
+        </p:spPr>
+        <p:txBody>
+          <a:bodyPr wrap="none" rtlCol="0">
+            <a:spAutoFit/>
+          </a:bodyPr>
+          <a:lstStyle/>
+          <a:p>
+            <a:r>
+              <a:rPr lang="en-US" dirty="0" smtClean="0">
+                <a:latin typeface="Arial" charset="0"/>
+                <a:ea typeface="Arial" charset="0"/>
+                <a:cs typeface="Arial" charset="0"/>
+              </a:rPr>
+              <a:t>superordinate</a:t>
+            </a:r>
+            <a:endParaRPr lang="en-US" dirty="0">
+              <a:latin typeface="Arial" charset="0"/>
+              <a:ea typeface="Arial" charset="0"/>
+              <a:cs typeface="Arial" charset="0"/>
+            </a:endParaRPr>
+          </a:p>
+        </p:txBody>
+      </p:sp>
+      <p:sp>
+        <p:nvSpPr>
+          <p:cNvPr id="22" name="TextBox 21"/>
+          <p:cNvSpPr txBox="1"/>
+          <p:nvPr/>
+        </p:nvSpPr>
+        <p:spPr>
+          <a:xfrm>
+            <a:off x="5183266" y="1914009"/>
+            <a:ext cx="3005951" cy="369332"/>
+          </a:xfrm>
+          <a:prstGeom prst="rect">
+            <a:avLst/>
+          </a:prstGeom>
+          <a:noFill/>
+        </p:spPr>
+        <p:txBody>
+          <a:bodyPr wrap="none" rtlCol="0">
+            <a:spAutoFit/>
+          </a:bodyPr>
+          <a:lstStyle/>
+          <a:p>
+            <a:r>
+              <a:rPr lang="en-US" b="1" smtClean="0">
+                <a:latin typeface="Arial" charset="0"/>
+                <a:ea typeface="Arial" charset="0"/>
+                <a:cs typeface="Arial" charset="0"/>
+              </a:rPr>
+              <a:t>Generalization Exemplars</a:t>
+            </a:r>
+            <a:endParaRPr lang="en-US" b="1" dirty="0">
+              <a:latin typeface="Arial" charset="0"/>
+              <a:ea typeface="Arial" charset="0"/>
+              <a:cs typeface="Arial" charset="0"/>
+            </a:endParaRPr>
+          </a:p>
+        </p:txBody>
+      </p:sp>
+      <p:pic>
+        <p:nvPicPr>
+          <p:cNvPr id="25" name="Picture 24"/>
+          <p:cNvPicPr>
+            <a:picLocks noChangeAspect="1"/>
+          </p:cNvPicPr>
+          <p:nvPr/>
+        </p:nvPicPr>
+        <p:blipFill>
+          <a:blip r:embed="rId9">
+            <a:extLst>
+              <a:ext uri="{28A0092B-C50C-407E-A947-70E740481C1C}">
+                <a14:useLocalDpi xmlns:a14="http://schemas.microsoft.com/office/drawing/2010/main" val="0"/>
+              </a:ext>
+            </a:extLst>
+          </a:blip>
+          <a:stretch>
+            <a:fillRect/>
+          </a:stretch>
+        </p:blipFill>
+        <p:spPr>
+          <a:xfrm>
+            <a:off x="5362145" y="3016767"/>
+            <a:ext cx="548640" cy="548640"/>
+          </a:xfrm>
+          <a:prstGeom prst="rect">
+            <a:avLst/>
+          </a:prstGeom>
+        </p:spPr>
+      </p:pic>
+      <p:pic>
+        <p:nvPicPr>
+          <p:cNvPr id="26" name="Picture 25"/>
+          <p:cNvPicPr>
+            <a:picLocks noChangeAspect="1"/>
+          </p:cNvPicPr>
+          <p:nvPr/>
+        </p:nvPicPr>
+        <p:blipFill>
+          <a:blip r:embed="rId10">
+            <a:extLst>
+              <a:ext uri="{28A0092B-C50C-407E-A947-70E740481C1C}">
+                <a14:useLocalDpi xmlns:a14="http://schemas.microsoft.com/office/drawing/2010/main" val="0"/>
+              </a:ext>
+            </a:extLst>
+          </a:blip>
+          <a:stretch>
+            <a:fillRect/>
+          </a:stretch>
+        </p:blipFill>
+        <p:spPr>
+          <a:xfrm>
+            <a:off x="6193395" y="3013562"/>
+            <a:ext cx="548640" cy="548640"/>
+          </a:xfrm>
+          <a:prstGeom prst="rect">
+            <a:avLst/>
+          </a:prstGeom>
+        </p:spPr>
+      </p:pic>
+      <p:pic>
+        <p:nvPicPr>
+          <p:cNvPr id="27" name="Picture 26"/>
+          <p:cNvPicPr>
+            <a:picLocks noChangeAspect="1"/>
+          </p:cNvPicPr>
+          <p:nvPr/>
+        </p:nvPicPr>
+        <p:blipFill>
+          <a:blip r:embed="rId11">
+            <a:extLst>
+              <a:ext uri="{28A0092B-C50C-407E-A947-70E740481C1C}">
+                <a14:useLocalDpi xmlns:a14="http://schemas.microsoft.com/office/drawing/2010/main" val="0"/>
+              </a:ext>
+            </a:extLst>
+          </a:blip>
+          <a:stretch>
+            <a:fillRect/>
+          </a:stretch>
+        </p:blipFill>
+        <p:spPr>
+          <a:xfrm>
+            <a:off x="6206300" y="3633092"/>
+            <a:ext cx="548640" cy="548640"/>
+          </a:xfrm>
+          <a:prstGeom prst="rect">
+            <a:avLst/>
+          </a:prstGeom>
+        </p:spPr>
+      </p:pic>
+      <p:pic>
+        <p:nvPicPr>
+          <p:cNvPr id="28" name="Picture 27"/>
+          <p:cNvPicPr>
+            <a:picLocks noChangeAspect="1"/>
+          </p:cNvPicPr>
+          <p:nvPr/>
+        </p:nvPicPr>
+        <p:blipFill>
+          <a:blip r:embed="rId12">
+            <a:extLst>
+              <a:ext uri="{28A0092B-C50C-407E-A947-70E740481C1C}">
+                <a14:useLocalDpi xmlns:a14="http://schemas.microsoft.com/office/drawing/2010/main" val="0"/>
+              </a:ext>
+            </a:extLst>
+          </a:blip>
+          <a:stretch>
+            <a:fillRect/>
+          </a:stretch>
+        </p:blipFill>
+        <p:spPr>
+          <a:xfrm>
+            <a:off x="5321232" y="3638555"/>
+            <a:ext cx="548640" cy="548640"/>
+          </a:xfrm>
+          <a:prstGeom prst="rect">
+            <a:avLst/>
+          </a:prstGeom>
+        </p:spPr>
+      </p:pic>
+      <p:pic>
+        <p:nvPicPr>
+          <p:cNvPr id="29" name="Picture 28"/>
+          <p:cNvPicPr>
+            <a:picLocks noChangeAspect="1"/>
+          </p:cNvPicPr>
+          <p:nvPr/>
+        </p:nvPicPr>
+        <p:blipFill>
+          <a:blip r:embed="rId13">
+            <a:extLst>
+              <a:ext uri="{28A0092B-C50C-407E-A947-70E740481C1C}">
+                <a14:useLocalDpi xmlns:a14="http://schemas.microsoft.com/office/drawing/2010/main" val="0"/>
+              </a:ext>
+            </a:extLst>
+          </a:blip>
+          <a:stretch>
+            <a:fillRect/>
+          </a:stretch>
+        </p:blipFill>
+        <p:spPr>
+          <a:xfrm>
+            <a:off x="6186155" y="4232656"/>
+            <a:ext cx="548640" cy="548640"/>
+          </a:xfrm>
+          <a:prstGeom prst="rect">
+            <a:avLst/>
+          </a:prstGeom>
+        </p:spPr>
+      </p:pic>
+      <p:pic>
+        <p:nvPicPr>
+          <p:cNvPr id="30" name="Picture 29"/>
+          <p:cNvPicPr>
+            <a:picLocks noChangeAspect="1"/>
+          </p:cNvPicPr>
+          <p:nvPr/>
+        </p:nvPicPr>
+        <p:blipFill>
+          <a:blip r:embed="rId14">
+            <a:extLst>
+              <a:ext uri="{28A0092B-C50C-407E-A947-70E740481C1C}">
+                <a14:useLocalDpi xmlns:a14="http://schemas.microsoft.com/office/drawing/2010/main" val="0"/>
+              </a:ext>
+            </a:extLst>
+          </a:blip>
+          <a:stretch>
+            <a:fillRect/>
+          </a:stretch>
+        </p:blipFill>
+        <p:spPr>
+          <a:xfrm>
+            <a:off x="5337807" y="4232656"/>
+            <a:ext cx="548640" cy="548640"/>
+          </a:xfrm>
+          <a:prstGeom prst="rect">
+            <a:avLst/>
+          </a:prstGeom>
+        </p:spPr>
+      </p:pic>
+      <p:pic>
+        <p:nvPicPr>
+          <p:cNvPr id="31" name="Picture 30"/>
+          <p:cNvPicPr>
+            <a:picLocks noChangeAspect="1"/>
+          </p:cNvPicPr>
+          <p:nvPr/>
+        </p:nvPicPr>
+        <p:blipFill>
+          <a:blip r:embed="rId15">
+            <a:extLst>
+              <a:ext uri="{28A0092B-C50C-407E-A947-70E740481C1C}">
+                <a14:useLocalDpi xmlns:a14="http://schemas.microsoft.com/office/drawing/2010/main" val="0"/>
+              </a:ext>
+            </a:extLst>
+          </a:blip>
+          <a:stretch>
+            <a:fillRect/>
+          </a:stretch>
+        </p:blipFill>
+        <p:spPr>
+          <a:xfrm>
+            <a:off x="7068144" y="4232656"/>
+            <a:ext cx="548640" cy="548640"/>
+          </a:xfrm>
+          <a:prstGeom prst="rect">
+            <a:avLst/>
+          </a:prstGeom>
+        </p:spPr>
+      </p:pic>
+      <p:pic>
+        <p:nvPicPr>
+          <p:cNvPr id="32" name="Picture 31"/>
+          <p:cNvPicPr>
+            <a:picLocks noChangeAspect="1"/>
+          </p:cNvPicPr>
+          <p:nvPr/>
+        </p:nvPicPr>
+        <p:blipFill>
+          <a:blip r:embed="rId16">
+            <a:extLst>
+              <a:ext uri="{28A0092B-C50C-407E-A947-70E740481C1C}">
+                <a14:useLocalDpi xmlns:a14="http://schemas.microsoft.com/office/drawing/2010/main" val="0"/>
+              </a:ext>
+            </a:extLst>
+          </a:blip>
+          <a:stretch>
+            <a:fillRect/>
+          </a:stretch>
+        </p:blipFill>
+        <p:spPr>
+          <a:xfrm>
+            <a:off x="7886153" y="4241388"/>
+            <a:ext cx="548640" cy="548640"/>
+          </a:xfrm>
+          <a:prstGeom prst="rect">
+            <a:avLst/>
+          </a:prstGeom>
+        </p:spPr>
+      </p:pic>
+    </p:spTree>
+    <p:extLst>
+      <p:ext uri="{BB962C8B-B14F-4D97-AF65-F5344CB8AC3E}">
+        <p14:creationId xmlns:p14="http://schemas.microsoft.com/office/powerpoint/2010/main" val="2136036763"/>
+      </p:ext>
+    </p:extLst>
+  </p:cSld>
+  <p:clrMapOvr>
+    <a:masterClrMapping/>
+  </p:clrMapOvr>
+  <p:timing>
+    <p:tnLst>
+      <p:par>
+        <p:cTn id="1" dur="indefinite" restart="never" nodeType="tmRoot"/>
+      </p:par>
+    </p:tnLst>
+  </p:timing>
+</p:sld>
+</file>
+
 <file path=ppt/theme/theme1.xml><?xml version="1.0" encoding="utf-8"?>
 <a:theme xmlns:a="http://schemas.openxmlformats.org/drawingml/2006/main" name="Office Theme">
   <a:themeElements>
@@ -3600,4 +8042,265 @@
     </a:ext>
   </a:extLst>
 </a:theme>
+</file>
+
+<file path=ppt/theme/theme2.xml><?xml version="1.0" encoding="utf-8"?>
+<a:theme xmlns:a="http://schemas.openxmlformats.org/drawingml/2006/main" name="Office Theme">
+  <a:themeElements>
+    <a:clrScheme name="Office">
+      <a:dk1>
+        <a:sysClr val="windowText" lastClr="000000"/>
+      </a:dk1>
+      <a:lt1>
+        <a:sysClr val="window" lastClr="FFFFFF"/>
+      </a:lt1>
+      <a:dk2>
+        <a:srgbClr val="44546A"/>
+      </a:dk2>
+      <a:lt2>
+        <a:srgbClr val="E7E6E6"/>
+      </a:lt2>
+      <a:accent1>
+        <a:srgbClr val="4472C4"/>
+      </a:accent1>
+      <a:accent2>
+        <a:srgbClr val="ED7D31"/>
+      </a:accent2>
+      <a:accent3>
+        <a:srgbClr val="A5A5A5"/>
+      </a:accent3>
+      <a:accent4>
+        <a:srgbClr val="FFC000"/>
+      </a:accent4>
+      <a:accent5>
+        <a:srgbClr val="5B9BD5"/>
+      </a:accent5>
+      <a:accent6>
+        <a:srgbClr val="70AD47"/>
+      </a:accent6>
+      <a:hlink>
+        <a:srgbClr val="0563C1"/>
+      </a:hlink>
+      <a:folHlink>
+        <a:srgbClr val="954F72"/>
+      </a:folHlink>
+    </a:clrScheme>
+    <a:fontScheme name="Office">
+      <a:majorFont>
+        <a:latin typeface="Calibri Light" panose="020F0302020204030204"/>
+        <a:ea typeface=""/>
+        <a:cs typeface=""/>
+        <a:font script="Jpan" typeface="Yu Gothic Light"/>
+        <a:font script="Hang" typeface="맑은 고딕"/>
+        <a:font script="Hans" typeface="DengXian Light"/>
+        <a:font script="Hant" typeface="新細明體"/>
+        <a:font script="Arab" typeface="Times New Roman"/>
+        <a:font script="Hebr" typeface="Times New Roman"/>
+        <a:font script="Thai" typeface="Angsana New"/>
+        <a:font script="Ethi" typeface="Nyala"/>
+        <a:font script="Beng" typeface="Vrinda"/>
+        <a:font script="Gujr" typeface="Shruti"/>
+        <a:font script="Khmr" typeface="MoolBoran"/>
+        <a:font script="Knda" typeface="Tunga"/>
+        <a:font script="Guru" typeface="Raavi"/>
+        <a:font script="Cans" typeface="Euphemia"/>
+        <a:font script="Cher" typeface="Plantagenet Cherokee"/>
+        <a:font script="Yiii" typeface="Microsoft Yi Baiti"/>
+        <a:font script="Tibt" typeface="Microsoft Himalaya"/>
+        <a:font script="Thaa" typeface="MV Boli"/>
+        <a:font script="Deva" typeface="Mangal"/>
+        <a:font script="Telu" typeface="Gautami"/>
+        <a:font script="Taml" typeface="Latha"/>
+        <a:font script="Syrc" typeface="Estrangelo Edessa"/>
+        <a:font script="Orya" typeface="Kalinga"/>
+        <a:font script="Mlym" typeface="Kartika"/>
+        <a:font script="Laoo" typeface="DokChampa"/>
+        <a:font script="Sinh" typeface="Iskoola Pota"/>
+        <a:font script="Mong" typeface="Mongolian Baiti"/>
+        <a:font script="Viet" typeface="Times New Roman"/>
+        <a:font script="Uigh" typeface="Microsoft Uighur"/>
+        <a:font script="Geor" typeface="Sylfaen"/>
+      </a:majorFont>
+      <a:minorFont>
+        <a:latin typeface="Calibri" panose="020F0502020204030204"/>
+        <a:ea typeface=""/>
+        <a:cs typeface=""/>
+        <a:font script="Jpan" typeface="Yu Gothic"/>
+        <a:font script="Hang" typeface="맑은 고딕"/>
+        <a:font script="Hans" typeface="DengXian"/>
+        <a:font script="Hant" typeface="新細明體"/>
+        <a:font script="Arab" typeface="Arial"/>
+        <a:font script="Hebr" typeface="Arial"/>
+        <a:font script="Thai" typeface="Cordia New"/>
+        <a:font script="Ethi" typeface="Nyala"/>
+        <a:font script="Beng" typeface="Vrinda"/>
+        <a:font script="Gujr" typeface="Shruti"/>
+        <a:font script="Khmr" typeface="DaunPenh"/>
+        <a:font script="Knda" typeface="Tunga"/>
+        <a:font script="Guru" typeface="Raavi"/>
+        <a:font script="Cans" typeface="Euphemia"/>
+        <a:font script="Cher" typeface="Plantagenet Cherokee"/>
+        <a:font script="Yiii" typeface="Microsoft Yi Baiti"/>
+        <a:font script="Tibt" typeface="Microsoft Himalaya"/>
+        <a:font script="Thaa" typeface="MV Boli"/>
+        <a:font script="Deva" typeface="Mangal"/>
+        <a:font script="Telu" typeface="Gautami"/>
+        <a:font script="Taml" typeface="Latha"/>
+        <a:font script="Syrc" typeface="Estrangelo Edessa"/>
+        <a:font script="Orya" typeface="Kalinga"/>
+        <a:font script="Mlym" typeface="Kartika"/>
+        <a:font script="Laoo" typeface="DokChampa"/>
+        <a:font script="Sinh" typeface="Iskoola Pota"/>
+        <a:font script="Mong" typeface="Mongolian Baiti"/>
+        <a:font script="Viet" typeface="Arial"/>
+        <a:font script="Uigh" typeface="Microsoft Uighur"/>
+        <a:font script="Geor" typeface="Sylfaen"/>
+      </a:minorFont>
+    </a:fontScheme>
+    <a:fmtScheme name="Office">
+      <a:fillStyleLst>
+        <a:solidFill>
+          <a:schemeClr val="phClr"/>
+        </a:solidFill>
+        <a:gradFill rotWithShape="1">
+          <a:gsLst>
+            <a:gs pos="0">
+              <a:schemeClr val="phClr">
+                <a:lumMod val="110000"/>
+                <a:satMod val="105000"/>
+                <a:tint val="67000"/>
+              </a:schemeClr>
+            </a:gs>
+            <a:gs pos="50000">
+              <a:schemeClr val="phClr">
+                <a:lumMod val="105000"/>
+                <a:satMod val="103000"/>
+                <a:tint val="73000"/>
+              </a:schemeClr>
+            </a:gs>
+            <a:gs pos="100000">
+              <a:schemeClr val="phClr">
+                <a:lumMod val="105000"/>
+                <a:satMod val="109000"/>
+                <a:tint val="81000"/>
+              </a:schemeClr>
+            </a:gs>
+          </a:gsLst>
+          <a:lin ang="5400000" scaled="0"/>
+        </a:gradFill>
+        <a:gradFill rotWithShape="1">
+          <a:gsLst>
+            <a:gs pos="0">
+              <a:schemeClr val="phClr">
+                <a:satMod val="103000"/>
+                <a:lumMod val="102000"/>
+                <a:tint val="94000"/>
+              </a:schemeClr>
+            </a:gs>
+            <a:gs pos="50000">
+              <a:schemeClr val="phClr">
+                <a:satMod val="110000"/>
+                <a:lumMod val="100000"/>
+                <a:shade val="100000"/>
+              </a:schemeClr>
+            </a:gs>
+            <a:gs pos="100000">
+              <a:schemeClr val="phClr">
+                <a:lumMod val="99000"/>
+                <a:satMod val="120000"/>
+                <a:shade val="78000"/>
+              </a:schemeClr>
+            </a:gs>
+          </a:gsLst>
+          <a:lin ang="5400000" scaled="0"/>
+        </a:gradFill>
+      </a:fillStyleLst>
+      <a:lnStyleLst>
+        <a:ln w="6350" cap="flat" cmpd="sng" algn="ctr">
+          <a:solidFill>
+            <a:schemeClr val="phClr"/>
+          </a:solidFill>
+          <a:prstDash val="solid"/>
+          <a:miter lim="800000"/>
+        </a:ln>
+        <a:ln w="12700" cap="flat" cmpd="sng" algn="ctr">
+          <a:solidFill>
+            <a:schemeClr val="phClr"/>
+          </a:solidFill>
+          <a:prstDash val="solid"/>
+          <a:miter lim="800000"/>
+        </a:ln>
+        <a:ln w="19050" cap="flat" cmpd="sng" algn="ctr">
+          <a:solidFill>
+            <a:schemeClr val="phClr"/>
+          </a:solidFill>
+          <a:prstDash val="solid"/>
+          <a:miter lim="800000"/>
+        </a:ln>
+      </a:lnStyleLst>
+      <a:effectStyleLst>
+        <a:effectStyle>
+          <a:effectLst/>
+        </a:effectStyle>
+        <a:effectStyle>
+          <a:effectLst/>
+        </a:effectStyle>
+        <a:effectStyle>
+          <a:effectLst>
+            <a:outerShdw blurRad="57150" dist="19050" dir="5400000" algn="ctr" rotWithShape="0">
+              <a:srgbClr val="000000">
+                <a:alpha val="63000"/>
+              </a:srgbClr>
+            </a:outerShdw>
+          </a:effectLst>
+        </a:effectStyle>
+      </a:effectStyleLst>
+      <a:bgFillStyleLst>
+        <a:solidFill>
+          <a:schemeClr val="phClr"/>
+        </a:solidFill>
+        <a:solidFill>
+          <a:schemeClr val="phClr">
+            <a:tint val="95000"/>
+            <a:satMod val="170000"/>
+          </a:schemeClr>
+        </a:solidFill>
+        <a:gradFill rotWithShape="1">
+          <a:gsLst>
+            <a:gs pos="0">
+              <a:schemeClr val="phClr">
+                <a:tint val="93000"/>
+                <a:satMod val="150000"/>
+                <a:shade val="98000"/>
+                <a:lumMod val="102000"/>
+              </a:schemeClr>
+            </a:gs>
+            <a:gs pos="50000">
+              <a:schemeClr val="phClr">
+                <a:tint val="98000"/>
+                <a:satMod val="130000"/>
+                <a:shade val="90000"/>
+                <a:lumMod val="103000"/>
+              </a:schemeClr>
+            </a:gs>
+            <a:gs pos="100000">
+              <a:schemeClr val="phClr">
+                <a:shade val="63000"/>
+                <a:satMod val="120000"/>
+              </a:schemeClr>
+            </a:gs>
+          </a:gsLst>
+          <a:lin ang="5400000" scaled="0"/>
+        </a:gradFill>
+      </a:bgFillStyleLst>
+    </a:fmtScheme>
+  </a:themeElements>
+  <a:objectDefaults/>
+  <a:extraClrSchemeLst/>
+  <a:extLst>
+    <a:ext uri="{05A4C25C-085E-4340-85A3-A5531E510DB2}">
+      <thm15:themeFamily xmlns:thm15="http://schemas.microsoft.com/office/thememl/2012/main" name="Office Theme" id="{62F939B6-93AF-4DB8-9C6B-D6C7DFDC589F}" vid="{4A3C46E8-61CC-4603-A589-7422A47A8E4A}"/>
+    </a:ext>
+  </a:extLst>
+</a:theme>
 </file>